--- a/BM/Deutsch/Romantik/Romantik.pptx
+++ b/BM/Deutsch/Romantik/Romantik.pptx
@@ -6,16 +6,17 @@
   </p:sldMasterIdLst>
   <p:sldIdLst>
     <p:sldId id="256" r:id="rId2"/>
-    <p:sldId id="267" r:id="rId3"/>
-    <p:sldId id="257" r:id="rId4"/>
-    <p:sldId id="268" r:id="rId5"/>
-    <p:sldId id="258" r:id="rId6"/>
-    <p:sldId id="262" r:id="rId7"/>
-    <p:sldId id="259" r:id="rId8"/>
-    <p:sldId id="263" r:id="rId9"/>
-    <p:sldId id="269" r:id="rId10"/>
-    <p:sldId id="260" r:id="rId11"/>
-    <p:sldId id="261" r:id="rId12"/>
+    <p:sldId id="270" r:id="rId3"/>
+    <p:sldId id="267" r:id="rId4"/>
+    <p:sldId id="257" r:id="rId5"/>
+    <p:sldId id="268" r:id="rId6"/>
+    <p:sldId id="258" r:id="rId7"/>
+    <p:sldId id="262" r:id="rId8"/>
+    <p:sldId id="259" r:id="rId9"/>
+    <p:sldId id="263" r:id="rId10"/>
+    <p:sldId id="269" r:id="rId11"/>
+    <p:sldId id="260" r:id="rId12"/>
+    <p:sldId id="261" r:id="rId13"/>
   </p:sldIdLst>
   <p:sldSz cx="12192000" cy="6858000"/>
   <p:notesSz cx="6858000" cy="9144000"/>
@@ -114,6 +115,11 @@
       </a:defRPr>
     </a:lvl9pPr>
   </p:defaultTextStyle>
+  <p:extLst>
+    <p:ext uri="{EFAFB233-063F-42B5-8137-9DF3F51BA10A}">
+      <p15:sldGuideLst xmlns:p15="http://schemas.microsoft.com/office/powerpoint/2012/main"/>
+    </p:ext>
+  </p:extLst>
 </p:presentation>
 </file>
 
@@ -448,7 +454,7 @@
           <a:p>
             <a:fld id="{F415DFF3-425E-4C95-A920-16D03C9111DF}" type="datetimeFigureOut">
               <a:rPr lang="en-US" smtClean="0"/>
-              <a:t>05-Mar-19</a:t>
+              <a:t>12-Mar-19</a:t>
             </a:fld>
             <a:endParaRPr lang="en-US"/>
           </a:p>
@@ -772,7 +778,7 @@
           <a:p>
             <a:fld id="{F415DFF3-425E-4C95-A920-16D03C9111DF}" type="datetimeFigureOut">
               <a:rPr lang="en-US" smtClean="0"/>
-              <a:t>05-Mar-19</a:t>
+              <a:t>12-Mar-19</a:t>
             </a:fld>
             <a:endParaRPr lang="en-US"/>
           </a:p>
@@ -1020,7 +1026,7 @@
           <a:p>
             <a:fld id="{F415DFF3-425E-4C95-A920-16D03C9111DF}" type="datetimeFigureOut">
               <a:rPr lang="en-US" smtClean="0"/>
-              <a:t>05-Mar-19</a:t>
+              <a:t>12-Mar-19</a:t>
             </a:fld>
             <a:endParaRPr lang="en-US"/>
           </a:p>
@@ -1359,7 +1365,7 @@
           <a:p>
             <a:fld id="{F415DFF3-425E-4C95-A920-16D03C9111DF}" type="datetimeFigureOut">
               <a:rPr lang="en-US" smtClean="0"/>
-              <a:t>05-Mar-19</a:t>
+              <a:t>12-Mar-19</a:t>
             </a:fld>
             <a:endParaRPr lang="en-US"/>
           </a:p>
@@ -1706,7 +1712,7 @@
           <a:p>
             <a:fld id="{F415DFF3-425E-4C95-A920-16D03C9111DF}" type="datetimeFigureOut">
               <a:rPr lang="en-US" smtClean="0"/>
-              <a:t>05-Mar-19</a:t>
+              <a:t>12-Mar-19</a:t>
             </a:fld>
             <a:endParaRPr lang="en-US"/>
           </a:p>
@@ -2080,7 +2086,7 @@
           <a:p>
             <a:fld id="{F415DFF3-425E-4C95-A920-16D03C9111DF}" type="datetimeFigureOut">
               <a:rPr lang="en-US" smtClean="0"/>
-              <a:t>05-Mar-19</a:t>
+              <a:t>12-Mar-19</a:t>
             </a:fld>
             <a:endParaRPr lang="en-US"/>
           </a:p>
@@ -2550,7 +2556,7 @@
           <a:p>
             <a:fld id="{F415DFF3-425E-4C95-A920-16D03C9111DF}" type="datetimeFigureOut">
               <a:rPr lang="en-US" smtClean="0"/>
-              <a:t>05-Mar-19</a:t>
+              <a:t>12-Mar-19</a:t>
             </a:fld>
             <a:endParaRPr lang="en-US"/>
           </a:p>
@@ -2755,7 +2761,7 @@
           <a:p>
             <a:fld id="{F415DFF3-425E-4C95-A920-16D03C9111DF}" type="datetimeFigureOut">
               <a:rPr lang="en-US" smtClean="0"/>
-              <a:t>05-Mar-19</a:t>
+              <a:t>12-Mar-19</a:t>
             </a:fld>
             <a:endParaRPr lang="en-US"/>
           </a:p>
@@ -2966,7 +2972,7 @@
           <a:p>
             <a:fld id="{F415DFF3-425E-4C95-A920-16D03C9111DF}" type="datetimeFigureOut">
               <a:rPr lang="en-US" smtClean="0"/>
-              <a:t>05-Mar-19</a:t>
+              <a:t>12-Mar-19</a:t>
             </a:fld>
             <a:endParaRPr lang="en-US"/>
           </a:p>
@@ -3198,7 +3204,7 @@
           <a:p>
             <a:fld id="{F415DFF3-425E-4C95-A920-16D03C9111DF}" type="datetimeFigureOut">
               <a:rPr lang="en-US" smtClean="0"/>
-              <a:t>05-Mar-19</a:t>
+              <a:t>12-Mar-19</a:t>
             </a:fld>
             <a:endParaRPr lang="en-US"/>
           </a:p>
@@ -3446,7 +3452,7 @@
           <a:p>
             <a:fld id="{F415DFF3-425E-4C95-A920-16D03C9111DF}" type="datetimeFigureOut">
               <a:rPr lang="en-US" smtClean="0"/>
-              <a:t>05-Mar-19</a:t>
+              <a:t>12-Mar-19</a:t>
             </a:fld>
             <a:endParaRPr lang="en-US"/>
           </a:p>
@@ -3744,7 +3750,7 @@
           <a:p>
             <a:fld id="{F415DFF3-425E-4C95-A920-16D03C9111DF}" type="datetimeFigureOut">
               <a:rPr lang="en-US" smtClean="0"/>
-              <a:t>05-Mar-19</a:t>
+              <a:t>12-Mar-19</a:t>
             </a:fld>
             <a:endParaRPr lang="en-US"/>
           </a:p>
@@ -4138,7 +4144,7 @@
           <a:p>
             <a:fld id="{F415DFF3-425E-4C95-A920-16D03C9111DF}" type="datetimeFigureOut">
               <a:rPr lang="en-US" smtClean="0"/>
-              <a:t>05-Mar-19</a:t>
+              <a:t>12-Mar-19</a:t>
             </a:fld>
             <a:endParaRPr lang="en-US"/>
           </a:p>
@@ -4287,7 +4293,7 @@
           <a:p>
             <a:fld id="{F415DFF3-425E-4C95-A920-16D03C9111DF}" type="datetimeFigureOut">
               <a:rPr lang="en-US" smtClean="0"/>
-              <a:t>05-Mar-19</a:t>
+              <a:t>12-Mar-19</a:t>
             </a:fld>
             <a:endParaRPr lang="en-US"/>
           </a:p>
@@ -4413,7 +4419,7 @@
           <a:p>
             <a:fld id="{F415DFF3-425E-4C95-A920-16D03C9111DF}" type="datetimeFigureOut">
               <a:rPr lang="en-US" smtClean="0"/>
-              <a:t>05-Mar-19</a:t>
+              <a:t>12-Mar-19</a:t>
             </a:fld>
             <a:endParaRPr lang="en-US"/>
           </a:p>
@@ -4668,7 +4674,7 @@
           <a:p>
             <a:fld id="{F415DFF3-425E-4C95-A920-16D03C9111DF}" type="datetimeFigureOut">
               <a:rPr lang="en-US" smtClean="0"/>
-              <a:t>05-Mar-19</a:t>
+              <a:t>12-Mar-19</a:t>
             </a:fld>
             <a:endParaRPr lang="en-US"/>
           </a:p>
@@ -4983,7 +4989,7 @@
           <a:p>
             <a:fld id="{F415DFF3-425E-4C95-A920-16D03C9111DF}" type="datetimeFigureOut">
               <a:rPr lang="en-US" smtClean="0"/>
-              <a:t>05-Mar-19</a:t>
+              <a:t>12-Mar-19</a:t>
             </a:fld>
             <a:endParaRPr lang="en-US"/>
           </a:p>
@@ -5334,7 +5340,7 @@
           <a:p>
             <a:fld id="{F415DFF3-425E-4C95-A920-16D03C9111DF}" type="datetimeFigureOut">
               <a:rPr lang="en-US" smtClean="0"/>
-              <a:t>05-Mar-19</a:t>
+              <a:t>12-Mar-19</a:t>
             </a:fld>
             <a:endParaRPr lang="en-US"/>
           </a:p>
@@ -5981,7 +5987,7 @@
           <a:p>
             <a:r>
               <a:rPr lang="de-CH" dirty="0" smtClean="0"/>
-              <a:t>Literaturverzeichnis</a:t>
+              <a:t>Schlusswort</a:t>
             </a:r>
             <a:endParaRPr lang="en-US" dirty="0"/>
           </a:p>
@@ -5989,12 +5995,12 @@
       </p:sp>
       <p:sp>
         <p:nvSpPr>
-          <p:cNvPr id="3" name="Inhaltsplatzhalter 2"/>
-          <p:cNvSpPr>
-            <a:spLocks noGrp="1"/>
-          </p:cNvSpPr>
-          <p:nvPr>
-            <p:ph idx="1"/>
+          <p:cNvPr id="4" name="Inhaltsplatzhalter 3"/>
+          <p:cNvSpPr>
+            <a:spLocks noGrp="1"/>
+          </p:cNvSpPr>
+          <p:nvPr>
+            <p:ph sz="half" idx="1"/>
           </p:nvPr>
         </p:nvSpPr>
         <p:spPr/>
@@ -6002,79 +6008,73 @@
           <a:bodyPr/>
           <a:lstStyle/>
           <a:p>
-            <a:pPr>
-              <a:buFont typeface="Wingdings" panose="05000000000000000000" pitchFamily="2" charset="2"/>
-              <a:buChar char="Ø"/>
-            </a:pPr>
-            <a:r>
-              <a:rPr lang="de-CH" dirty="0" smtClean="0">
-                <a:solidFill>
-                  <a:schemeClr val="tx1"/>
-                </a:solidFill>
-              </a:rPr>
-              <a:t>https</a:t>
-            </a:r>
-            <a:r>
-              <a:rPr lang="de-CH" dirty="0">
-                <a:solidFill>
-                  <a:schemeClr val="tx1"/>
-                </a:solidFill>
-              </a:rPr>
-              <a:t>://freie-referate.de/deutsch/merkmale-der-romantik-in-der-literatur</a:t>
-            </a:r>
-            <a:endParaRPr lang="en-US" dirty="0">
-              <a:solidFill>
-                <a:schemeClr val="tx1"/>
-              </a:solidFill>
-            </a:endParaRPr>
-          </a:p>
-          <a:p>
-            <a:pPr>
-              <a:buFont typeface="Wingdings" panose="05000000000000000000" pitchFamily="2" charset="2"/>
-              <a:buChar char="Ø"/>
-            </a:pPr>
-            <a:r>
-              <a:rPr lang="de-CH" dirty="0">
-                <a:solidFill>
-                  <a:schemeClr val="tx1"/>
-                </a:solidFill>
-              </a:rPr>
-              <a:t>https://wortwuchs.net/literaturepochen/romantik/</a:t>
-            </a:r>
-            <a:endParaRPr lang="en-US" dirty="0">
-              <a:solidFill>
-                <a:schemeClr val="tx1"/>
-              </a:solidFill>
-            </a:endParaRPr>
-          </a:p>
-          <a:p>
-            <a:pPr>
-              <a:buFont typeface="Wingdings" panose="05000000000000000000" pitchFamily="2" charset="2"/>
-              <a:buChar char="Ø"/>
-            </a:pPr>
-            <a:r>
-              <a:rPr lang="de-CH" dirty="0">
-                <a:solidFill>
-                  <a:schemeClr val="tx1"/>
-                </a:solidFill>
-              </a:rPr>
-              <a:t>https://de.wikipedia.org/wiki/Romantik</a:t>
-            </a:r>
-            <a:endParaRPr lang="en-US" dirty="0">
-              <a:solidFill>
-                <a:schemeClr val="tx1"/>
-              </a:solidFill>
-            </a:endParaRPr>
-          </a:p>
-          <a:p>
-            <a:endParaRPr lang="en-US" dirty="0"/>
+            <a:endParaRPr lang="en-US"/>
+          </a:p>
+        </p:txBody>
+      </p:sp>
+      <p:pic>
+        <p:nvPicPr>
+          <p:cNvPr id="6" name="Inhaltsplatzhalter 5"/>
+          <p:cNvPicPr>
+            <a:picLocks noGrp="1" noChangeAspect="1"/>
+          </p:cNvPicPr>
+          <p:nvPr>
+            <p:ph sz="half" idx="2"/>
+          </p:nvPr>
+        </p:nvPicPr>
+        <p:blipFill>
+          <a:blip r:embed="rId2">
+            <a:extLst>
+              <a:ext uri="{28A0092B-C50C-407E-A947-70E740481C1C}">
+                <a14:useLocalDpi xmlns:a14="http://schemas.microsoft.com/office/drawing/2010/main" val="0"/>
+              </a:ext>
+            </a:extLst>
+          </a:blip>
+          <a:stretch>
+            <a:fillRect/>
+          </a:stretch>
+        </p:blipFill>
+        <p:spPr>
+          <a:xfrm>
+            <a:off x="7040011" y="2560320"/>
+            <a:ext cx="3856587" cy="3054417"/>
+          </a:xfrm>
+        </p:spPr>
+      </p:pic>
+      <p:sp>
+        <p:nvSpPr>
+          <p:cNvPr id="7" name="Textfeld 6"/>
+          <p:cNvSpPr txBox="1"/>
+          <p:nvPr/>
+        </p:nvSpPr>
+        <p:spPr>
+          <a:xfrm>
+            <a:off x="7040011" y="5614737"/>
+            <a:ext cx="2560320" cy="307777"/>
+          </a:xfrm>
+          <a:prstGeom prst="rect">
+            <a:avLst/>
+          </a:prstGeom>
+          <a:noFill/>
+        </p:spPr>
+        <p:txBody>
+          <a:bodyPr wrap="square" rtlCol="0">
+            <a:spAutoFit/>
+          </a:bodyPr>
+          <a:lstStyle/>
+          <a:p>
+            <a:r>
+              <a:rPr lang="de-CH" sz="1400" dirty="0" smtClean="0"/>
+              <a:t>Abb.6</a:t>
+            </a:r>
+            <a:endParaRPr lang="en-US" sz="1400" dirty="0"/>
           </a:p>
         </p:txBody>
       </p:sp>
     </p:spTree>
     <p:extLst>
       <p:ext uri="{BB962C8B-B14F-4D97-AF65-F5344CB8AC3E}">
-        <p14:creationId xmlns:p14="http://schemas.microsoft.com/office/powerpoint/2010/main" val="2081083166"/>
+        <p14:creationId xmlns:p14="http://schemas.microsoft.com/office/powerpoint/2010/main" val="1064510505"/>
       </p:ext>
     </p:extLst>
   </p:cSld>
@@ -6118,6 +6118,143 @@
           <a:p>
             <a:r>
               <a:rPr lang="de-CH" dirty="0" smtClean="0"/>
+              <a:t>Literaturverzeichnis</a:t>
+            </a:r>
+            <a:endParaRPr lang="en-US" dirty="0"/>
+          </a:p>
+        </p:txBody>
+      </p:sp>
+      <p:sp>
+        <p:nvSpPr>
+          <p:cNvPr id="3" name="Inhaltsplatzhalter 2"/>
+          <p:cNvSpPr>
+            <a:spLocks noGrp="1"/>
+          </p:cNvSpPr>
+          <p:nvPr>
+            <p:ph idx="1"/>
+          </p:nvPr>
+        </p:nvSpPr>
+        <p:spPr/>
+        <p:txBody>
+          <a:bodyPr/>
+          <a:lstStyle/>
+          <a:p>
+            <a:pPr>
+              <a:buFont typeface="Wingdings" panose="05000000000000000000" pitchFamily="2" charset="2"/>
+              <a:buChar char="Ø"/>
+            </a:pPr>
+            <a:r>
+              <a:rPr lang="de-CH" dirty="0" smtClean="0">
+                <a:solidFill>
+                  <a:schemeClr val="tx1"/>
+                </a:solidFill>
+              </a:rPr>
+              <a:t>https</a:t>
+            </a:r>
+            <a:r>
+              <a:rPr lang="de-CH" dirty="0">
+                <a:solidFill>
+                  <a:schemeClr val="tx1"/>
+                </a:solidFill>
+              </a:rPr>
+              <a:t>://freie-referate.de/deutsch/merkmale-der-romantik-in-der-literatur</a:t>
+            </a:r>
+            <a:endParaRPr lang="en-US" dirty="0">
+              <a:solidFill>
+                <a:schemeClr val="tx1"/>
+              </a:solidFill>
+            </a:endParaRPr>
+          </a:p>
+          <a:p>
+            <a:pPr>
+              <a:buFont typeface="Wingdings" panose="05000000000000000000" pitchFamily="2" charset="2"/>
+              <a:buChar char="Ø"/>
+            </a:pPr>
+            <a:r>
+              <a:rPr lang="de-CH" dirty="0">
+                <a:solidFill>
+                  <a:schemeClr val="tx1"/>
+                </a:solidFill>
+              </a:rPr>
+              <a:t>https://wortwuchs.net/literaturepochen/romantik/</a:t>
+            </a:r>
+            <a:endParaRPr lang="en-US" dirty="0">
+              <a:solidFill>
+                <a:schemeClr val="tx1"/>
+              </a:solidFill>
+            </a:endParaRPr>
+          </a:p>
+          <a:p>
+            <a:pPr>
+              <a:buFont typeface="Wingdings" panose="05000000000000000000" pitchFamily="2" charset="2"/>
+              <a:buChar char="Ø"/>
+            </a:pPr>
+            <a:r>
+              <a:rPr lang="de-CH" dirty="0">
+                <a:solidFill>
+                  <a:schemeClr val="tx1"/>
+                </a:solidFill>
+              </a:rPr>
+              <a:t>https://de.wikipedia.org/wiki/Romantik</a:t>
+            </a:r>
+            <a:endParaRPr lang="en-US" dirty="0">
+              <a:solidFill>
+                <a:schemeClr val="tx1"/>
+              </a:solidFill>
+            </a:endParaRPr>
+          </a:p>
+          <a:p>
+            <a:endParaRPr lang="en-US" dirty="0"/>
+          </a:p>
+        </p:txBody>
+      </p:sp>
+    </p:spTree>
+    <p:extLst>
+      <p:ext uri="{BB962C8B-B14F-4D97-AF65-F5344CB8AC3E}">
+        <p14:creationId xmlns:p14="http://schemas.microsoft.com/office/powerpoint/2010/main" val="2081083166"/>
+      </p:ext>
+    </p:extLst>
+  </p:cSld>
+  <p:clrMapOvr>
+    <a:masterClrMapping/>
+  </p:clrMapOvr>
+</p:sld>
+</file>
+
+<file path=ppt/slides/slide12.xml><?xml version="1.0" encoding="utf-8"?>
+<p:sld xmlns:a="http://schemas.openxmlformats.org/drawingml/2006/main" xmlns:r="http://schemas.openxmlformats.org/officeDocument/2006/relationships" xmlns:p="http://schemas.openxmlformats.org/presentationml/2006/main">
+  <p:cSld>
+    <p:spTree>
+      <p:nvGrpSpPr>
+        <p:cNvPr id="1" name=""/>
+        <p:cNvGrpSpPr/>
+        <p:nvPr/>
+      </p:nvGrpSpPr>
+      <p:grpSpPr>
+        <a:xfrm>
+          <a:off x="0" y="0"/>
+          <a:ext cx="0" cy="0"/>
+          <a:chOff x="0" y="0"/>
+          <a:chExt cx="0" cy="0"/>
+        </a:xfrm>
+      </p:grpSpPr>
+      <p:sp>
+        <p:nvSpPr>
+          <p:cNvPr id="2" name="Titel 1"/>
+          <p:cNvSpPr>
+            <a:spLocks noGrp="1"/>
+          </p:cNvSpPr>
+          <p:nvPr>
+            <p:ph type="title"/>
+          </p:nvPr>
+        </p:nvSpPr>
+        <p:spPr/>
+        <p:txBody>
+          <a:bodyPr/>
+          <a:lstStyle/>
+          <a:p>
+            <a:r>
+              <a:rPr lang="de-CH" dirty="0" smtClean="0"/>
               <a:t>Abbildungsverzeichnis</a:t>
             </a:r>
             <a:endParaRPr lang="en-US" dirty="0"/>
@@ -6137,13 +6274,68 @@
         <p:spPr/>
         <p:txBody>
           <a:bodyPr>
-            <a:normAutofit/>
+            <a:normAutofit lnSpcReduction="10000"/>
           </a:bodyPr>
           <a:lstStyle/>
           <a:p>
             <a:r>
               <a:rPr lang="de-CH" sz="1800" dirty="0"/>
-              <a:t>Abb.1: https://upload.wikimedia.org/wikipedia/commons/thumb/b/b9/Caspar_David_Friedrich_-_Wanderer_above_the_sea_of_fog.jpg/220px-Caspar_David_Friedrich_-_Wanderer_above_the_sea_of_fog.jpg</a:t>
+              <a:t>Abb.1: https://www.medmix.at/wp-content/uploads/2016/03/Her-Sitz-der-Seele%C2%A9Miro-Kovacevic_shutterstock.jpg</a:t>
+            </a:r>
+          </a:p>
+          <a:p>
+            <a:r>
+              <a:rPr lang="de-CH" sz="1800" dirty="0" smtClean="0"/>
+              <a:t>Abb.2: </a:t>
+            </a:r>
+            <a:r>
+              <a:rPr lang="de-CH" sz="1800" dirty="0"/>
+              <a:t>http://</a:t>
+            </a:r>
+            <a:r>
+              <a:rPr lang="de-CH" sz="1800" dirty="0" smtClean="0"/>
+              <a:t>ais.bz-ticket.de/piece/02/06/36/a6/33961638-f-3_2-w-932.jpg</a:t>
+            </a:r>
+          </a:p>
+          <a:p>
+            <a:r>
+              <a:rPr lang="de-CH" sz="1800" dirty="0" smtClean="0"/>
+              <a:t>Abb.3: </a:t>
+            </a:r>
+            <a:r>
+              <a:rPr lang="de-CH" sz="1800" dirty="0"/>
+              <a:t>https://</a:t>
+            </a:r>
+            <a:r>
+              <a:rPr lang="de-CH" sz="1800" dirty="0" smtClean="0"/>
+              <a:t>www.romantischer-rhein.de/fileadmin/user_upload/Region/Rheinromantik/Tal_der_Loreley-18.jpg</a:t>
+            </a:r>
+          </a:p>
+          <a:p>
+            <a:r>
+              <a:rPr lang="de-CH" sz="1800" dirty="0" smtClean="0"/>
+              <a:t>Abb.4: https</a:t>
+            </a:r>
+            <a:r>
+              <a:rPr lang="de-CH" sz="1800" dirty="0"/>
+              <a:t>://all1210.files.wordpress.com/2014/05/ver063.jpg</a:t>
+            </a:r>
+            <a:endParaRPr lang="de-CH" sz="1800" dirty="0" smtClean="0"/>
+          </a:p>
+          <a:p>
+            <a:r>
+              <a:rPr lang="de-CH" sz="1800" dirty="0"/>
+              <a:t>Abb.5: https://</a:t>
+            </a:r>
+            <a:r>
+              <a:rPr lang="de-CH" sz="1800" dirty="0" smtClean="0"/>
+              <a:t>encrypted-tbn0.gstatic.com/images?q=tbn:ANd9GcQ50EMSJDoSCcnmsE92W8UMObPyqz3R-DuDw4sjab3F9ZByo-v9jw</a:t>
+            </a:r>
+          </a:p>
+          <a:p>
+            <a:r>
+              <a:rPr lang="de-CH" sz="1800" dirty="0"/>
+              <a:t>Abb.6: http://www.literatur-romantik.ag.vu/Friedrich_mondaufgang_am_meer_l_WEB.JPG</a:t>
             </a:r>
             <a:endParaRPr lang="en-US" sz="1800" dirty="0"/>
           </a:p>
@@ -6196,48 +6388,75 @@
           <a:p>
             <a:r>
               <a:rPr lang="de-CH" dirty="0" smtClean="0"/>
+              <a:t>Inhalt</a:t>
+            </a:r>
+            <a:endParaRPr lang="en-US" dirty="0"/>
+          </a:p>
+        </p:txBody>
+      </p:sp>
+      <p:sp>
+        <p:nvSpPr>
+          <p:cNvPr id="3" name="Inhaltsplatzhalter 2"/>
+          <p:cNvSpPr>
+            <a:spLocks noGrp="1"/>
+          </p:cNvSpPr>
+          <p:nvPr>
+            <p:ph idx="1"/>
+          </p:nvPr>
+        </p:nvSpPr>
+        <p:spPr/>
+        <p:txBody>
+          <a:bodyPr/>
+          <a:lstStyle/>
+          <a:p>
+            <a:r>
+              <a:rPr lang="de-CH" dirty="0" smtClean="0"/>
               <a:t>Leitfrage</a:t>
             </a:r>
+          </a:p>
+          <a:p>
+            <a:r>
+              <a:rPr lang="de-CH" dirty="0" smtClean="0"/>
+              <a:t>Themen</a:t>
+            </a:r>
+          </a:p>
+          <a:p>
+            <a:r>
+              <a:rPr lang="de-CH" dirty="0" smtClean="0"/>
+              <a:t>Motive</a:t>
+            </a:r>
+          </a:p>
+          <a:p>
+            <a:r>
+              <a:rPr lang="de-CH" dirty="0" smtClean="0"/>
+              <a:t>Merkmale</a:t>
+            </a:r>
+          </a:p>
+          <a:p>
+            <a:r>
+              <a:rPr lang="de-CH" dirty="0" smtClean="0"/>
+              <a:t>Analyse «Der Sandmann»</a:t>
+            </a:r>
+          </a:p>
+          <a:p>
+            <a:r>
+              <a:rPr lang="de-CH" dirty="0" smtClean="0"/>
+              <a:t>Schlusswort</a:t>
+            </a:r>
             <a:endParaRPr lang="en-US" dirty="0"/>
-          </a:p>
-        </p:txBody>
-      </p:sp>
-      <p:sp>
-        <p:nvSpPr>
-          <p:cNvPr id="3" name="Inhaltsplatzhalter 2"/>
-          <p:cNvSpPr>
-            <a:spLocks noGrp="1"/>
-          </p:cNvSpPr>
-          <p:nvPr>
-            <p:ph idx="1"/>
-          </p:nvPr>
-        </p:nvSpPr>
-        <p:spPr/>
-        <p:txBody>
-          <a:bodyPr/>
-          <a:lstStyle/>
-          <a:p>
-            <a:endParaRPr lang="en-US"/>
           </a:p>
         </p:txBody>
       </p:sp>
     </p:spTree>
     <p:extLst>
       <p:ext uri="{BB962C8B-B14F-4D97-AF65-F5344CB8AC3E}">
-        <p14:creationId xmlns:p14="http://schemas.microsoft.com/office/powerpoint/2010/main" val="3636730715"/>
+        <p14:creationId xmlns:p14="http://schemas.microsoft.com/office/powerpoint/2010/main" val="2579170078"/>
       </p:ext>
     </p:extLst>
   </p:cSld>
   <p:clrMapOvr>
     <a:masterClrMapping/>
   </p:clrMapOvr>
-  <p:timing>
-    <p:tnLst>
-      <p:par>
-        <p:cTn id="1" dur="indefinite" restart="never" nodeType="tmRoot"/>
-      </p:par>
-    </p:tnLst>
-  </p:timing>
 </p:sld>
 </file>
 
@@ -6260,7 +6479,7 @@
       </p:grpSpPr>
       <p:sp>
         <p:nvSpPr>
-          <p:cNvPr id="4" name="Titel 3"/>
+          <p:cNvPr id="2" name="Titel 1"/>
           <p:cNvSpPr>
             <a:spLocks noGrp="1"/>
           </p:cNvSpPr>
@@ -6275,7 +6494,7 @@
           <a:p>
             <a:r>
               <a:rPr lang="de-CH" dirty="0" smtClean="0"/>
-              <a:t>Themen der Romantik</a:t>
+              <a:t>Leitfrage</a:t>
             </a:r>
             <a:endParaRPr lang="en-US" dirty="0"/>
           </a:p>
@@ -6283,134 +6502,40 @@
       </p:sp>
       <p:sp>
         <p:nvSpPr>
-          <p:cNvPr id="5" name="Inhaltsplatzhalter 4"/>
-          <p:cNvSpPr>
-            <a:spLocks noGrp="1"/>
-          </p:cNvSpPr>
-          <p:nvPr>
-            <p:ph sz="half" idx="1"/>
-          </p:nvPr>
-        </p:nvSpPr>
-        <p:spPr/>
-        <p:txBody>
-          <a:bodyPr/>
-          <a:lstStyle/>
-          <a:p>
-            <a:r>
-              <a:rPr lang="de-CH" dirty="0"/>
-              <a:t>Grundthemen: Seele, Gefühle, Individualität und </a:t>
-            </a:r>
-            <a:r>
-              <a:rPr lang="de-CH" dirty="0" smtClean="0"/>
-              <a:t>Leidenschaft</a:t>
-            </a:r>
-          </a:p>
-          <a:p>
-            <a:r>
-              <a:rPr lang="de-CH" dirty="0" smtClean="0"/>
-              <a:t>Märchen</a:t>
-            </a:r>
-            <a:r>
-              <a:rPr lang="de-CH" dirty="0"/>
-              <a:t>, Mythen, Legenden und Sagen als </a:t>
-            </a:r>
-            <a:r>
-              <a:rPr lang="de-CH" dirty="0" smtClean="0"/>
-              <a:t>Grundlage</a:t>
-            </a:r>
-          </a:p>
-          <a:p>
-            <a:r>
-              <a:rPr lang="de-CH" dirty="0"/>
-              <a:t>psychische/psychologische (unterbewusste) </a:t>
-            </a:r>
-            <a:r>
-              <a:rPr lang="de-CH" dirty="0" smtClean="0"/>
-              <a:t>Elemente</a:t>
-            </a:r>
-          </a:p>
-          <a:p>
-            <a:endParaRPr lang="en-US" dirty="0"/>
-          </a:p>
-        </p:txBody>
-      </p:sp>
-      <p:pic>
-        <p:nvPicPr>
-          <p:cNvPr id="1028" name="Picture 4" descr="Datei:Caspar David Friedrich - Wanderer above the sea of fog.jpg"/>
-          <p:cNvPicPr>
-            <a:picLocks noGrp="1" noChangeAspect="1" noChangeArrowheads="1"/>
-          </p:cNvPicPr>
-          <p:nvPr>
-            <p:ph sz="half" idx="2"/>
-          </p:nvPr>
-        </p:nvPicPr>
-        <p:blipFill>
-          <a:blip r:embed="rId2">
-            <a:extLst>
-              <a:ext uri="{28A0092B-C50C-407E-A947-70E740481C1C}">
-                <a14:useLocalDpi xmlns:a14="http://schemas.microsoft.com/office/drawing/2010/main" val="0"/>
-              </a:ext>
-            </a:extLst>
-          </a:blip>
-          <a:srcRect/>
-          <a:stretch>
-            <a:fillRect/>
-          </a:stretch>
-        </p:blipFill>
-        <p:spPr bwMode="auto">
-          <a:xfrm>
-            <a:off x="7247720" y="2560638"/>
-            <a:ext cx="2586060" cy="3309937"/>
-          </a:xfrm>
-          <a:prstGeom prst="rect">
-            <a:avLst/>
-          </a:prstGeom>
-          <a:noFill/>
-          <a:extLst>
-            <a:ext uri="{909E8E84-426E-40DD-AFC4-6F175D3DCCD1}">
-              <a14:hiddenFill xmlns:a14="http://schemas.microsoft.com/office/drawing/2010/main">
-                <a:solidFill>
-                  <a:srgbClr val="FFFFFF"/>
-                </a:solidFill>
-              </a14:hiddenFill>
-            </a:ext>
-          </a:extLst>
-        </p:spPr>
-      </p:pic>
-      <p:sp>
-        <p:nvSpPr>
-          <p:cNvPr id="7" name="Textfeld 6"/>
-          <p:cNvSpPr txBox="1"/>
-          <p:nvPr/>
+          <p:cNvPr id="3" name="Inhaltsplatzhalter 2"/>
+          <p:cNvSpPr>
+            <a:spLocks noGrp="1"/>
+          </p:cNvSpPr>
+          <p:nvPr>
+            <p:ph idx="1"/>
+          </p:nvPr>
         </p:nvSpPr>
         <p:spPr>
           <a:xfrm>
-            <a:off x="7265324" y="5870448"/>
-            <a:ext cx="2560320" cy="307777"/>
+            <a:off x="1295402" y="3687464"/>
+            <a:ext cx="9601196" cy="685032"/>
           </a:xfrm>
-          <a:prstGeom prst="rect">
-            <a:avLst/>
-          </a:prstGeom>
-          <a:noFill/>
         </p:spPr>
         <p:txBody>
-          <a:bodyPr wrap="square" rtlCol="0">
-            <a:spAutoFit/>
+          <a:bodyPr>
+            <a:normAutofit/>
           </a:bodyPr>
           <a:lstStyle/>
           <a:p>
-            <a:r>
-              <a:rPr lang="de-CH" sz="1400" dirty="0" smtClean="0"/>
-              <a:t>Abb.1 </a:t>
-            </a:r>
-            <a:endParaRPr lang="en-US" sz="1400" dirty="0"/>
+            <a:pPr marL="0" indent="0" algn="ctr">
+              <a:buNone/>
+            </a:pPr>
+            <a:r>
+              <a:rPr lang="de-CH" sz="3600" b="1" i="1" dirty="0" smtClean="0"/>
+              <a:t>Was macht die Romantik aus?</a:t>
+            </a:r>
           </a:p>
         </p:txBody>
       </p:sp>
     </p:spTree>
     <p:extLst>
       <p:ext uri="{BB962C8B-B14F-4D97-AF65-F5344CB8AC3E}">
-        <p14:creationId xmlns:p14="http://schemas.microsoft.com/office/powerpoint/2010/main" val="1536569196"/>
+        <p14:creationId xmlns:p14="http://schemas.microsoft.com/office/powerpoint/2010/main" val="3636730715"/>
       </p:ext>
     </p:extLst>
   </p:cSld>
@@ -6446,7 +6571,7 @@
       </p:grpSpPr>
       <p:sp>
         <p:nvSpPr>
-          <p:cNvPr id="2" name="Titel 1"/>
+          <p:cNvPr id="4" name="Titel 3"/>
           <p:cNvSpPr>
             <a:spLocks noGrp="1"/>
           </p:cNvSpPr>
@@ -6456,93 +6581,146 @@
         </p:nvSpPr>
         <p:spPr/>
         <p:txBody>
-          <a:bodyPr>
-            <a:normAutofit/>
+          <a:bodyPr/>
+          <a:lstStyle/>
+          <a:p>
+            <a:r>
+              <a:rPr lang="de-CH" dirty="0" smtClean="0"/>
+              <a:t>Themen der Romantik</a:t>
+            </a:r>
+            <a:endParaRPr lang="en-US" dirty="0"/>
+          </a:p>
+        </p:txBody>
+      </p:sp>
+      <p:sp>
+        <p:nvSpPr>
+          <p:cNvPr id="5" name="Inhaltsplatzhalter 4"/>
+          <p:cNvSpPr>
+            <a:spLocks noGrp="1"/>
+          </p:cNvSpPr>
+          <p:nvPr>
+            <p:ph sz="half" idx="1"/>
+          </p:nvPr>
+        </p:nvSpPr>
+        <p:spPr/>
+        <p:txBody>
+          <a:bodyPr/>
+          <a:lstStyle/>
+          <a:p>
+            <a:r>
+              <a:rPr lang="de-CH" dirty="0"/>
+              <a:t>Grundthemen: Seele, Gefühle, Individualität und </a:t>
+            </a:r>
+            <a:r>
+              <a:rPr lang="de-CH" dirty="0" smtClean="0"/>
+              <a:t>Leidenschaft</a:t>
+            </a:r>
+          </a:p>
+          <a:p>
+            <a:r>
+              <a:rPr lang="de-CH" dirty="0" smtClean="0"/>
+              <a:t>Märchen</a:t>
+            </a:r>
+            <a:r>
+              <a:rPr lang="de-CH" dirty="0"/>
+              <a:t>, Mythen, Legenden und Sagen als </a:t>
+            </a:r>
+            <a:r>
+              <a:rPr lang="de-CH" dirty="0" smtClean="0"/>
+              <a:t>Grundlage</a:t>
+            </a:r>
+          </a:p>
+          <a:p>
+            <a:r>
+              <a:rPr lang="de-CH" dirty="0"/>
+              <a:t>psychische/psychologische (unterbewusste) </a:t>
+            </a:r>
+            <a:r>
+              <a:rPr lang="de-CH" dirty="0" smtClean="0"/>
+              <a:t>Elemente</a:t>
+            </a:r>
+          </a:p>
+          <a:p>
+            <a:endParaRPr lang="en-US" dirty="0"/>
+          </a:p>
+        </p:txBody>
+      </p:sp>
+      <p:pic>
+        <p:nvPicPr>
+          <p:cNvPr id="3" name="Inhaltsplatzhalter 2"/>
+          <p:cNvPicPr>
+            <a:picLocks noGrp="1" noChangeAspect="1"/>
+          </p:cNvPicPr>
+          <p:nvPr>
+            <p:ph sz="half" idx="2"/>
+          </p:nvPr>
+        </p:nvPicPr>
+        <p:blipFill>
+          <a:blip r:embed="rId2">
+            <a:extLst>
+              <a:ext uri="{28A0092B-C50C-407E-A947-70E740481C1C}">
+                <a14:useLocalDpi xmlns:a14="http://schemas.microsoft.com/office/drawing/2010/main" val="0"/>
+              </a:ext>
+            </a:extLst>
+          </a:blip>
+          <a:stretch>
+            <a:fillRect/>
+          </a:stretch>
+        </p:blipFill>
+        <p:spPr>
+          <a:xfrm>
+            <a:off x="6539172" y="2676489"/>
+            <a:ext cx="4718050" cy="3077790"/>
+          </a:xfrm>
+        </p:spPr>
+      </p:pic>
+      <p:sp>
+        <p:nvSpPr>
+          <p:cNvPr id="8" name="Textfeld 7"/>
+          <p:cNvSpPr txBox="1"/>
+          <p:nvPr/>
+        </p:nvSpPr>
+        <p:spPr>
+          <a:xfrm>
+            <a:off x="6539172" y="5737654"/>
+            <a:ext cx="2560320" cy="307777"/>
+          </a:xfrm>
+          <a:prstGeom prst="rect">
+            <a:avLst/>
+          </a:prstGeom>
+          <a:noFill/>
+        </p:spPr>
+        <p:txBody>
+          <a:bodyPr wrap="square" rtlCol="0">
+            <a:spAutoFit/>
           </a:bodyPr>
           <a:lstStyle/>
           <a:p>
             <a:r>
-              <a:rPr lang="de-CH" dirty="0" smtClean="0"/>
-              <a:t>Motive der Romantik</a:t>
-            </a:r>
-            <a:endParaRPr lang="en-US" dirty="0"/>
-          </a:p>
-        </p:txBody>
-      </p:sp>
-      <p:sp>
-        <p:nvSpPr>
-          <p:cNvPr id="3" name="Inhaltsplatzhalter 2"/>
-          <p:cNvSpPr>
-            <a:spLocks noGrp="1"/>
-          </p:cNvSpPr>
-          <p:nvPr>
-            <p:ph idx="1"/>
-          </p:nvPr>
-        </p:nvSpPr>
-        <p:spPr/>
-        <p:txBody>
-          <a:bodyPr/>
-          <a:lstStyle/>
-          <a:p>
-            <a:r>
-              <a:rPr lang="de-CH" dirty="0" smtClean="0"/>
-              <a:t>Schwellenmotive wie Dämmerung oder der </a:t>
-            </a:r>
-            <a:r>
-              <a:rPr lang="de-CH" dirty="0"/>
-              <a:t>Blick </a:t>
-            </a:r>
-            <a:r>
-              <a:rPr lang="de-CH" dirty="0" smtClean="0"/>
-              <a:t>in </a:t>
-            </a:r>
-            <a:r>
-              <a:rPr lang="de-CH" dirty="0"/>
-              <a:t>die </a:t>
-            </a:r>
-            <a:r>
-              <a:rPr lang="de-CH" dirty="0" smtClean="0"/>
-              <a:t>Ferne</a:t>
-            </a:r>
-          </a:p>
-          <a:p>
-            <a:r>
-              <a:rPr lang="de-CH" dirty="0" smtClean="0"/>
-              <a:t>Weitere Motive T</a:t>
-            </a:r>
-            <a:r>
-              <a:rPr lang="de-DE" dirty="0" smtClean="0"/>
-              <a:t>räume</a:t>
-            </a:r>
-            <a:r>
-              <a:rPr lang="de-DE" dirty="0"/>
-              <a:t>, </a:t>
-            </a:r>
-            <a:r>
-              <a:rPr lang="de-DE" dirty="0" smtClean="0"/>
-              <a:t>Jahreszeiten oder </a:t>
-            </a:r>
-            <a:r>
-              <a:rPr lang="de-DE" dirty="0"/>
-              <a:t>das Unterbewusstsein</a:t>
-            </a:r>
-            <a:endParaRPr lang="de-CH" dirty="0" smtClean="0"/>
-          </a:p>
-          <a:p>
-            <a:endParaRPr lang="en-US" dirty="0"/>
+              <a:rPr lang="de-CH" sz="1400" dirty="0" smtClean="0"/>
+              <a:t>Abb.1</a:t>
+            </a:r>
+            <a:endParaRPr lang="en-US" sz="1400" dirty="0"/>
           </a:p>
         </p:txBody>
       </p:sp>
     </p:spTree>
     <p:extLst>
       <p:ext uri="{BB962C8B-B14F-4D97-AF65-F5344CB8AC3E}">
-        <p14:creationId xmlns:p14="http://schemas.microsoft.com/office/powerpoint/2010/main" val="2323609330"/>
+        <p14:creationId xmlns:p14="http://schemas.microsoft.com/office/powerpoint/2010/main" val="1536569196"/>
       </p:ext>
     </p:extLst>
   </p:cSld>
   <p:clrMapOvr>
     <a:masterClrMapping/>
   </p:clrMapOvr>
+  <p:timing>
+    <p:tnLst>
+      <p:par>
+        <p:cTn id="1" dur="indefinite" restart="never" nodeType="tmRoot"/>
+      </p:par>
+    </p:tnLst>
+  </p:timing>
 </p:sld>
 </file>
 
@@ -6575,110 +6753,173 @@
         </p:nvSpPr>
         <p:spPr/>
         <p:txBody>
+          <a:bodyPr>
+            <a:normAutofit/>
+          </a:bodyPr>
+          <a:lstStyle/>
+          <a:p>
+            <a:r>
+              <a:rPr lang="de-CH" dirty="0" smtClean="0"/>
+              <a:t>Motive der Romantik</a:t>
+            </a:r>
+            <a:endParaRPr lang="en-US" dirty="0"/>
+          </a:p>
+        </p:txBody>
+      </p:sp>
+      <p:sp>
+        <p:nvSpPr>
+          <p:cNvPr id="3" name="Inhaltsplatzhalter 2"/>
+          <p:cNvSpPr>
+            <a:spLocks noGrp="1"/>
+          </p:cNvSpPr>
+          <p:nvPr>
+            <p:ph sz="half" idx="1"/>
+          </p:nvPr>
+        </p:nvSpPr>
+        <p:spPr>
+          <a:xfrm>
+            <a:off x="1298447" y="2560320"/>
+            <a:ext cx="5617741" cy="3310128"/>
+          </a:xfrm>
+        </p:spPr>
+        <p:txBody>
           <a:bodyPr/>
           <a:lstStyle/>
           <a:p>
             <a:r>
               <a:rPr lang="de-CH" dirty="0" smtClean="0"/>
-              <a:t>Merkmale der Romantik</a:t>
-            </a:r>
+              <a:t>Schwellenmotive </a:t>
+            </a:r>
+            <a:r>
+              <a:rPr lang="de-CH" dirty="0" smtClean="0"/>
+              <a:t>wie Dämmerung oder der </a:t>
+            </a:r>
+            <a:r>
+              <a:rPr lang="de-CH" dirty="0"/>
+              <a:t>Blick </a:t>
+            </a:r>
+            <a:r>
+              <a:rPr lang="de-CH" dirty="0" smtClean="0"/>
+              <a:t>in </a:t>
+            </a:r>
+            <a:r>
+              <a:rPr lang="de-CH" dirty="0"/>
+              <a:t>die </a:t>
+            </a:r>
+            <a:r>
+              <a:rPr lang="de-CH" dirty="0" smtClean="0"/>
+              <a:t>Ferne</a:t>
+            </a:r>
+          </a:p>
+          <a:p>
+            <a:r>
+              <a:rPr lang="de-CH" dirty="0" smtClean="0"/>
+              <a:t>Weitere Motive T</a:t>
+            </a:r>
+            <a:r>
+              <a:rPr lang="de-DE" dirty="0" smtClean="0"/>
+              <a:t>räume</a:t>
+            </a:r>
+            <a:r>
+              <a:rPr lang="de-DE" dirty="0"/>
+              <a:t>, </a:t>
+            </a:r>
+            <a:r>
+              <a:rPr lang="de-DE" dirty="0" smtClean="0"/>
+              <a:t>Jahreszeiten oder </a:t>
+            </a:r>
+            <a:r>
+              <a:rPr lang="de-DE" dirty="0"/>
+              <a:t>das Unterbewusstsein</a:t>
+            </a:r>
+            <a:endParaRPr lang="de-CH" dirty="0" smtClean="0"/>
+          </a:p>
+          <a:p>
             <a:endParaRPr lang="en-US" dirty="0"/>
           </a:p>
         </p:txBody>
       </p:sp>
-      <p:sp>
-        <p:nvSpPr>
-          <p:cNvPr id="3" name="Inhaltsplatzhalter 2"/>
-          <p:cNvSpPr>
-            <a:spLocks noGrp="1"/>
-          </p:cNvSpPr>
-          <p:nvPr>
-            <p:ph idx="1"/>
-          </p:nvPr>
-        </p:nvSpPr>
-        <p:spPr/>
-        <p:txBody>
-          <a:bodyPr/>
-          <a:lstStyle/>
-          <a:p>
-            <a:pPr marL="0" indent="0">
-              <a:buNone/>
-            </a:pPr>
-            <a:r>
-              <a:rPr lang="de-CH" dirty="0" smtClean="0"/>
-              <a:t>Inhaltlich</a:t>
-            </a:r>
-          </a:p>
-          <a:p>
-            <a:r>
-              <a:rPr lang="de-CH" dirty="0" smtClean="0"/>
-              <a:t>Düsteres </a:t>
-            </a:r>
-            <a:r>
-              <a:rPr lang="de-CH" dirty="0"/>
-              <a:t>Stimmungsbild</a:t>
-            </a:r>
-            <a:endParaRPr lang="en-US" dirty="0"/>
-          </a:p>
-          <a:p>
-            <a:r>
-              <a:rPr lang="de-CH" dirty="0"/>
-              <a:t>Geheimnisvollen und einer mythischen </a:t>
-            </a:r>
-            <a:r>
-              <a:rPr lang="de-CH" dirty="0" smtClean="0"/>
-              <a:t>Welt</a:t>
-            </a:r>
-          </a:p>
-          <a:p>
-            <a:r>
-              <a:rPr lang="de-CH" dirty="0"/>
-              <a:t>Sehnsucht, </a:t>
-            </a:r>
-            <a:r>
-              <a:rPr lang="de-CH" dirty="0" smtClean="0"/>
-              <a:t>Todessehnsucht, </a:t>
-            </a:r>
-            <a:r>
-              <a:rPr lang="de-CH" dirty="0"/>
-              <a:t>Einsamkeit in der </a:t>
-            </a:r>
-            <a:r>
-              <a:rPr lang="de-CH" dirty="0" smtClean="0"/>
-              <a:t>Fremde</a:t>
-            </a:r>
-          </a:p>
-          <a:p>
-            <a:r>
-              <a:rPr lang="de-CH" dirty="0" smtClean="0"/>
-              <a:t>Meist ein Verrückter und ein Genie</a:t>
-            </a:r>
-          </a:p>
-          <a:p>
-            <a:endParaRPr lang="en-US" dirty="0"/>
-          </a:p>
-          <a:p>
-            <a:endParaRPr lang="en-US" dirty="0"/>
+      <p:pic>
+        <p:nvPicPr>
+          <p:cNvPr id="5" name="Picture 4" descr="Datei:Caspar David Friedrich - Wanderer above the sea of fog.jpg"/>
+          <p:cNvPicPr>
+            <a:picLocks noChangeAspect="1" noChangeArrowheads="1"/>
+          </p:cNvPicPr>
+          <p:nvPr/>
+        </p:nvPicPr>
+        <p:blipFill>
+          <a:blip r:embed="rId2">
+            <a:extLst>
+              <a:ext uri="{28A0092B-C50C-407E-A947-70E740481C1C}">
+                <a14:useLocalDpi xmlns:a14="http://schemas.microsoft.com/office/drawing/2010/main" val="0"/>
+              </a:ext>
+            </a:extLst>
+          </a:blip>
+          <a:srcRect/>
+          <a:stretch>
+            <a:fillRect/>
+          </a:stretch>
+        </p:blipFill>
+        <p:spPr bwMode="auto">
+          <a:xfrm>
+            <a:off x="8310538" y="2589511"/>
+            <a:ext cx="2586060" cy="3309937"/>
+          </a:xfrm>
+          <a:prstGeom prst="rect">
+            <a:avLst/>
+          </a:prstGeom>
+          <a:noFill/>
+          <a:extLst>
+            <a:ext uri="{909E8E84-426E-40DD-AFC4-6F175D3DCCD1}">
+              <a14:hiddenFill xmlns:a14="http://schemas.microsoft.com/office/drawing/2010/main">
+                <a:solidFill>
+                  <a:srgbClr val="FFFFFF"/>
+                </a:solidFill>
+              </a14:hiddenFill>
+            </a:ext>
+          </a:extLst>
+        </p:spPr>
+      </p:pic>
+      <p:sp>
+        <p:nvSpPr>
+          <p:cNvPr id="6" name="Textfeld 5"/>
+          <p:cNvSpPr txBox="1"/>
+          <p:nvPr/>
+        </p:nvSpPr>
+        <p:spPr>
+          <a:xfrm>
+            <a:off x="7747462" y="2589511"/>
+            <a:ext cx="2560320" cy="307777"/>
+          </a:xfrm>
+          <a:prstGeom prst="rect">
+            <a:avLst/>
+          </a:prstGeom>
+          <a:noFill/>
+        </p:spPr>
+        <p:txBody>
+          <a:bodyPr wrap="square" rtlCol="0">
+            <a:spAutoFit/>
+          </a:bodyPr>
+          <a:lstStyle/>
+          <a:p>
+            <a:r>
+              <a:rPr lang="de-CH" sz="1400" dirty="0" smtClean="0"/>
+              <a:t>Abb.2 </a:t>
+            </a:r>
+            <a:endParaRPr lang="en-US" sz="1400" dirty="0"/>
           </a:p>
         </p:txBody>
       </p:sp>
     </p:spTree>
     <p:extLst>
       <p:ext uri="{BB962C8B-B14F-4D97-AF65-F5344CB8AC3E}">
-        <p14:creationId xmlns:p14="http://schemas.microsoft.com/office/powerpoint/2010/main" val="3306235228"/>
+        <p14:creationId xmlns:p14="http://schemas.microsoft.com/office/powerpoint/2010/main" val="2323609330"/>
       </p:ext>
     </p:extLst>
   </p:cSld>
   <p:clrMapOvr>
     <a:masterClrMapping/>
   </p:clrMapOvr>
-  <p:timing>
-    <p:tnLst>
-      <p:par>
-        <p:cTn id="1" dur="indefinite" restart="never" nodeType="tmRoot"/>
-      </p:par>
-    </p:tnLst>
-  </p:timing>
 </p:sld>
 </file>
 
@@ -6729,13 +6970,13 @@
             <a:spLocks noGrp="1"/>
           </p:cNvSpPr>
           <p:nvPr>
-            <p:ph idx="1"/>
+            <p:ph sz="half" idx="1"/>
           </p:nvPr>
         </p:nvSpPr>
         <p:spPr/>
         <p:txBody>
           <a:bodyPr>
-            <a:normAutofit/>
+            <a:normAutofit lnSpcReduction="10000"/>
           </a:bodyPr>
           <a:lstStyle/>
           <a:p>
@@ -6744,50 +6985,125 @@
             </a:pPr>
             <a:r>
               <a:rPr lang="de-CH" dirty="0" smtClean="0"/>
-              <a:t>Schauplätze und Zeitliche Ebene</a:t>
-            </a:r>
-            <a:endParaRPr lang="de-CH" dirty="0"/>
-          </a:p>
-          <a:p>
+              <a:t>Inhaltlich</a:t>
+            </a:r>
+          </a:p>
+          <a:p>
+            <a:r>
+              <a:rPr lang="de-CH" dirty="0" smtClean="0"/>
+              <a:t>Düsteres </a:t>
+            </a:r>
             <a:r>
               <a:rPr lang="de-CH" dirty="0"/>
-              <a:t>Natur, ruinenhafte Gebäude, Friedhöfe, </a:t>
+              <a:t>Stimmungsbild</a:t>
+            </a:r>
+            <a:endParaRPr lang="en-US" dirty="0"/>
+          </a:p>
+          <a:p>
+            <a:r>
+              <a:rPr lang="de-CH" dirty="0"/>
+              <a:t>Geheimnisvollen und einer mythischen </a:t>
             </a:r>
             <a:r>
               <a:rPr lang="de-CH" dirty="0" smtClean="0"/>
-              <a:t>Naturlandschaften</a:t>
-            </a:r>
-          </a:p>
-          <a:p>
+              <a:t>Welt</a:t>
+            </a:r>
+          </a:p>
+          <a:p>
+            <a:r>
+              <a:rPr lang="de-CH" dirty="0"/>
+              <a:t>Sehnsucht, </a:t>
+            </a:r>
             <a:r>
               <a:rPr lang="de-CH" dirty="0" smtClean="0"/>
-              <a:t>Wechsel </a:t>
+              <a:t>Todessehnsucht, </a:t>
             </a:r>
             <a:r>
               <a:rPr lang="de-CH" dirty="0"/>
-              <a:t>der Jahreszeiten (oft vom Sommer zum Herbst und zum Winter), </a:t>
-            </a:r>
+              <a:t>Einsamkeit in der </a:t>
+            </a:r>
+            <a:r>
+              <a:rPr lang="de-CH" dirty="0" smtClean="0"/>
+              <a:t>Fremde</a:t>
+            </a:r>
+          </a:p>
+          <a:p>
+            <a:r>
+              <a:rPr lang="de-CH" dirty="0" smtClean="0"/>
+              <a:t>Meist ein Verrückter und ein Genie</a:t>
+            </a:r>
+          </a:p>
+          <a:p>
             <a:endParaRPr lang="en-US" dirty="0"/>
           </a:p>
           <a:p>
-            <a:r>
-              <a:rPr lang="de-CH" dirty="0"/>
-              <a:t>Einbruch der Nacht </a:t>
-            </a:r>
-            <a:endParaRPr lang="de-CH" dirty="0" smtClean="0"/>
-          </a:p>
-          <a:p>
             <a:endParaRPr lang="en-US" dirty="0"/>
           </a:p>
-          <a:p>
-            <a:endParaRPr lang="en-US" dirty="0"/>
+        </p:txBody>
+      </p:sp>
+      <p:pic>
+        <p:nvPicPr>
+          <p:cNvPr id="6" name="Inhaltsplatzhalter 5"/>
+          <p:cNvPicPr>
+            <a:picLocks noGrp="1" noChangeAspect="1"/>
+          </p:cNvPicPr>
+          <p:nvPr>
+            <p:ph sz="half" idx="2"/>
+          </p:nvPr>
+        </p:nvPicPr>
+        <p:blipFill>
+          <a:blip r:embed="rId2">
+            <a:extLst>
+              <a:ext uri="{28A0092B-C50C-407E-A947-70E740481C1C}">
+                <a14:useLocalDpi xmlns:a14="http://schemas.microsoft.com/office/drawing/2010/main" val="0"/>
+              </a:ext>
+            </a:extLst>
+          </a:blip>
+          <a:stretch>
+            <a:fillRect/>
+          </a:stretch>
+        </p:blipFill>
+        <p:spPr>
+          <a:xfrm>
+            <a:off x="6178548" y="2982989"/>
+            <a:ext cx="4718050" cy="2315607"/>
+          </a:xfrm>
+        </p:spPr>
+      </p:pic>
+      <p:sp>
+        <p:nvSpPr>
+          <p:cNvPr id="7" name="Textfeld 6"/>
+          <p:cNvSpPr txBox="1"/>
+          <p:nvPr/>
+        </p:nvSpPr>
+        <p:spPr>
+          <a:xfrm>
+            <a:off x="6178548" y="5298596"/>
+            <a:ext cx="2560320" cy="307777"/>
+          </a:xfrm>
+          <a:prstGeom prst="rect">
+            <a:avLst/>
+          </a:prstGeom>
+          <a:noFill/>
+        </p:spPr>
+        <p:txBody>
+          <a:bodyPr wrap="square" rtlCol="0">
+            <a:spAutoFit/>
+          </a:bodyPr>
+          <a:lstStyle/>
+          <a:p>
+            <a:r>
+              <a:rPr lang="de-CH" sz="1400" dirty="0" smtClean="0"/>
+              <a:t>Abb.3 </a:t>
+            </a:r>
+            <a:endParaRPr lang="en-US" sz="1400" dirty="0"/>
           </a:p>
         </p:txBody>
       </p:sp>
     </p:spTree>
     <p:extLst>
       <p:ext uri="{BB962C8B-B14F-4D97-AF65-F5344CB8AC3E}">
-        <p14:creationId xmlns:p14="http://schemas.microsoft.com/office/powerpoint/2010/main" val="3286177427"/>
+        <p14:creationId xmlns:p14="http://schemas.microsoft.com/office/powerpoint/2010/main" val="3306235228"/>
       </p:ext>
     </p:extLst>
   </p:cSld>
@@ -6837,73 +7153,143 @@
           <a:lstStyle/>
           <a:p>
             <a:r>
+              <a:rPr lang="de-CH" dirty="0" smtClean="0"/>
+              <a:t>Merkmale der Romantik</a:t>
+            </a:r>
+            <a:endParaRPr lang="en-US" dirty="0"/>
+          </a:p>
+        </p:txBody>
+      </p:sp>
+      <p:sp>
+        <p:nvSpPr>
+          <p:cNvPr id="3" name="Inhaltsplatzhalter 2"/>
+          <p:cNvSpPr>
+            <a:spLocks noGrp="1"/>
+          </p:cNvSpPr>
+          <p:nvPr>
+            <p:ph sz="half" idx="1"/>
+          </p:nvPr>
+        </p:nvSpPr>
+        <p:spPr>
+          <a:xfrm>
+            <a:off x="1298448" y="2560320"/>
+            <a:ext cx="4946478" cy="3310128"/>
+          </a:xfrm>
+        </p:spPr>
+        <p:txBody>
+          <a:bodyPr>
+            <a:normAutofit/>
+          </a:bodyPr>
+          <a:lstStyle/>
+          <a:p>
+            <a:pPr marL="0" indent="0">
+              <a:buNone/>
+            </a:pPr>
+            <a:r>
+              <a:rPr lang="de-CH" dirty="0" smtClean="0"/>
+              <a:t>Schauplätze und Zeitliche Ebene</a:t>
+            </a:r>
+            <a:endParaRPr lang="de-CH" dirty="0"/>
+          </a:p>
+          <a:p>
+            <a:r>
               <a:rPr lang="de-CH" dirty="0"/>
-              <a:t>Merkmale der Romantik</a:t>
+              <a:t>Natur, ruinenhafte Gebäude, Friedhöfe, </a:t>
+            </a:r>
+            <a:r>
+              <a:rPr lang="de-CH" dirty="0" smtClean="0"/>
+              <a:t>Naturlandschaften</a:t>
+            </a:r>
+          </a:p>
+          <a:p>
+            <a:r>
+              <a:rPr lang="de-CH" dirty="0" smtClean="0"/>
+              <a:t>Wechsel </a:t>
+            </a:r>
+            <a:r>
+              <a:rPr lang="de-CH" dirty="0"/>
+              <a:t>der Jahreszeiten (oft vom Sommer zum Herbst und zum Winter), </a:t>
             </a:r>
             <a:endParaRPr lang="en-US" dirty="0"/>
           </a:p>
-        </p:txBody>
-      </p:sp>
-      <p:sp>
-        <p:nvSpPr>
-          <p:cNvPr id="3" name="Inhaltsplatzhalter 2"/>
-          <p:cNvSpPr>
-            <a:spLocks noGrp="1"/>
-          </p:cNvSpPr>
-          <p:nvPr>
-            <p:ph idx="1"/>
-          </p:nvPr>
-        </p:nvSpPr>
-        <p:spPr/>
-        <p:txBody>
-          <a:bodyPr/>
-          <a:lstStyle/>
-          <a:p>
-            <a:pPr marL="0" indent="0">
-              <a:buNone/>
-            </a:pPr>
-            <a:r>
-              <a:rPr lang="de-CH" dirty="0" smtClean="0"/>
-              <a:t>Textform</a:t>
-            </a:r>
-          </a:p>
-          <a:p>
-            <a:r>
-              <a:rPr lang="de-CH" dirty="0" smtClean="0"/>
-              <a:t>Offene </a:t>
-            </a:r>
+          <a:p>
             <a:r>
               <a:rPr lang="de-CH" dirty="0"/>
-              <a:t>Form</a:t>
-            </a:r>
-          </a:p>
-          <a:p>
-            <a:r>
-              <a:rPr lang="de-CH" dirty="0"/>
-              <a:t>Lyrik, Epik, Dramatik werden miteinander verbunden </a:t>
-            </a:r>
-          </a:p>
-          <a:p>
-            <a:r>
-              <a:rPr lang="de-CH" dirty="0" smtClean="0">
-                <a:solidFill>
-                  <a:schemeClr val="tx1"/>
-                </a:solidFill>
-              </a:rPr>
-              <a:t>Poesie, Wissenschaft und </a:t>
-            </a:r>
-            <a:r>
-              <a:rPr lang="de-CH" dirty="0" smtClean="0"/>
-              <a:t>Philosophie werden miteinander gemischt</a:t>
-            </a:r>
-            <a:endParaRPr lang="de-CH" dirty="0"/>
+              <a:t>Einbruch der Nacht </a:t>
+            </a:r>
+            <a:endParaRPr lang="de-CH" dirty="0" smtClean="0"/>
+          </a:p>
+          <a:p>
+            <a:endParaRPr lang="en-US" dirty="0"/>
+          </a:p>
+          <a:p>
+            <a:endParaRPr lang="en-US" dirty="0"/>
+          </a:p>
+        </p:txBody>
+      </p:sp>
+      <p:pic>
+        <p:nvPicPr>
+          <p:cNvPr id="5" name="Inhaltsplatzhalter 4"/>
+          <p:cNvPicPr>
+            <a:picLocks noGrp="1" noChangeAspect="1"/>
+          </p:cNvPicPr>
+          <p:nvPr>
+            <p:ph sz="half" idx="2"/>
+          </p:nvPr>
+        </p:nvPicPr>
+        <p:blipFill>
+          <a:blip r:embed="rId2" cstate="print">
+            <a:extLst>
+              <a:ext uri="{28A0092B-C50C-407E-A947-70E740481C1C}">
+                <a14:useLocalDpi xmlns:a14="http://schemas.microsoft.com/office/drawing/2010/main" val="0"/>
+              </a:ext>
+            </a:extLst>
+          </a:blip>
+          <a:stretch>
+            <a:fillRect/>
+          </a:stretch>
+        </p:blipFill>
+        <p:spPr>
+          <a:xfrm>
+            <a:off x="6244926" y="2560511"/>
+            <a:ext cx="4591647" cy="3309937"/>
+          </a:xfrm>
+        </p:spPr>
+      </p:pic>
+      <p:sp>
+        <p:nvSpPr>
+          <p:cNvPr id="6" name="Textfeld 5"/>
+          <p:cNvSpPr txBox="1"/>
+          <p:nvPr/>
+        </p:nvSpPr>
+        <p:spPr>
+          <a:xfrm>
+            <a:off x="5688097" y="2560320"/>
+            <a:ext cx="2560320" cy="307777"/>
+          </a:xfrm>
+          <a:prstGeom prst="rect">
+            <a:avLst/>
+          </a:prstGeom>
+          <a:noFill/>
+        </p:spPr>
+        <p:txBody>
+          <a:bodyPr wrap="square" rtlCol="0">
+            <a:spAutoFit/>
+          </a:bodyPr>
+          <a:lstStyle/>
+          <a:p>
+            <a:r>
+              <a:rPr lang="de-CH" sz="1400" dirty="0" smtClean="0"/>
+              <a:t>Abb.4 </a:t>
+            </a:r>
+            <a:endParaRPr lang="en-US" sz="1400" dirty="0"/>
           </a:p>
         </p:txBody>
       </p:sp>
     </p:spTree>
     <p:extLst>
       <p:ext uri="{BB962C8B-B14F-4D97-AF65-F5344CB8AC3E}">
-        <p14:creationId xmlns:p14="http://schemas.microsoft.com/office/powerpoint/2010/main" val="3412928889"/>
+        <p14:creationId xmlns:p14="http://schemas.microsoft.com/office/powerpoint/2010/main" val="3286177427"/>
       </p:ext>
     </p:extLst>
   </p:cSld>
@@ -6953,36 +7339,73 @@
           <a:lstStyle/>
           <a:p>
             <a:r>
+              <a:rPr lang="de-CH" dirty="0"/>
+              <a:t>Merkmale der Romantik</a:t>
+            </a:r>
+            <a:endParaRPr lang="en-US" dirty="0"/>
+          </a:p>
+        </p:txBody>
+      </p:sp>
+      <p:sp>
+        <p:nvSpPr>
+          <p:cNvPr id="3" name="Inhaltsplatzhalter 2"/>
+          <p:cNvSpPr>
+            <a:spLocks noGrp="1"/>
+          </p:cNvSpPr>
+          <p:nvPr>
+            <p:ph idx="1"/>
+          </p:nvPr>
+        </p:nvSpPr>
+        <p:spPr/>
+        <p:txBody>
+          <a:bodyPr/>
+          <a:lstStyle/>
+          <a:p>
+            <a:pPr marL="0" indent="0">
+              <a:buNone/>
+            </a:pPr>
+            <a:r>
               <a:rPr lang="de-CH" dirty="0" smtClean="0"/>
-              <a:t>Textbeispiel der Sandmann</a:t>
-            </a:r>
-            <a:endParaRPr lang="en-US" dirty="0"/>
-          </a:p>
-        </p:txBody>
-      </p:sp>
-      <p:sp>
-        <p:nvSpPr>
-          <p:cNvPr id="3" name="Inhaltsplatzhalter 2"/>
-          <p:cNvSpPr>
-            <a:spLocks noGrp="1"/>
-          </p:cNvSpPr>
-          <p:nvPr>
-            <p:ph idx="1"/>
-          </p:nvPr>
-        </p:nvSpPr>
-        <p:spPr/>
-        <p:txBody>
-          <a:bodyPr/>
-          <a:lstStyle/>
-          <a:p>
-            <a:endParaRPr lang="en-US"/>
+              <a:t>Textform</a:t>
+            </a:r>
+          </a:p>
+          <a:p>
+            <a:r>
+              <a:rPr lang="de-CH" dirty="0" smtClean="0"/>
+              <a:t>Offene </a:t>
+            </a:r>
+            <a:r>
+              <a:rPr lang="de-CH" dirty="0"/>
+              <a:t>Form</a:t>
+            </a:r>
+          </a:p>
+          <a:p>
+            <a:r>
+              <a:rPr lang="de-CH" dirty="0"/>
+              <a:t>Lyrik, Epik, Dramatik werden miteinander verbunden </a:t>
+            </a:r>
+          </a:p>
+          <a:p>
+            <a:r>
+              <a:rPr lang="de-CH" dirty="0" smtClean="0">
+                <a:solidFill>
+                  <a:schemeClr val="tx1"/>
+                </a:solidFill>
+              </a:rPr>
+              <a:t>Poesie, Wissenschaft und </a:t>
+            </a:r>
+            <a:r>
+              <a:rPr lang="de-CH" dirty="0" smtClean="0"/>
+              <a:t>Philosophie werden miteinander gemischt</a:t>
+            </a:r>
+            <a:endParaRPr lang="de-CH" dirty="0"/>
           </a:p>
         </p:txBody>
       </p:sp>
     </p:spTree>
     <p:extLst>
       <p:ext uri="{BB962C8B-B14F-4D97-AF65-F5344CB8AC3E}">
-        <p14:creationId xmlns:p14="http://schemas.microsoft.com/office/powerpoint/2010/main" val="695396494"/>
+        <p14:creationId xmlns:p14="http://schemas.microsoft.com/office/powerpoint/2010/main" val="3412928889"/>
       </p:ext>
     </p:extLst>
   </p:cSld>
@@ -7033,7 +7456,7 @@
           <a:p>
             <a:r>
               <a:rPr lang="de-CH" dirty="0" smtClean="0"/>
-              <a:t>Schlusswort</a:t>
+              <a:t>Textbeispiel der Sandmann</a:t>
             </a:r>
             <a:endParaRPr lang="en-US" dirty="0"/>
           </a:p>
@@ -7041,33 +7464,137 @@
       </p:sp>
       <p:sp>
         <p:nvSpPr>
-          <p:cNvPr id="3" name="Inhaltsplatzhalter 2"/>
-          <p:cNvSpPr>
-            <a:spLocks noGrp="1"/>
-          </p:cNvSpPr>
-          <p:nvPr>
-            <p:ph idx="1"/>
-          </p:nvPr>
-        </p:nvSpPr>
-        <p:spPr/>
+          <p:cNvPr id="4" name="Inhaltsplatzhalter 3"/>
+          <p:cNvSpPr>
+            <a:spLocks noGrp="1"/>
+          </p:cNvSpPr>
+          <p:nvPr>
+            <p:ph sz="half" idx="1"/>
+          </p:nvPr>
+        </p:nvSpPr>
+        <p:spPr>
+          <a:xfrm>
+            <a:off x="1298447" y="2560320"/>
+            <a:ext cx="6465931" cy="3310128"/>
+          </a:xfrm>
+        </p:spPr>
         <p:txBody>
           <a:bodyPr/>
           <a:lstStyle/>
           <a:p>
-            <a:endParaRPr lang="en-US"/>
+            <a:r>
+              <a:rPr lang="de-CH" dirty="0" smtClean="0"/>
+              <a:t>Thema: Dunkle der Seele/ das Böse im Menschen</a:t>
+            </a:r>
+          </a:p>
+          <a:p>
+            <a:r>
+              <a:rPr lang="de-CH" dirty="0" smtClean="0"/>
+              <a:t>Leitmotiv: Der Sandmann</a:t>
+            </a:r>
+          </a:p>
+          <a:p>
+            <a:r>
+              <a:rPr lang="de-CH" dirty="0" smtClean="0"/>
+              <a:t>Schwellenmotive: Wie Blick durch das Objektiv</a:t>
+            </a:r>
+          </a:p>
+          <a:p>
+            <a:r>
+              <a:rPr lang="de-CH" dirty="0" smtClean="0"/>
+              <a:t>Nathanael als Verrückter und Spalanzani als Genie</a:t>
+            </a:r>
+          </a:p>
+          <a:p>
+            <a:r>
+              <a:rPr lang="de-CH" dirty="0" smtClean="0"/>
+              <a:t>Offene Charakter</a:t>
+            </a:r>
+          </a:p>
+          <a:p>
+            <a:r>
+              <a:rPr lang="de-CH" dirty="0" smtClean="0"/>
+              <a:t>Poesie, Wissenschaft und Philosophie vereint</a:t>
+            </a:r>
+            <a:endParaRPr lang="en-US" dirty="0"/>
+          </a:p>
+        </p:txBody>
+      </p:sp>
+      <p:pic>
+        <p:nvPicPr>
+          <p:cNvPr id="6" name="Inhaltsplatzhalter 5"/>
+          <p:cNvPicPr>
+            <a:picLocks noGrp="1" noChangeAspect="1"/>
+          </p:cNvPicPr>
+          <p:nvPr>
+            <p:ph sz="half" idx="2"/>
+          </p:nvPr>
+        </p:nvPicPr>
+        <p:blipFill rotWithShape="1">
+          <a:blip r:embed="rId2">
+            <a:extLst>
+              <a:ext uri="{28A0092B-C50C-407E-A947-70E740481C1C}">
+                <a14:useLocalDpi xmlns:a14="http://schemas.microsoft.com/office/drawing/2010/main" val="0"/>
+              </a:ext>
+            </a:extLst>
+          </a:blip>
+          <a:srcRect l="14449" r="18864"/>
+          <a:stretch/>
+        </p:blipFill>
+        <p:spPr>
+          <a:xfrm>
+            <a:off x="7904015" y="2560320"/>
+            <a:ext cx="2992583" cy="1923208"/>
+          </a:xfrm>
+        </p:spPr>
+      </p:pic>
+      <p:sp>
+        <p:nvSpPr>
+          <p:cNvPr id="7" name="Textfeld 6"/>
+          <p:cNvSpPr txBox="1"/>
+          <p:nvPr/>
+        </p:nvSpPr>
+        <p:spPr>
+          <a:xfrm>
+            <a:off x="7904015" y="4483528"/>
+            <a:ext cx="2560320" cy="307777"/>
+          </a:xfrm>
+          <a:prstGeom prst="rect">
+            <a:avLst/>
+          </a:prstGeom>
+          <a:noFill/>
+        </p:spPr>
+        <p:txBody>
+          <a:bodyPr wrap="square" rtlCol="0">
+            <a:spAutoFit/>
+          </a:bodyPr>
+          <a:lstStyle/>
+          <a:p>
+            <a:r>
+              <a:rPr lang="de-CH" sz="1400" dirty="0" smtClean="0"/>
+              <a:t>Abb.5 </a:t>
+            </a:r>
+            <a:endParaRPr lang="en-US" sz="1400" dirty="0"/>
           </a:p>
         </p:txBody>
       </p:sp>
     </p:spTree>
     <p:extLst>
       <p:ext uri="{BB962C8B-B14F-4D97-AF65-F5344CB8AC3E}">
-        <p14:creationId xmlns:p14="http://schemas.microsoft.com/office/powerpoint/2010/main" val="1064510505"/>
+        <p14:creationId xmlns:p14="http://schemas.microsoft.com/office/powerpoint/2010/main" val="695396494"/>
       </p:ext>
     </p:extLst>
   </p:cSld>
   <p:clrMapOvr>
     <a:masterClrMapping/>
   </p:clrMapOvr>
+  <p:timing>
+    <p:tnLst>
+      <p:par>
+        <p:cTn id="1" dur="indefinite" restart="never" nodeType="tmRoot"/>
+      </p:par>
+    </p:tnLst>
+  </p:timing>
 </p:sld>
 </file>
 

--- a/BM/Deutsch/Romantik/Romantik.pptx
+++ b/BM/Deutsch/Romantik/Romantik.pptx
@@ -8,16 +8,18 @@
     <p:sldId id="256" r:id="rId2"/>
     <p:sldId id="270" r:id="rId3"/>
     <p:sldId id="267" r:id="rId4"/>
-    <p:sldId id="257" r:id="rId5"/>
-    <p:sldId id="268" r:id="rId6"/>
-    <p:sldId id="258" r:id="rId7"/>
-    <p:sldId id="262" r:id="rId8"/>
-    <p:sldId id="259" r:id="rId9"/>
-    <p:sldId id="263" r:id="rId10"/>
-    <p:sldId id="269" r:id="rId11"/>
-    <p:sldId id="271" r:id="rId12"/>
-    <p:sldId id="260" r:id="rId13"/>
-    <p:sldId id="261" r:id="rId14"/>
+    <p:sldId id="273" r:id="rId5"/>
+    <p:sldId id="257" r:id="rId6"/>
+    <p:sldId id="268" r:id="rId7"/>
+    <p:sldId id="258" r:id="rId8"/>
+    <p:sldId id="262" r:id="rId9"/>
+    <p:sldId id="259" r:id="rId10"/>
+    <p:sldId id="263" r:id="rId11"/>
+    <p:sldId id="269" r:id="rId12"/>
+    <p:sldId id="272" r:id="rId13"/>
+    <p:sldId id="271" r:id="rId14"/>
+    <p:sldId id="260" r:id="rId15"/>
+    <p:sldId id="261" r:id="rId16"/>
   </p:sldIdLst>
   <p:sldSz cx="12192000" cy="6858000"/>
   <p:notesSz cx="6858000" cy="9144000"/>
@@ -910,7 +912,7 @@
 <dgm:dataModel xmlns:dgm="http://schemas.openxmlformats.org/drawingml/2006/diagram" xmlns:a="http://schemas.openxmlformats.org/drawingml/2006/main">
   <dgm:ptLst>
     <dgm:pt modelId="{8F00763D-1589-47C7-A5DB-B191C4A66000}" type="doc">
-      <dgm:prSet loTypeId="urn:microsoft.com/office/officeart/2005/8/layout/vList2" loCatId="list" qsTypeId="urn:microsoft.com/office/officeart/2005/8/quickstyle/simple1" qsCatId="simple" csTypeId="urn:microsoft.com/office/officeart/2005/8/colors/colorful5" csCatId="colorful"/>
+      <dgm:prSet loTypeId="urn:microsoft.com/office/officeart/2005/8/layout/vList2" loCatId="list" qsTypeId="urn:microsoft.com/office/officeart/2005/8/quickstyle/simple1" qsCatId="simple" csTypeId="urn:microsoft.com/office/officeart/2005/8/colors/colorful5" csCatId="colorful" phldr="1"/>
       <dgm:spPr/>
       <dgm:t>
         <a:bodyPr/>
@@ -929,7 +931,7 @@
         <a:p>
           <a:r>
             <a:rPr lang="de-CH" dirty="0"/>
-            <a:t>Leitfrage</a:t>
+            <a:t>Einleitung</a:t>
           </a:r>
           <a:endParaRPr lang="en-US" dirty="0"/>
         </a:p>
@@ -1113,10 +1115,10 @@
         <a:lstStyle/>
         <a:p>
           <a:r>
-            <a:rPr lang="de-CH"/>
+            <a:rPr lang="de-CH" dirty="0"/>
             <a:t>Schlusswort</a:t>
           </a:r>
-          <a:endParaRPr lang="en-US"/>
+          <a:endParaRPr lang="en-US" dirty="0"/>
         </a:p>
       </dgm:t>
     </dgm:pt>
@@ -1338,7 +1340,7 @@
           </a:pPr>
           <a:r>
             <a:rPr lang="de-CH" sz="3300" kern="1200" dirty="0"/>
-            <a:t>Leitfrage</a:t>
+            <a:t>Einleitung</a:t>
           </a:r>
           <a:endParaRPr lang="en-US" sz="3300" kern="1200" dirty="0"/>
         </a:p>
@@ -1727,10 +1729,10 @@
             <a:buNone/>
           </a:pPr>
           <a:r>
-            <a:rPr lang="de-CH" sz="3300" kern="1200"/>
+            <a:rPr lang="de-CH" sz="3300" kern="1200" dirty="0"/>
             <a:t>Schlusswort</a:t>
           </a:r>
-          <a:endParaRPr lang="en-US" sz="3300" kern="1200"/>
+          <a:endParaRPr lang="en-US" sz="3300" kern="1200" dirty="0"/>
         </a:p>
       </dsp:txBody>
       <dsp:txXfrm>
@@ -8771,6 +8773,474 @@
   <p:cSld>
     <p:bg>
       <p:bgPr>
+        <a:blipFill>
+          <a:blip r:embed="rId2">
+            <a:extLst/>
+          </a:blip>
+          <a:stretch/>
+        </a:blipFill>
+        <a:effectLst/>
+      </p:bgPr>
+    </p:bg>
+    <p:spTree>
+      <p:nvGrpSpPr>
+        <p:cNvPr id="1" name=""/>
+        <p:cNvGrpSpPr/>
+        <p:nvPr/>
+      </p:nvGrpSpPr>
+      <p:grpSpPr>
+        <a:xfrm>
+          <a:off x="0" y="0"/>
+          <a:ext cx="0" cy="0"/>
+          <a:chOff x="0" y="0"/>
+          <a:chExt cx="0" cy="0"/>
+        </a:xfrm>
+      </p:grpSpPr>
+      <p:grpSp>
+        <p:nvGrpSpPr>
+          <p:cNvPr id="11" name="Group 10">
+            <a:extLst>
+              <a:ext uri="{FF2B5EF4-FFF2-40B4-BE49-F238E27FC236}">
+                <a16:creationId xmlns:a16="http://schemas.microsoft.com/office/drawing/2014/main" id="{DFB5D1BB-0703-437B-BD1E-1D07F8A2730B}"/>
+              </a:ext>
+              <a:ext uri="{C183D7F6-B498-43B3-948B-1728B52AA6E4}">
+                <adec:decorative xmlns:adec="http://schemas.microsoft.com/office/drawing/2017/decorative" val="1"/>
+              </a:ext>
+            </a:extLst>
+          </p:cNvPr>
+          <p:cNvGrpSpPr>
+            <a:grpSpLocks noGrp="1" noUngrp="1" noRot="1" noChangeAspect="1" noMove="1" noResize="1"/>
+          </p:cNvGrpSpPr>
+          <p:nvPr>
+            <p:extLst>
+              <p:ext uri="{386F3935-93C4-4BCD-93E2-E3B085C9AB24}">
+                <p16:designElem xmlns:p16="http://schemas.microsoft.com/office/powerpoint/2015/main" val="1"/>
+              </p:ext>
+            </p:extLst>
+          </p:nvPr>
+        </p:nvGrpSpPr>
+        <p:grpSpPr>
+          <a:xfrm>
+            <a:off x="-15736" y="0"/>
+            <a:ext cx="12229962" cy="6856214"/>
+            <a:chOff x="-15736" y="0"/>
+            <a:chExt cx="12229962" cy="6856214"/>
+          </a:xfrm>
+        </p:grpSpPr>
+        <p:pic>
+          <p:nvPicPr>
+            <p:cNvPr id="12" name="Picture 11">
+              <a:extLst>
+                <a:ext uri="{FF2B5EF4-FFF2-40B4-BE49-F238E27FC236}">
+                  <a16:creationId xmlns:a16="http://schemas.microsoft.com/office/drawing/2014/main" id="{3886586B-3F0F-4593-B272-AE75AD0F0929}"/>
+                </a:ext>
+                <a:ext uri="{C183D7F6-B498-43B3-948B-1728B52AA6E4}">
+                  <adec:decorative xmlns:adec="http://schemas.microsoft.com/office/drawing/2017/decorative" val="1"/>
+                </a:ext>
+              </a:extLst>
+            </p:cNvPr>
+            <p:cNvPicPr>
+              <a:picLocks noChangeAspect="1"/>
+            </p:cNvPicPr>
+            <p:nvPr>
+              <p:extLst>
+                <p:ext uri="{386F3935-93C4-4BCD-93E2-E3B085C9AB24}">
+                  <p16:designElem xmlns:p16="http://schemas.microsoft.com/office/powerpoint/2015/main" val="1"/>
+                </p:ext>
+              </p:extLst>
+            </p:nvPr>
+          </p:nvPicPr>
+          <p:blipFill>
+            <a:blip r:embed="rId3">
+              <a:extLst>
+                <a:ext uri="{28A0092B-C50C-407E-A947-70E740481C1C}">
+                  <a14:useLocalDpi xmlns:a14="http://schemas.microsoft.com/office/drawing/2010/main" val="0"/>
+                </a:ext>
+              </a:extLst>
+            </a:blip>
+            <a:stretch>
+              <a:fillRect/>
+            </a:stretch>
+          </p:blipFill>
+          <p:spPr>
+            <a:xfrm>
+              <a:off x="0" y="0"/>
+              <a:ext cx="12188825" cy="6856214"/>
+            </a:xfrm>
+            <a:prstGeom prst="rect">
+              <a:avLst/>
+            </a:prstGeom>
+          </p:spPr>
+        </p:pic>
+        <p:sp>
+          <p:nvSpPr>
+            <p:cNvPr id="13" name="Rectangle 12">
+              <a:extLst>
+                <a:ext uri="{FF2B5EF4-FFF2-40B4-BE49-F238E27FC236}">
+                  <a16:creationId xmlns:a16="http://schemas.microsoft.com/office/drawing/2014/main" id="{020DEB59-BF94-41B5-8F16-8B10442EE098}"/>
+                </a:ext>
+                <a:ext uri="{C183D7F6-B498-43B3-948B-1728B52AA6E4}">
+                  <adec:decorative xmlns:adec="http://schemas.microsoft.com/office/drawing/2017/decorative" val="1"/>
+                </a:ext>
+              </a:extLst>
+            </p:cNvPr>
+            <p:cNvSpPr/>
+            <p:nvPr>
+              <p:extLst>
+                <p:ext uri="{386F3935-93C4-4BCD-93E2-E3B085C9AB24}">
+                  <p16:designElem xmlns:p16="http://schemas.microsoft.com/office/powerpoint/2015/main" val="1"/>
+                </p:ext>
+              </p:extLst>
+            </p:nvPr>
+          </p:nvSpPr>
+          <p:spPr>
+            <a:xfrm>
+              <a:off x="608012" y="609600"/>
+              <a:ext cx="10972800" cy="5638800"/>
+            </a:xfrm>
+            <a:prstGeom prst="rect">
+              <a:avLst/>
+            </a:prstGeom>
+            <a:noFill/>
+            <a:ln w="15875" cap="flat">
+              <a:miter lim="800000"/>
+            </a:ln>
+          </p:spPr>
+          <p:style>
+            <a:lnRef idx="1">
+              <a:schemeClr val="accent1"/>
+            </a:lnRef>
+            <a:fillRef idx="3">
+              <a:schemeClr val="accent1"/>
+            </a:fillRef>
+            <a:effectRef idx="2">
+              <a:schemeClr val="accent1"/>
+            </a:effectRef>
+            <a:fontRef idx="minor">
+              <a:schemeClr val="lt1"/>
+            </a:fontRef>
+          </p:style>
+        </p:sp>
+        <p:pic>
+          <p:nvPicPr>
+            <p:cNvPr id="14" name="Picture 13">
+              <a:extLst>
+                <a:ext uri="{FF2B5EF4-FFF2-40B4-BE49-F238E27FC236}">
+                  <a16:creationId xmlns:a16="http://schemas.microsoft.com/office/drawing/2014/main" id="{9A3BEF6F-FC03-43B1-8D1B-8DA3A360DBF0}"/>
+                </a:ext>
+                <a:ext uri="{C183D7F6-B498-43B3-948B-1728B52AA6E4}">
+                  <adec:decorative xmlns:adec="http://schemas.microsoft.com/office/drawing/2017/decorative" val="1"/>
+                </a:ext>
+              </a:extLst>
+            </p:cNvPr>
+            <p:cNvPicPr>
+              <a:picLocks noChangeAspect="1"/>
+            </p:cNvPicPr>
+            <p:nvPr>
+              <p:extLst>
+                <p:ext uri="{386F3935-93C4-4BCD-93E2-E3B085C9AB24}">
+                  <p16:designElem xmlns:p16="http://schemas.microsoft.com/office/powerpoint/2015/main" val="1"/>
+                </p:ext>
+              </p:extLst>
+            </p:nvPr>
+          </p:nvPicPr>
+          <p:blipFill rotWithShape="1">
+            <a:blip r:embed="rId4">
+              <a:extLst>
+                <a:ext uri="{28A0092B-C50C-407E-A947-70E740481C1C}">
+                  <a14:useLocalDpi xmlns:a14="http://schemas.microsoft.com/office/drawing/2010/main" val="0"/>
+                </a:ext>
+              </a:extLst>
+            </a:blip>
+            <a:srcRect/>
+            <a:stretch/>
+          </p:blipFill>
+          <p:spPr>
+            <a:xfrm>
+              <a:off x="-15736" y="3153832"/>
+              <a:ext cx="777240" cy="606425"/>
+            </a:xfrm>
+            <a:prstGeom prst="rect">
+              <a:avLst/>
+            </a:prstGeom>
+          </p:spPr>
+        </p:pic>
+        <p:pic>
+          <p:nvPicPr>
+            <p:cNvPr id="15" name="Picture 14">
+              <a:extLst>
+                <a:ext uri="{FF2B5EF4-FFF2-40B4-BE49-F238E27FC236}">
+                  <a16:creationId xmlns:a16="http://schemas.microsoft.com/office/drawing/2014/main" id="{0F49BA32-A501-4C79-9A72-92587AB9EEFE}"/>
+                </a:ext>
+                <a:ext uri="{C183D7F6-B498-43B3-948B-1728B52AA6E4}">
+                  <adec:decorative xmlns:adec="http://schemas.microsoft.com/office/drawing/2017/decorative" val="1"/>
+                </a:ext>
+              </a:extLst>
+            </p:cNvPr>
+            <p:cNvPicPr>
+              <a:picLocks noChangeAspect="1"/>
+            </p:cNvPicPr>
+            <p:nvPr>
+              <p:extLst>
+                <p:ext uri="{386F3935-93C4-4BCD-93E2-E3B085C9AB24}">
+                  <p16:designElem xmlns:p16="http://schemas.microsoft.com/office/powerpoint/2015/main" val="1"/>
+                </p:ext>
+              </p:extLst>
+            </p:nvPr>
+          </p:nvPicPr>
+          <p:blipFill rotWithShape="1">
+            <a:blip r:embed="rId4">
+              <a:extLst>
+                <a:ext uri="{28A0092B-C50C-407E-A947-70E740481C1C}">
+                  <a14:useLocalDpi xmlns:a14="http://schemas.microsoft.com/office/drawing/2010/main" val="0"/>
+                </a:ext>
+              </a:extLst>
+            </a:blip>
+            <a:srcRect/>
+            <a:stretch/>
+          </p:blipFill>
+          <p:spPr>
+            <a:xfrm>
+              <a:off x="11436986" y="3153832"/>
+              <a:ext cx="777240" cy="606425"/>
+            </a:xfrm>
+            <a:prstGeom prst="rect">
+              <a:avLst/>
+            </a:prstGeom>
+          </p:spPr>
+        </p:pic>
+      </p:grpSp>
+      <p:cxnSp>
+        <p:nvCxnSpPr>
+          <p:cNvPr id="17" name="Straight Connector 16">
+            <a:extLst>
+              <a:ext uri="{FF2B5EF4-FFF2-40B4-BE49-F238E27FC236}">
+                <a16:creationId xmlns:a16="http://schemas.microsoft.com/office/drawing/2014/main" id="{883F92AF-2403-4558-B1D7-72130A1E4BC7}"/>
+              </a:ext>
+              <a:ext uri="{C183D7F6-B498-43B3-948B-1728B52AA6E4}">
+                <adec:decorative xmlns:adec="http://schemas.microsoft.com/office/drawing/2017/decorative" val="1"/>
+              </a:ext>
+            </a:extLst>
+          </p:cNvPr>
+          <p:cNvCxnSpPr>
+            <a:cxnSpLocks noGrp="1" noRot="1" noChangeAspect="1" noMove="1" noResize="1" noEditPoints="1" noAdjustHandles="1" noChangeArrowheads="1" noChangeShapeType="1"/>
+          </p:cNvCxnSpPr>
+          <p:nvPr>
+            <p:extLst>
+              <p:ext uri="{386F3935-93C4-4BCD-93E2-E3B085C9AB24}">
+                <p16:designElem xmlns:p16="http://schemas.microsoft.com/office/powerpoint/2015/main" val="1"/>
+              </p:ext>
+            </p:extLst>
+          </p:nvPr>
+        </p:nvCxnSpPr>
+        <p:spPr>
+          <a:xfrm>
+            <a:off x="1396169" y="2421466"/>
+            <a:ext cx="9407298" cy="0"/>
+          </a:xfrm>
+          <a:prstGeom prst="line">
+            <a:avLst/>
+          </a:prstGeom>
+          <a:ln w="15875"/>
+        </p:spPr>
+        <p:style>
+          <a:lnRef idx="2">
+            <a:schemeClr val="accent1"/>
+          </a:lnRef>
+          <a:fillRef idx="0">
+            <a:schemeClr val="accent1"/>
+          </a:fillRef>
+          <a:effectRef idx="1">
+            <a:schemeClr val="accent1"/>
+          </a:effectRef>
+          <a:fontRef idx="minor">
+            <a:schemeClr val="tx1"/>
+          </a:fontRef>
+        </p:style>
+      </p:cxnSp>
+      <p:sp>
+        <p:nvSpPr>
+          <p:cNvPr id="2" name="Titel 1"/>
+          <p:cNvSpPr>
+            <a:spLocks noGrp="1"/>
+          </p:cNvSpPr>
+          <p:nvPr>
+            <p:ph type="title"/>
+          </p:nvPr>
+        </p:nvSpPr>
+        <p:spPr>
+          <a:xfrm>
+            <a:off x="1295402" y="982132"/>
+            <a:ext cx="9601196" cy="1303867"/>
+          </a:xfrm>
+        </p:spPr>
+        <p:txBody>
+          <a:bodyPr vert="horz" lIns="91440" tIns="45720" rIns="91440" bIns="45720" rtlCol="0" anchor="ctr">
+            <a:normAutofit/>
+          </a:bodyPr>
+          <a:lstStyle/>
+          <a:p>
+            <a:r>
+              <a:rPr lang="en-US"/>
+              <a:t>Textbeispiel der Sandmann</a:t>
+            </a:r>
+            <a:endParaRPr lang="en-US" dirty="0"/>
+          </a:p>
+        </p:txBody>
+      </p:sp>
+      <p:pic>
+        <p:nvPicPr>
+          <p:cNvPr id="6" name="Inhaltsplatzhalter 5"/>
+          <p:cNvPicPr>
+            <a:picLocks noGrp="1" noChangeAspect="1"/>
+          </p:cNvPicPr>
+          <p:nvPr>
+            <p:ph sz="half" idx="2"/>
+          </p:nvPr>
+        </p:nvPicPr>
+        <p:blipFill rotWithShape="1">
+          <a:blip r:embed="rId5">
+            <a:extLst>
+              <a:ext uri="{28A0092B-C50C-407E-A947-70E740481C1C}">
+                <a14:useLocalDpi xmlns:a14="http://schemas.microsoft.com/office/drawing/2010/main" val="0"/>
+              </a:ext>
+            </a:extLst>
+          </a:blip>
+          <a:srcRect l="26025" r="32815" b="1"/>
+          <a:stretch/>
+        </p:blipFill>
+        <p:spPr>
+          <a:xfrm>
+            <a:off x="1434269" y="2701180"/>
+            <a:ext cx="2739728" cy="2852640"/>
+          </a:xfrm>
+          <a:prstGeom prst="rect">
+            <a:avLst/>
+          </a:prstGeom>
+          <a:ln w="57150" cmpd="thickThin">
+            <a:solidFill>
+              <a:schemeClr val="tx1">
+                <a:lumMod val="50000"/>
+                <a:lumOff val="50000"/>
+              </a:schemeClr>
+            </a:solidFill>
+            <a:miter lim="800000"/>
+          </a:ln>
+        </p:spPr>
+      </p:pic>
+      <p:sp>
+        <p:nvSpPr>
+          <p:cNvPr id="4" name="Inhaltsplatzhalter 3"/>
+          <p:cNvSpPr>
+            <a:spLocks noGrp="1"/>
+          </p:cNvSpPr>
+          <p:nvPr>
+            <p:ph sz="half" idx="1"/>
+          </p:nvPr>
+        </p:nvSpPr>
+        <p:spPr>
+          <a:xfrm>
+            <a:off x="4639732" y="2556932"/>
+            <a:ext cx="6256863" cy="3318936"/>
+          </a:xfrm>
+        </p:spPr>
+        <p:txBody>
+          <a:bodyPr vert="horz" lIns="91440" tIns="45720" rIns="91440" bIns="45720" rtlCol="0" anchor="t">
+            <a:normAutofit/>
+          </a:bodyPr>
+          <a:lstStyle/>
+          <a:p>
+            <a:r>
+              <a:rPr lang="de-CH" sz="2200" dirty="0"/>
+              <a:t>Thema: Dunkle der Seele/ das Böse im Menschen</a:t>
+            </a:r>
+          </a:p>
+          <a:p>
+            <a:r>
+              <a:rPr lang="de-CH" sz="2200" dirty="0"/>
+              <a:t>Leitmotiv: Der Sandmann</a:t>
+            </a:r>
+          </a:p>
+          <a:p>
+            <a:r>
+              <a:rPr lang="de-CH" sz="2200" dirty="0"/>
+              <a:t>Schwellenmotive: Blick durch das Objektiv</a:t>
+            </a:r>
+          </a:p>
+          <a:p>
+            <a:r>
+              <a:rPr lang="de-CH" sz="2200" dirty="0"/>
+              <a:t>Nathanael als Verrückter und Spalanzani als Genie</a:t>
+            </a:r>
+          </a:p>
+          <a:p>
+            <a:r>
+              <a:rPr lang="de-CH" sz="2200" dirty="0"/>
+              <a:t>Offene Charakter</a:t>
+            </a:r>
+          </a:p>
+          <a:p>
+            <a:r>
+              <a:rPr lang="de-CH" sz="2200" dirty="0"/>
+              <a:t>Poesie, Wissenschaft und Philosophie vereint</a:t>
+            </a:r>
+          </a:p>
+        </p:txBody>
+      </p:sp>
+      <p:sp>
+        <p:nvSpPr>
+          <p:cNvPr id="16" name="Textfeld 15">
+            <a:extLst>
+              <a:ext uri="{FF2B5EF4-FFF2-40B4-BE49-F238E27FC236}">
+                <a16:creationId xmlns:a16="http://schemas.microsoft.com/office/drawing/2014/main" id="{59FC59CD-CD7C-46B9-99D1-3973282024E6}"/>
+              </a:ext>
+            </a:extLst>
+          </p:cNvPr>
+          <p:cNvSpPr txBox="1"/>
+          <p:nvPr/>
+        </p:nvSpPr>
+        <p:spPr>
+          <a:xfrm>
+            <a:off x="1343712" y="5593332"/>
+            <a:ext cx="2560320" cy="307777"/>
+          </a:xfrm>
+          <a:prstGeom prst="rect">
+            <a:avLst/>
+          </a:prstGeom>
+          <a:noFill/>
+        </p:spPr>
+        <p:txBody>
+          <a:bodyPr wrap="square" rtlCol="0">
+            <a:spAutoFit/>
+          </a:bodyPr>
+          <a:lstStyle/>
+          <a:p>
+            <a:r>
+              <a:rPr lang="de-CH" sz="1400" dirty="0"/>
+              <a:t>Abb. 6 </a:t>
+            </a:r>
+            <a:endParaRPr lang="en-US" sz="1400" dirty="0"/>
+          </a:p>
+        </p:txBody>
+      </p:sp>
+    </p:spTree>
+    <p:extLst>
+      <p:ext uri="{BB962C8B-B14F-4D97-AF65-F5344CB8AC3E}">
+        <p14:creationId xmlns:p14="http://schemas.microsoft.com/office/powerpoint/2010/main" val="695396494"/>
+      </p:ext>
+    </p:extLst>
+  </p:cSld>
+  <p:clrMapOvr>
+    <a:masterClrMapping/>
+  </p:clrMapOvr>
+</p:sld>
+</file>
+
+<file path=ppt/slides/slide11.xml><?xml version="1.0" encoding="utf-8"?>
+<p:sld xmlns:a="http://schemas.openxmlformats.org/drawingml/2006/main" xmlns:r="http://schemas.openxmlformats.org/officeDocument/2006/relationships" xmlns:p="http://schemas.openxmlformats.org/presentationml/2006/main">
+  <p:cSld>
+    <p:bg>
+      <p:bgPr>
         <a:solidFill>
           <a:schemeClr val="bg1"/>
         </a:solidFill>
@@ -9248,6 +9718,327 @@
       </p:sp>
       <p:sp>
         <p:nvSpPr>
+          <p:cNvPr id="20" name="Inhaltsplatzhalter 3">
+            <a:extLst>
+              <a:ext uri="{FF2B5EF4-FFF2-40B4-BE49-F238E27FC236}">
+                <a16:creationId xmlns:a16="http://schemas.microsoft.com/office/drawing/2014/main" id="{EAF91F7C-1E3A-4D05-8933-BB194EF1CF19}"/>
+              </a:ext>
+            </a:extLst>
+          </p:cNvPr>
+          <p:cNvSpPr txBox="1">
+            <a:spLocks/>
+          </p:cNvSpPr>
+          <p:nvPr/>
+        </p:nvSpPr>
+        <p:spPr>
+          <a:xfrm>
+            <a:off x="831954" y="2615299"/>
+            <a:ext cx="3131582" cy="3552039"/>
+          </a:xfrm>
+          <a:prstGeom prst="rect">
+            <a:avLst/>
+          </a:prstGeom>
+        </p:spPr>
+        <p:txBody>
+          <a:bodyPr vert="horz" lIns="91440" tIns="45720" rIns="91440" bIns="45720" rtlCol="0" anchor="t">
+            <a:normAutofit/>
+          </a:bodyPr>
+          <a:lstStyle>
+            <a:lvl1pPr marL="285750" indent="-285750" algn="l" defTabSz="457200" rtl="0" eaLnBrk="1" latinLnBrk="0" hangingPunct="1">
+              <a:spcBef>
+                <a:spcPct val="20000"/>
+              </a:spcBef>
+              <a:spcAft>
+                <a:spcPts val="600"/>
+              </a:spcAft>
+              <a:buClr>
+                <a:schemeClr val="accent1"/>
+              </a:buClr>
+              <a:buSzPct val="115000"/>
+              <a:buFont typeface="Arial"/>
+              <a:buChar char="•"/>
+              <a:defRPr sz="2400" kern="1200" cap="none">
+                <a:solidFill>
+                  <a:schemeClr val="tx1">
+                    <a:lumMod val="85000"/>
+                    <a:lumOff val="15000"/>
+                  </a:schemeClr>
+                </a:solidFill>
+                <a:effectLst/>
+                <a:latin typeface="+mn-lt"/>
+                <a:ea typeface="+mn-ea"/>
+                <a:cs typeface="+mn-cs"/>
+              </a:defRPr>
+            </a:lvl1pPr>
+            <a:lvl2pPr marL="742950" indent="-285750" algn="l" defTabSz="457200" rtl="0" eaLnBrk="1" latinLnBrk="0" hangingPunct="1">
+              <a:spcBef>
+                <a:spcPct val="20000"/>
+              </a:spcBef>
+              <a:spcAft>
+                <a:spcPts val="600"/>
+              </a:spcAft>
+              <a:buClr>
+                <a:schemeClr val="accent1"/>
+              </a:buClr>
+              <a:buSzPct val="115000"/>
+              <a:buFont typeface="Arial"/>
+              <a:buChar char="•"/>
+              <a:defRPr sz="2000" kern="1200" cap="none">
+                <a:solidFill>
+                  <a:schemeClr val="tx1">
+                    <a:lumMod val="85000"/>
+                    <a:lumOff val="15000"/>
+                  </a:schemeClr>
+                </a:solidFill>
+                <a:effectLst/>
+                <a:latin typeface="+mn-lt"/>
+                <a:ea typeface="+mn-ea"/>
+                <a:cs typeface="+mn-cs"/>
+              </a:defRPr>
+            </a:lvl2pPr>
+            <a:lvl3pPr marL="1200150" indent="-285750" algn="l" defTabSz="457200" rtl="0" eaLnBrk="1" latinLnBrk="0" hangingPunct="1">
+              <a:spcBef>
+                <a:spcPct val="20000"/>
+              </a:spcBef>
+              <a:spcAft>
+                <a:spcPts val="600"/>
+              </a:spcAft>
+              <a:buClr>
+                <a:schemeClr val="accent1"/>
+              </a:buClr>
+              <a:buSzPct val="115000"/>
+              <a:buFont typeface="Arial"/>
+              <a:buChar char="•"/>
+              <a:defRPr sz="1800" kern="1200" cap="none">
+                <a:solidFill>
+                  <a:schemeClr val="tx1">
+                    <a:lumMod val="85000"/>
+                    <a:lumOff val="15000"/>
+                  </a:schemeClr>
+                </a:solidFill>
+                <a:effectLst/>
+                <a:latin typeface="+mn-lt"/>
+                <a:ea typeface="+mn-ea"/>
+                <a:cs typeface="+mn-cs"/>
+              </a:defRPr>
+            </a:lvl3pPr>
+            <a:lvl4pPr marL="1543050" indent="-171450" algn="l" defTabSz="457200" rtl="0" eaLnBrk="1" latinLnBrk="0" hangingPunct="1">
+              <a:spcBef>
+                <a:spcPct val="20000"/>
+              </a:spcBef>
+              <a:spcAft>
+                <a:spcPts val="600"/>
+              </a:spcAft>
+              <a:buClr>
+                <a:schemeClr val="accent1"/>
+              </a:buClr>
+              <a:buSzPct val="115000"/>
+              <a:buFont typeface="Arial"/>
+              <a:buChar char="•"/>
+              <a:defRPr sz="1600" kern="1200" cap="none">
+                <a:solidFill>
+                  <a:schemeClr val="tx1">
+                    <a:lumMod val="85000"/>
+                    <a:lumOff val="15000"/>
+                  </a:schemeClr>
+                </a:solidFill>
+                <a:effectLst/>
+                <a:latin typeface="+mn-lt"/>
+                <a:ea typeface="+mn-ea"/>
+                <a:cs typeface="+mn-cs"/>
+              </a:defRPr>
+            </a:lvl4pPr>
+            <a:lvl5pPr marL="2000250" indent="-171450" algn="l" defTabSz="457200" rtl="0" eaLnBrk="1" latinLnBrk="0" hangingPunct="1">
+              <a:spcBef>
+                <a:spcPct val="20000"/>
+              </a:spcBef>
+              <a:spcAft>
+                <a:spcPts val="600"/>
+              </a:spcAft>
+              <a:buClr>
+                <a:schemeClr val="accent1"/>
+              </a:buClr>
+              <a:buSzPct val="115000"/>
+              <a:buFont typeface="Arial"/>
+              <a:buChar char="•"/>
+              <a:defRPr sz="1400" kern="1200" cap="none">
+                <a:solidFill>
+                  <a:schemeClr val="tx1">
+                    <a:lumMod val="85000"/>
+                    <a:lumOff val="15000"/>
+                  </a:schemeClr>
+                </a:solidFill>
+                <a:effectLst/>
+                <a:latin typeface="+mn-lt"/>
+                <a:ea typeface="+mn-ea"/>
+                <a:cs typeface="+mn-cs"/>
+              </a:defRPr>
+            </a:lvl5pPr>
+            <a:lvl6pPr marL="2514600" indent="-228600" algn="l" defTabSz="457200" rtl="0" eaLnBrk="1" latinLnBrk="0" hangingPunct="1">
+              <a:spcBef>
+                <a:spcPct val="20000"/>
+              </a:spcBef>
+              <a:spcAft>
+                <a:spcPts val="600"/>
+              </a:spcAft>
+              <a:buClr>
+                <a:schemeClr val="accent1"/>
+              </a:buClr>
+              <a:buSzPct val="115000"/>
+              <a:buFont typeface="Arial"/>
+              <a:buChar char="•"/>
+              <a:defRPr sz="1400" kern="1200" cap="none">
+                <a:solidFill>
+                  <a:schemeClr val="tx1">
+                    <a:lumMod val="85000"/>
+                    <a:lumOff val="15000"/>
+                  </a:schemeClr>
+                </a:solidFill>
+                <a:effectLst/>
+                <a:latin typeface="+mn-lt"/>
+                <a:ea typeface="+mn-ea"/>
+                <a:cs typeface="+mn-cs"/>
+              </a:defRPr>
+            </a:lvl6pPr>
+            <a:lvl7pPr marL="2971800" indent="-228600" algn="l" defTabSz="457200" rtl="0" eaLnBrk="1" latinLnBrk="0" hangingPunct="1">
+              <a:spcBef>
+                <a:spcPct val="20000"/>
+              </a:spcBef>
+              <a:spcAft>
+                <a:spcPts val="600"/>
+              </a:spcAft>
+              <a:buClr>
+                <a:schemeClr val="accent1"/>
+              </a:buClr>
+              <a:buSzPct val="115000"/>
+              <a:buFont typeface="Arial"/>
+              <a:buChar char="•"/>
+              <a:defRPr sz="1400" kern="1200" cap="none">
+                <a:solidFill>
+                  <a:schemeClr val="tx1">
+                    <a:lumMod val="85000"/>
+                    <a:lumOff val="15000"/>
+                  </a:schemeClr>
+                </a:solidFill>
+                <a:effectLst/>
+                <a:latin typeface="+mn-lt"/>
+                <a:ea typeface="+mn-ea"/>
+                <a:cs typeface="+mn-cs"/>
+              </a:defRPr>
+            </a:lvl7pPr>
+            <a:lvl8pPr marL="3429000" indent="-228600" algn="l" defTabSz="457200" rtl="0" eaLnBrk="1" latinLnBrk="0" hangingPunct="1">
+              <a:spcBef>
+                <a:spcPct val="20000"/>
+              </a:spcBef>
+              <a:spcAft>
+                <a:spcPts val="600"/>
+              </a:spcAft>
+              <a:buClr>
+                <a:schemeClr val="accent1"/>
+              </a:buClr>
+              <a:buSzPct val="115000"/>
+              <a:buFont typeface="Arial"/>
+              <a:buChar char="•"/>
+              <a:defRPr sz="1400" kern="1200" cap="none">
+                <a:solidFill>
+                  <a:schemeClr val="tx1">
+                    <a:lumMod val="85000"/>
+                    <a:lumOff val="15000"/>
+                  </a:schemeClr>
+                </a:solidFill>
+                <a:effectLst/>
+                <a:latin typeface="+mn-lt"/>
+                <a:ea typeface="+mn-ea"/>
+                <a:cs typeface="+mn-cs"/>
+              </a:defRPr>
+            </a:lvl8pPr>
+            <a:lvl9pPr marL="3886200" indent="-228600" algn="l" defTabSz="457200" rtl="0" eaLnBrk="1" latinLnBrk="0" hangingPunct="1">
+              <a:spcBef>
+                <a:spcPct val="20000"/>
+              </a:spcBef>
+              <a:spcAft>
+                <a:spcPts val="600"/>
+              </a:spcAft>
+              <a:buClr>
+                <a:schemeClr val="accent1"/>
+              </a:buClr>
+              <a:buSzPct val="115000"/>
+              <a:buFont typeface="Arial"/>
+              <a:buChar char="•"/>
+              <a:defRPr sz="1400" kern="1200" cap="none">
+                <a:solidFill>
+                  <a:schemeClr val="tx1">
+                    <a:lumMod val="85000"/>
+                    <a:lumOff val="15000"/>
+                  </a:schemeClr>
+                </a:solidFill>
+                <a:effectLst/>
+                <a:latin typeface="+mn-lt"/>
+                <a:ea typeface="+mn-ea"/>
+                <a:cs typeface="+mn-cs"/>
+              </a:defRPr>
+            </a:lvl9pPr>
+          </a:lstStyle>
+          <a:p>
+            <a:pPr marL="0" indent="0">
+              <a:buFont typeface="Arial"/>
+              <a:buNone/>
+            </a:pPr>
+            <a:r>
+              <a:rPr lang="de-CH" sz="1800" b="1" i="1" dirty="0">
+                <a:solidFill>
+                  <a:srgbClr val="262626"/>
+                </a:solidFill>
+              </a:rPr>
+              <a:t>Was macht die Romantik aus?</a:t>
+            </a:r>
+            <a:endParaRPr lang="de-CH" sz="1800" dirty="0">
+              <a:solidFill>
+                <a:srgbClr val="262626"/>
+              </a:solidFill>
+            </a:endParaRPr>
+          </a:p>
+          <a:p>
+            <a:r>
+              <a:rPr lang="de-CH" sz="1800" dirty="0">
+                <a:solidFill>
+                  <a:srgbClr val="262626"/>
+                </a:solidFill>
+              </a:rPr>
+              <a:t>Zwei verschieden Seiten</a:t>
+            </a:r>
+          </a:p>
+          <a:p>
+            <a:r>
+              <a:rPr lang="de-CH" sz="1800" dirty="0">
+                <a:solidFill>
+                  <a:srgbClr val="262626"/>
+                </a:solidFill>
+              </a:rPr>
+              <a:t>Düsters und Mystisches</a:t>
+            </a:r>
+          </a:p>
+          <a:p>
+            <a:r>
+              <a:rPr lang="de-CH" sz="1800" dirty="0">
+                <a:solidFill>
+                  <a:srgbClr val="262626"/>
+                </a:solidFill>
+              </a:rPr>
+              <a:t>Emotionen und Leidenschaft</a:t>
+            </a:r>
+          </a:p>
+          <a:p>
+            <a:endParaRPr lang="en-US" sz="1800" dirty="0">
+              <a:solidFill>
+                <a:srgbClr val="262626"/>
+              </a:solidFill>
+            </a:endParaRPr>
+          </a:p>
+        </p:txBody>
+      </p:sp>
+      <p:sp>
+        <p:nvSpPr>
           <p:cNvPr id="2" name="Titel 1"/>
           <p:cNvSpPr>
             <a:spLocks noGrp="1"/>
@@ -9269,111 +10060,13 @@
           <a:lstStyle/>
           <a:p>
             <a:r>
-              <a:rPr lang="en-US" sz="2800">
+              <a:rPr lang="de-CH" sz="2800" dirty="0">
                 <a:solidFill>
                   <a:srgbClr val="262626"/>
                 </a:solidFill>
               </a:rPr>
               <a:t>Schlusswort</a:t>
             </a:r>
-          </a:p>
-        </p:txBody>
-      </p:sp>
-      <p:sp>
-        <p:nvSpPr>
-          <p:cNvPr id="4" name="Inhaltsplatzhalter 3"/>
-          <p:cNvSpPr>
-            <a:spLocks noGrp="1"/>
-          </p:cNvSpPr>
-          <p:nvPr>
-            <p:ph sz="half" idx="1"/>
-          </p:nvPr>
-        </p:nvSpPr>
-        <p:spPr>
-          <a:xfrm>
-            <a:off x="809846" y="2457311"/>
-            <a:ext cx="3148338" cy="3552039"/>
-          </a:xfrm>
-        </p:spPr>
-        <p:txBody>
-          <a:bodyPr vert="horz" lIns="91440" tIns="45720" rIns="91440" bIns="45720" rtlCol="0" anchor="t">
-            <a:normAutofit/>
-          </a:bodyPr>
-          <a:lstStyle/>
-          <a:p>
-            <a:pPr marL="0" indent="0">
-              <a:buNone/>
-            </a:pPr>
-            <a:r>
-              <a:rPr lang="de-CH" sz="1800" b="1" i="1" dirty="0">
-                <a:solidFill>
-                  <a:srgbClr val="262626"/>
-                </a:solidFill>
-              </a:rPr>
-              <a:t>Was macht die Romantik aus?</a:t>
-            </a:r>
-            <a:endParaRPr lang="de-CH" sz="1800" dirty="0">
-              <a:solidFill>
-                <a:srgbClr val="262626"/>
-              </a:solidFill>
-            </a:endParaRPr>
-          </a:p>
-          <a:p>
-            <a:r>
-              <a:rPr lang="de-CH" sz="1800" dirty="0">
-                <a:solidFill>
-                  <a:srgbClr val="262626"/>
-                </a:solidFill>
-              </a:rPr>
-              <a:t>Ablegen der alten Normen</a:t>
-            </a:r>
-          </a:p>
-          <a:p>
-            <a:r>
-              <a:rPr lang="de-CH" sz="1800" dirty="0">
-                <a:solidFill>
-                  <a:srgbClr val="262626"/>
-                </a:solidFill>
-              </a:rPr>
-              <a:t>Freiheit des Autors</a:t>
-            </a:r>
-          </a:p>
-          <a:p>
-            <a:r>
-              <a:rPr lang="de-CH" sz="1800" dirty="0">
-                <a:solidFill>
-                  <a:srgbClr val="262626"/>
-                </a:solidFill>
-              </a:rPr>
-              <a:t>Flucht aus der Realität</a:t>
-            </a:r>
-          </a:p>
-          <a:p>
-            <a:r>
-              <a:rPr lang="de-CH" sz="1800" dirty="0">
-                <a:solidFill>
-                  <a:srgbClr val="262626"/>
-                </a:solidFill>
-              </a:rPr>
-              <a:t>Düsters und Mystisches</a:t>
-            </a:r>
-          </a:p>
-          <a:p>
-            <a:r>
-              <a:rPr lang="de-CH" sz="1800" dirty="0">
-                <a:solidFill>
-                  <a:srgbClr val="262626"/>
-                </a:solidFill>
-              </a:rPr>
-              <a:t>Emotionen und Leidenschaft</a:t>
-            </a:r>
-          </a:p>
-          <a:p>
-            <a:endParaRPr lang="en-US" sz="1800" dirty="0">
-              <a:solidFill>
-                <a:srgbClr val="262626"/>
-              </a:solidFill>
-            </a:endParaRPr>
           </a:p>
         </p:txBody>
       </p:sp>
@@ -9499,7 +10192,7 @@
           <a:p>
             <a:r>
               <a:rPr lang="de-CH" sz="1400" dirty="0"/>
-              <a:t>Abb.6</a:t>
+              <a:t>Abb. 7</a:t>
             </a:r>
             <a:endParaRPr lang="en-US" sz="1400" dirty="0"/>
           </a:p>
@@ -9518,7 +10211,744 @@
 </p:sld>
 </file>
 
-<file path=ppt/slides/slide11.xml><?xml version="1.0" encoding="utf-8"?>
+<file path=ppt/slides/slide12.xml><?xml version="1.0" encoding="utf-8"?>
+<p:sld xmlns:a="http://schemas.openxmlformats.org/drawingml/2006/main" xmlns:r="http://schemas.openxmlformats.org/officeDocument/2006/relationships" xmlns:p="http://schemas.openxmlformats.org/presentationml/2006/main">
+  <p:cSld>
+    <p:bg>
+      <p:bgPr>
+        <a:solidFill>
+          <a:schemeClr val="bg1"/>
+        </a:solidFill>
+        <a:effectLst/>
+      </p:bgPr>
+    </p:bg>
+    <p:spTree>
+      <p:nvGrpSpPr>
+        <p:cNvPr id="1" name=""/>
+        <p:cNvGrpSpPr/>
+        <p:nvPr/>
+      </p:nvGrpSpPr>
+      <p:grpSpPr>
+        <a:xfrm>
+          <a:off x="0" y="0"/>
+          <a:ext cx="0" cy="0"/>
+          <a:chOff x="0" y="0"/>
+          <a:chExt cx="0" cy="0"/>
+        </a:xfrm>
+      </p:grpSpPr>
+      <p:grpSp>
+        <p:nvGrpSpPr>
+          <p:cNvPr id="11" name="Group 10">
+            <a:extLst>
+              <a:ext uri="{FF2B5EF4-FFF2-40B4-BE49-F238E27FC236}">
+                <a16:creationId xmlns:a16="http://schemas.microsoft.com/office/drawing/2014/main" id="{3F6D81C7-B083-478E-82FE-089A8CB72EB8}"/>
+              </a:ext>
+              <a:ext uri="{C183D7F6-B498-43B3-948B-1728B52AA6E4}">
+                <adec:decorative xmlns:adec="http://schemas.microsoft.com/office/drawing/2017/decorative" val="1"/>
+              </a:ext>
+            </a:extLst>
+          </p:cNvPr>
+          <p:cNvGrpSpPr>
+            <a:grpSpLocks noGrp="1" noUngrp="1" noRot="1" noChangeAspect="1" noMove="1" noResize="1"/>
+          </p:cNvGrpSpPr>
+          <p:nvPr>
+            <p:extLst>
+              <p:ext uri="{386F3935-93C4-4BCD-93E2-E3B085C9AB24}">
+                <p16:designElem xmlns:p16="http://schemas.microsoft.com/office/powerpoint/2015/main" val="1"/>
+              </p:ext>
+            </p:extLst>
+          </p:nvPr>
+        </p:nvGrpSpPr>
+        <p:grpSpPr>
+          <a:xfrm>
+            <a:off x="-15736" y="0"/>
+            <a:ext cx="12229962" cy="6856214"/>
+            <a:chOff x="-15736" y="0"/>
+            <a:chExt cx="12229962" cy="6856214"/>
+          </a:xfrm>
+        </p:grpSpPr>
+        <p:pic>
+          <p:nvPicPr>
+            <p:cNvPr id="12" name="Picture 11">
+              <a:extLst>
+                <a:ext uri="{FF2B5EF4-FFF2-40B4-BE49-F238E27FC236}">
+                  <a16:creationId xmlns:a16="http://schemas.microsoft.com/office/drawing/2014/main" id="{8398EDA2-4889-433D-AC01-5214D79764ED}"/>
+                </a:ext>
+                <a:ext uri="{C183D7F6-B498-43B3-948B-1728B52AA6E4}">
+                  <adec:decorative xmlns:adec="http://schemas.microsoft.com/office/drawing/2017/decorative" val="1"/>
+                </a:ext>
+              </a:extLst>
+            </p:cNvPr>
+            <p:cNvPicPr>
+              <a:picLocks noChangeAspect="1"/>
+            </p:cNvPicPr>
+            <p:nvPr>
+              <p:extLst>
+                <p:ext uri="{386F3935-93C4-4BCD-93E2-E3B085C9AB24}">
+                  <p16:designElem xmlns:p16="http://schemas.microsoft.com/office/powerpoint/2015/main" val="1"/>
+                </p:ext>
+              </p:extLst>
+            </p:nvPr>
+          </p:nvPicPr>
+          <p:blipFill>
+            <a:blip r:embed="rId2">
+              <a:extLst>
+                <a:ext uri="{28A0092B-C50C-407E-A947-70E740481C1C}">
+                  <a14:useLocalDpi xmlns:a14="http://schemas.microsoft.com/office/drawing/2010/main" val="0"/>
+                </a:ext>
+              </a:extLst>
+            </a:blip>
+            <a:stretch>
+              <a:fillRect/>
+            </a:stretch>
+          </p:blipFill>
+          <p:spPr>
+            <a:xfrm>
+              <a:off x="0" y="0"/>
+              <a:ext cx="12188825" cy="6856214"/>
+            </a:xfrm>
+            <a:prstGeom prst="rect">
+              <a:avLst/>
+            </a:prstGeom>
+          </p:spPr>
+        </p:pic>
+        <p:sp>
+          <p:nvSpPr>
+            <p:cNvPr id="13" name="Rectangle 12">
+              <a:extLst>
+                <a:ext uri="{FF2B5EF4-FFF2-40B4-BE49-F238E27FC236}">
+                  <a16:creationId xmlns:a16="http://schemas.microsoft.com/office/drawing/2014/main" id="{0099D46A-AF52-46FD-938B-D31189460A2F}"/>
+                </a:ext>
+                <a:ext uri="{C183D7F6-B498-43B3-948B-1728B52AA6E4}">
+                  <adec:decorative xmlns:adec="http://schemas.microsoft.com/office/drawing/2017/decorative" val="1"/>
+                </a:ext>
+              </a:extLst>
+            </p:cNvPr>
+            <p:cNvSpPr/>
+            <p:nvPr>
+              <p:extLst>
+                <p:ext uri="{386F3935-93C4-4BCD-93E2-E3B085C9AB24}">
+                  <p16:designElem xmlns:p16="http://schemas.microsoft.com/office/powerpoint/2015/main" val="1"/>
+                </p:ext>
+              </p:extLst>
+            </p:nvPr>
+          </p:nvSpPr>
+          <p:spPr>
+            <a:xfrm>
+              <a:off x="608012" y="609600"/>
+              <a:ext cx="10972800" cy="5638800"/>
+            </a:xfrm>
+            <a:prstGeom prst="rect">
+              <a:avLst/>
+            </a:prstGeom>
+            <a:noFill/>
+            <a:ln w="15875" cap="flat">
+              <a:miter lim="800000"/>
+            </a:ln>
+          </p:spPr>
+          <p:style>
+            <a:lnRef idx="1">
+              <a:schemeClr val="accent1"/>
+            </a:lnRef>
+            <a:fillRef idx="3">
+              <a:schemeClr val="accent1"/>
+            </a:fillRef>
+            <a:effectRef idx="2">
+              <a:schemeClr val="accent1"/>
+            </a:effectRef>
+            <a:fontRef idx="minor">
+              <a:schemeClr val="lt1"/>
+            </a:fontRef>
+          </p:style>
+        </p:sp>
+        <p:pic>
+          <p:nvPicPr>
+            <p:cNvPr id="14" name="Picture 13">
+              <a:extLst>
+                <a:ext uri="{FF2B5EF4-FFF2-40B4-BE49-F238E27FC236}">
+                  <a16:creationId xmlns:a16="http://schemas.microsoft.com/office/drawing/2014/main" id="{C933E919-C473-4F0E-9DBC-CC65FC9E926E}"/>
+                </a:ext>
+                <a:ext uri="{C183D7F6-B498-43B3-948B-1728B52AA6E4}">
+                  <adec:decorative xmlns:adec="http://schemas.microsoft.com/office/drawing/2017/decorative" val="1"/>
+                </a:ext>
+              </a:extLst>
+            </p:cNvPr>
+            <p:cNvPicPr>
+              <a:picLocks noChangeAspect="1"/>
+            </p:cNvPicPr>
+            <p:nvPr>
+              <p:extLst>
+                <p:ext uri="{386F3935-93C4-4BCD-93E2-E3B085C9AB24}">
+                  <p16:designElem xmlns:p16="http://schemas.microsoft.com/office/powerpoint/2015/main" val="1"/>
+                </p:ext>
+              </p:extLst>
+            </p:nvPr>
+          </p:nvPicPr>
+          <p:blipFill rotWithShape="1">
+            <a:blip r:embed="rId3">
+              <a:extLst>
+                <a:ext uri="{28A0092B-C50C-407E-A947-70E740481C1C}">
+                  <a14:useLocalDpi xmlns:a14="http://schemas.microsoft.com/office/drawing/2010/main" val="0"/>
+                </a:ext>
+              </a:extLst>
+            </a:blip>
+            <a:srcRect/>
+            <a:stretch/>
+          </p:blipFill>
+          <p:spPr>
+            <a:xfrm>
+              <a:off x="-15736" y="3153832"/>
+              <a:ext cx="777240" cy="606425"/>
+            </a:xfrm>
+            <a:prstGeom prst="rect">
+              <a:avLst/>
+            </a:prstGeom>
+          </p:spPr>
+        </p:pic>
+        <p:pic>
+          <p:nvPicPr>
+            <p:cNvPr id="15" name="Picture 14">
+              <a:extLst>
+                <a:ext uri="{FF2B5EF4-FFF2-40B4-BE49-F238E27FC236}">
+                  <a16:creationId xmlns:a16="http://schemas.microsoft.com/office/drawing/2014/main" id="{FBBF3BDD-5C99-4FDC-BBCB-E711359D93F6}"/>
+                </a:ext>
+                <a:ext uri="{C183D7F6-B498-43B3-948B-1728B52AA6E4}">
+                  <adec:decorative xmlns:adec="http://schemas.microsoft.com/office/drawing/2017/decorative" val="1"/>
+                </a:ext>
+              </a:extLst>
+            </p:cNvPr>
+            <p:cNvPicPr>
+              <a:picLocks noChangeAspect="1"/>
+            </p:cNvPicPr>
+            <p:nvPr>
+              <p:extLst>
+                <p:ext uri="{386F3935-93C4-4BCD-93E2-E3B085C9AB24}">
+                  <p16:designElem xmlns:p16="http://schemas.microsoft.com/office/powerpoint/2015/main" val="1"/>
+                </p:ext>
+              </p:extLst>
+            </p:nvPr>
+          </p:nvPicPr>
+          <p:blipFill rotWithShape="1">
+            <a:blip r:embed="rId3">
+              <a:extLst>
+                <a:ext uri="{28A0092B-C50C-407E-A947-70E740481C1C}">
+                  <a14:useLocalDpi xmlns:a14="http://schemas.microsoft.com/office/drawing/2010/main" val="0"/>
+                </a:ext>
+              </a:extLst>
+            </a:blip>
+            <a:srcRect/>
+            <a:stretch/>
+          </p:blipFill>
+          <p:spPr>
+            <a:xfrm>
+              <a:off x="11436986" y="3153832"/>
+              <a:ext cx="777240" cy="606425"/>
+            </a:xfrm>
+            <a:prstGeom prst="rect">
+              <a:avLst/>
+            </a:prstGeom>
+          </p:spPr>
+        </p:pic>
+      </p:grpSp>
+      <p:cxnSp>
+        <p:nvCxnSpPr>
+          <p:cNvPr id="17" name="Straight Connector 16">
+            <a:extLst>
+              <a:ext uri="{FF2B5EF4-FFF2-40B4-BE49-F238E27FC236}">
+                <a16:creationId xmlns:a16="http://schemas.microsoft.com/office/drawing/2014/main" id="{F06B54F2-CD11-4359-A7D6-DA7C76C091A6}"/>
+              </a:ext>
+              <a:ext uri="{C183D7F6-B498-43B3-948B-1728B52AA6E4}">
+                <adec:decorative xmlns:adec="http://schemas.microsoft.com/office/drawing/2017/decorative" val="1"/>
+              </a:ext>
+            </a:extLst>
+          </p:cNvPr>
+          <p:cNvCxnSpPr>
+            <a:cxnSpLocks noGrp="1" noRot="1" noChangeAspect="1" noMove="1" noResize="1" noEditPoints="1" noAdjustHandles="1" noChangeArrowheads="1" noChangeShapeType="1"/>
+          </p:cNvCxnSpPr>
+          <p:nvPr>
+            <p:extLst>
+              <p:ext uri="{386F3935-93C4-4BCD-93E2-E3B085C9AB24}">
+                <p16:designElem xmlns:p16="http://schemas.microsoft.com/office/powerpoint/2015/main" val="1"/>
+              </p:ext>
+            </p:extLst>
+          </p:nvPr>
+        </p:nvCxnSpPr>
+        <p:spPr>
+          <a:xfrm>
+            <a:off x="1396169" y="2421466"/>
+            <a:ext cx="9407298" cy="0"/>
+          </a:xfrm>
+          <a:prstGeom prst="line">
+            <a:avLst/>
+          </a:prstGeom>
+          <a:ln w="15875"/>
+        </p:spPr>
+        <p:style>
+          <a:lnRef idx="2">
+            <a:schemeClr val="accent1"/>
+          </a:lnRef>
+          <a:fillRef idx="0">
+            <a:schemeClr val="accent1"/>
+          </a:fillRef>
+          <a:effectRef idx="1">
+            <a:schemeClr val="accent1"/>
+          </a:effectRef>
+          <a:fontRef idx="minor">
+            <a:schemeClr val="tx1"/>
+          </a:fontRef>
+        </p:style>
+      </p:cxnSp>
+      <p:sp>
+        <p:nvSpPr>
+          <p:cNvPr id="19" name="Rectangle 18">
+            <a:extLst>
+              <a:ext uri="{FF2B5EF4-FFF2-40B4-BE49-F238E27FC236}">
+                <a16:creationId xmlns:a16="http://schemas.microsoft.com/office/drawing/2014/main" id="{333F0879-3DA0-4CB8-B35E-A0AD42558191}"/>
+              </a:ext>
+              <a:ext uri="{C183D7F6-B498-43B3-948B-1728B52AA6E4}">
+                <adec:decorative xmlns:adec="http://schemas.microsoft.com/office/drawing/2017/decorative" val="1"/>
+              </a:ext>
+            </a:extLst>
+          </p:cNvPr>
+          <p:cNvSpPr>
+            <a:spLocks noGrp="1" noRot="1" noChangeAspect="1" noMove="1" noResize="1" noEditPoints="1" noAdjustHandles="1" noChangeArrowheads="1" noChangeShapeType="1" noTextEdit="1"/>
+          </p:cNvSpPr>
+          <p:nvPr>
+            <p:extLst>
+              <p:ext uri="{386F3935-93C4-4BCD-93E2-E3B085C9AB24}">
+                <p16:designElem xmlns:p16="http://schemas.microsoft.com/office/powerpoint/2015/main" val="1"/>
+              </p:ext>
+            </p:extLst>
+          </p:nvPr>
+        </p:nvSpPr>
+        <p:spPr>
+          <a:xfrm>
+            <a:off x="0" y="2"/>
+            <a:ext cx="12188952" cy="6858000"/>
+          </a:xfrm>
+          <a:prstGeom prst="rect">
+            <a:avLst/>
+          </a:prstGeom>
+          <a:ln>
+            <a:noFill/>
+          </a:ln>
+        </p:spPr>
+        <p:style>
+          <a:lnRef idx="2">
+            <a:schemeClr val="accent1">
+              <a:shade val="50000"/>
+            </a:schemeClr>
+          </a:lnRef>
+          <a:fillRef idx="1003">
+            <a:schemeClr val="lt1"/>
+          </a:fillRef>
+          <a:effectRef idx="0">
+            <a:schemeClr val="accent1"/>
+          </a:effectRef>
+          <a:fontRef idx="minor">
+            <a:schemeClr val="lt1"/>
+          </a:fontRef>
+        </p:style>
+        <p:txBody>
+          <a:bodyPr rtlCol="0" anchor="ctr"/>
+          <a:lstStyle/>
+          <a:p>
+            <a:pPr algn="ctr"/>
+            <a:endParaRPr lang="en-US"/>
+          </a:p>
+        </p:txBody>
+      </p:sp>
+      <p:sp>
+        <p:nvSpPr>
+          <p:cNvPr id="21" name="Rectangle 20">
+            <a:extLst>
+              <a:ext uri="{FF2B5EF4-FFF2-40B4-BE49-F238E27FC236}">
+                <a16:creationId xmlns:a16="http://schemas.microsoft.com/office/drawing/2014/main" id="{324D2183-F388-476E-92A9-D6639D698580}"/>
+              </a:ext>
+              <a:ext uri="{C183D7F6-B498-43B3-948B-1728B52AA6E4}">
+                <adec:decorative xmlns:adec="http://schemas.microsoft.com/office/drawing/2017/decorative" val="1"/>
+              </a:ext>
+            </a:extLst>
+          </p:cNvPr>
+          <p:cNvSpPr>
+            <a:spLocks noGrp="1" noRot="1" noChangeAspect="1" noMove="1" noResize="1" noEditPoints="1" noAdjustHandles="1" noChangeArrowheads="1" noChangeShapeType="1" noTextEdit="1"/>
+          </p:cNvSpPr>
+          <p:nvPr>
+            <p:extLst>
+              <p:ext uri="{386F3935-93C4-4BCD-93E2-E3B085C9AB24}">
+                <p16:designElem xmlns:p16="http://schemas.microsoft.com/office/powerpoint/2015/main" val="1"/>
+              </p:ext>
+            </p:extLst>
+          </p:nvPr>
+        </p:nvSpPr>
+        <p:spPr>
+          <a:xfrm>
+            <a:off x="486138" y="496090"/>
+            <a:ext cx="3823215" cy="5883295"/>
+          </a:xfrm>
+          <a:prstGeom prst="rect">
+            <a:avLst/>
+          </a:prstGeom>
+          <a:blipFill dpi="0" rotWithShape="1">
+            <a:blip r:embed="rId4"/>
+            <a:srcRect/>
+            <a:tile tx="0" ty="0" sx="100000" sy="100000" flip="none" algn="tl"/>
+          </a:blipFill>
+          <a:ln>
+            <a:noFill/>
+          </a:ln>
+          <a:effectLst>
+            <a:outerShdw blurRad="114300" dist="127000" dir="5400000" sx="99000" sy="99000" algn="t" rotWithShape="0">
+              <a:prstClr val="black">
+                <a:alpha val="40000"/>
+              </a:prstClr>
+            </a:outerShdw>
+          </a:effectLst>
+          <a:scene3d>
+            <a:camera prst="orthographicFront"/>
+            <a:lightRig rig="twoPt" dir="t"/>
+          </a:scene3d>
+          <a:sp3d contourW="6350">
+            <a:bevelT w="12700" h="0" prst="coolSlant"/>
+            <a:contourClr>
+              <a:schemeClr val="bg2"/>
+            </a:contourClr>
+          </a:sp3d>
+        </p:spPr>
+        <p:style>
+          <a:lnRef idx="2">
+            <a:schemeClr val="accent1">
+              <a:shade val="50000"/>
+            </a:schemeClr>
+          </a:lnRef>
+          <a:fillRef idx="1">
+            <a:schemeClr val="accent1"/>
+          </a:fillRef>
+          <a:effectRef idx="0">
+            <a:schemeClr val="accent1"/>
+          </a:effectRef>
+          <a:fontRef idx="minor">
+            <a:schemeClr val="lt1"/>
+          </a:fontRef>
+        </p:style>
+        <p:txBody>
+          <a:bodyPr rtlCol="0" anchor="ctr"/>
+          <a:lstStyle/>
+          <a:p>
+            <a:pPr algn="ctr"/>
+            <a:endParaRPr lang="en-US"/>
+          </a:p>
+        </p:txBody>
+      </p:sp>
+      <p:sp>
+        <p:nvSpPr>
+          <p:cNvPr id="23" name="Rectangle 22">
+            <a:extLst>
+              <a:ext uri="{FF2B5EF4-FFF2-40B4-BE49-F238E27FC236}">
+                <a16:creationId xmlns:a16="http://schemas.microsoft.com/office/drawing/2014/main" id="{243462E7-1698-4B21-BE89-AEFAC7C2FEFA}"/>
+              </a:ext>
+              <a:ext uri="{C183D7F6-B498-43B3-948B-1728B52AA6E4}">
+                <adec:decorative xmlns:adec="http://schemas.microsoft.com/office/drawing/2017/decorative" val="1"/>
+              </a:ext>
+            </a:extLst>
+          </p:cNvPr>
+          <p:cNvSpPr>
+            <a:spLocks noGrp="1" noRot="1" noChangeAspect="1" noMove="1" noResize="1" noEditPoints="1" noAdjustHandles="1" noChangeArrowheads="1" noChangeShapeType="1" noTextEdit="1"/>
+          </p:cNvSpPr>
+          <p:nvPr>
+            <p:extLst>
+              <p:ext uri="{386F3935-93C4-4BCD-93E2-E3B085C9AB24}">
+                <p16:designElem xmlns:p16="http://schemas.microsoft.com/office/powerpoint/2015/main" val="1"/>
+              </p:ext>
+            </p:extLst>
+          </p:nvPr>
+        </p:nvSpPr>
+        <p:spPr>
+          <a:xfrm>
+            <a:off x="608012" y="609602"/>
+            <a:ext cx="3552006" cy="5638800"/>
+          </a:xfrm>
+          <a:prstGeom prst="rect">
+            <a:avLst/>
+          </a:prstGeom>
+          <a:noFill/>
+          <a:ln w="15875" cap="flat">
+            <a:miter lim="800000"/>
+          </a:ln>
+        </p:spPr>
+        <p:style>
+          <a:lnRef idx="1">
+            <a:schemeClr val="accent1"/>
+          </a:lnRef>
+          <a:fillRef idx="3">
+            <a:schemeClr val="accent1"/>
+          </a:fillRef>
+          <a:effectRef idx="2">
+            <a:schemeClr val="accent1"/>
+          </a:effectRef>
+          <a:fontRef idx="minor">
+            <a:schemeClr val="lt1"/>
+          </a:fontRef>
+        </p:style>
+      </p:sp>
+      <p:sp>
+        <p:nvSpPr>
+          <p:cNvPr id="2" name="Titel 1"/>
+          <p:cNvSpPr>
+            <a:spLocks noGrp="1"/>
+          </p:cNvSpPr>
+          <p:nvPr>
+            <p:ph type="title"/>
+          </p:nvPr>
+        </p:nvSpPr>
+        <p:spPr>
+          <a:xfrm>
+            <a:off x="929140" y="972766"/>
+            <a:ext cx="2835464" cy="1254868"/>
+          </a:xfrm>
+        </p:spPr>
+        <p:txBody>
+          <a:bodyPr vert="horz" lIns="91440" tIns="45720" rIns="91440" bIns="45720" rtlCol="0" anchor="b">
+            <a:normAutofit/>
+          </a:bodyPr>
+          <a:lstStyle/>
+          <a:p>
+            <a:r>
+              <a:rPr lang="en-US" sz="2800">
+                <a:solidFill>
+                  <a:srgbClr val="262626"/>
+                </a:solidFill>
+              </a:rPr>
+              <a:t>Schlusswort</a:t>
+            </a:r>
+            <a:endParaRPr lang="en-US" sz="2800" dirty="0">
+              <a:solidFill>
+                <a:srgbClr val="262626"/>
+              </a:solidFill>
+            </a:endParaRPr>
+          </a:p>
+        </p:txBody>
+      </p:sp>
+      <p:sp>
+        <p:nvSpPr>
+          <p:cNvPr id="4" name="Inhaltsplatzhalter 3"/>
+          <p:cNvSpPr>
+            <a:spLocks noGrp="1"/>
+          </p:cNvSpPr>
+          <p:nvPr>
+            <p:ph sz="half" idx="1"/>
+          </p:nvPr>
+        </p:nvSpPr>
+        <p:spPr>
+          <a:xfrm>
+            <a:off x="883378" y="2615299"/>
+            <a:ext cx="3072801" cy="3367211"/>
+          </a:xfrm>
+        </p:spPr>
+        <p:txBody>
+          <a:bodyPr vert="horz" lIns="91440" tIns="45720" rIns="91440" bIns="45720" rtlCol="0" anchor="t">
+            <a:normAutofit/>
+          </a:bodyPr>
+          <a:lstStyle/>
+          <a:p>
+            <a:pPr marL="0" indent="0">
+              <a:buNone/>
+            </a:pPr>
+            <a:r>
+              <a:rPr lang="de-CH" sz="1800" b="1" i="1" dirty="0">
+                <a:solidFill>
+                  <a:srgbClr val="262626"/>
+                </a:solidFill>
+              </a:rPr>
+              <a:t>Fazit</a:t>
+            </a:r>
+            <a:endParaRPr lang="de-CH" sz="1800" dirty="0">
+              <a:solidFill>
+                <a:srgbClr val="262626"/>
+              </a:solidFill>
+            </a:endParaRPr>
+          </a:p>
+          <a:p>
+            <a:r>
+              <a:rPr lang="de-CH" sz="1800" dirty="0">
+                <a:solidFill>
+                  <a:srgbClr val="262626"/>
+                </a:solidFill>
+              </a:rPr>
+              <a:t>Ablegen der alten Normen</a:t>
+            </a:r>
+          </a:p>
+          <a:p>
+            <a:r>
+              <a:rPr lang="de-CH" sz="1800" dirty="0">
+                <a:solidFill>
+                  <a:srgbClr val="262626"/>
+                </a:solidFill>
+              </a:rPr>
+              <a:t>Freiheit des Autors</a:t>
+            </a:r>
+          </a:p>
+          <a:p>
+            <a:r>
+              <a:rPr lang="de-CH" sz="1800" dirty="0">
+                <a:solidFill>
+                  <a:srgbClr val="262626"/>
+                </a:solidFill>
+              </a:rPr>
+              <a:t>Flucht aus der Realität</a:t>
+            </a:r>
+          </a:p>
+          <a:p>
+            <a:endParaRPr lang="en-US" sz="1800" dirty="0">
+              <a:solidFill>
+                <a:srgbClr val="262626"/>
+              </a:solidFill>
+            </a:endParaRPr>
+          </a:p>
+        </p:txBody>
+      </p:sp>
+      <p:sp useBgFill="1">
+        <p:nvSpPr>
+          <p:cNvPr id="25" name="Rectangle 24">
+            <a:extLst>
+              <a:ext uri="{FF2B5EF4-FFF2-40B4-BE49-F238E27FC236}">
+                <a16:creationId xmlns:a16="http://schemas.microsoft.com/office/drawing/2014/main" id="{6C22FCAC-D7EC-4A52-B153-FF761E2235B3}"/>
+              </a:ext>
+              <a:ext uri="{C183D7F6-B498-43B3-948B-1728B52AA6E4}">
+                <adec:decorative xmlns:adec="http://schemas.microsoft.com/office/drawing/2017/decorative" val="1"/>
+              </a:ext>
+            </a:extLst>
+          </p:cNvPr>
+          <p:cNvSpPr>
+            <a:spLocks noGrp="1" noRot="1" noChangeAspect="1" noMove="1" noResize="1" noEditPoints="1" noAdjustHandles="1" noChangeArrowheads="1" noChangeShapeType="1" noTextEdit="1"/>
+          </p:cNvSpPr>
+          <p:nvPr>
+            <p:extLst>
+              <p:ext uri="{386F3935-93C4-4BCD-93E2-E3B085C9AB24}">
+                <p16:designElem xmlns:p16="http://schemas.microsoft.com/office/powerpoint/2015/main" val="1"/>
+              </p:ext>
+            </p:extLst>
+          </p:nvPr>
+        </p:nvSpPr>
+        <p:spPr>
+          <a:xfrm>
+            <a:off x="4795491" y="0"/>
+            <a:ext cx="7396509" cy="6858002"/>
+          </a:xfrm>
+          <a:prstGeom prst="rect">
+            <a:avLst/>
+          </a:prstGeom>
+          <a:ln>
+            <a:noFill/>
+          </a:ln>
+        </p:spPr>
+        <p:style>
+          <a:lnRef idx="2">
+            <a:schemeClr val="accent1">
+              <a:shade val="50000"/>
+            </a:schemeClr>
+          </a:lnRef>
+          <a:fillRef idx="1">
+            <a:schemeClr val="accent1"/>
+          </a:fillRef>
+          <a:effectRef idx="0">
+            <a:schemeClr val="accent1"/>
+          </a:effectRef>
+          <a:fontRef idx="minor">
+            <a:schemeClr val="lt1"/>
+          </a:fontRef>
+        </p:style>
+        <p:txBody>
+          <a:bodyPr rtlCol="0" anchor="ctr"/>
+          <a:lstStyle/>
+          <a:p>
+            <a:pPr algn="ctr"/>
+            <a:endParaRPr lang="en-US"/>
+          </a:p>
+        </p:txBody>
+      </p:sp>
+      <p:pic>
+        <p:nvPicPr>
+          <p:cNvPr id="6" name="Inhaltsplatzhalter 5"/>
+          <p:cNvPicPr>
+            <a:picLocks noGrp="1" noChangeAspect="1"/>
+          </p:cNvPicPr>
+          <p:nvPr>
+            <p:ph sz="half" idx="2"/>
+          </p:nvPr>
+        </p:nvPicPr>
+        <p:blipFill>
+          <a:blip r:embed="rId5">
+            <a:extLst>
+              <a:ext uri="{28A0092B-C50C-407E-A947-70E740481C1C}">
+                <a14:useLocalDpi xmlns:a14="http://schemas.microsoft.com/office/drawing/2010/main" val="0"/>
+              </a:ext>
+            </a:extLst>
+          </a:blip>
+          <a:stretch>
+            <a:fillRect/>
+          </a:stretch>
+        </p:blipFill>
+        <p:spPr>
+          <a:xfrm>
+            <a:off x="5435910" y="988652"/>
+            <a:ext cx="6098041" cy="4829648"/>
+          </a:xfrm>
+          <a:prstGeom prst="rect">
+            <a:avLst/>
+          </a:prstGeom>
+        </p:spPr>
+      </p:pic>
+      <p:sp>
+        <p:nvSpPr>
+          <p:cNvPr id="16" name="Textfeld 15">
+            <a:extLst>
+              <a:ext uri="{FF2B5EF4-FFF2-40B4-BE49-F238E27FC236}">
+                <a16:creationId xmlns:a16="http://schemas.microsoft.com/office/drawing/2014/main" id="{A1205363-896B-4308-904B-7FD3908E50CD}"/>
+              </a:ext>
+            </a:extLst>
+          </p:cNvPr>
+          <p:cNvSpPr txBox="1"/>
+          <p:nvPr/>
+        </p:nvSpPr>
+        <p:spPr>
+          <a:xfrm>
+            <a:off x="5389049" y="5814429"/>
+            <a:ext cx="2560320" cy="307777"/>
+          </a:xfrm>
+          <a:prstGeom prst="rect">
+            <a:avLst/>
+          </a:prstGeom>
+          <a:noFill/>
+        </p:spPr>
+        <p:txBody>
+          <a:bodyPr wrap="square" rtlCol="0">
+            <a:spAutoFit/>
+          </a:bodyPr>
+          <a:lstStyle/>
+          <a:p>
+            <a:r>
+              <a:rPr lang="de-CH" sz="1400" dirty="0"/>
+              <a:t>Abb. 7</a:t>
+            </a:r>
+            <a:endParaRPr lang="en-US" sz="1400" dirty="0"/>
+          </a:p>
+        </p:txBody>
+      </p:sp>
+    </p:spTree>
+    <p:extLst>
+      <p:ext uri="{BB962C8B-B14F-4D97-AF65-F5344CB8AC3E}">
+        <p14:creationId xmlns:p14="http://schemas.microsoft.com/office/powerpoint/2010/main" val="2504244187"/>
+      </p:ext>
+    </p:extLst>
+  </p:cSld>
+  <p:clrMapOvr>
+    <a:masterClrMapping/>
+  </p:clrMapOvr>
+</p:sld>
+</file>
+
+<file path=ppt/slides/slide13.xml><?xml version="1.0" encoding="utf-8"?>
 <p:sld xmlns:a="http://schemas.openxmlformats.org/drawingml/2006/main" xmlns:r="http://schemas.openxmlformats.org/officeDocument/2006/relationships" xmlns:p="http://schemas.openxmlformats.org/presentationml/2006/main">
   <p:cSld>
     <p:bg>
@@ -10189,7 +11619,7 @@
           <a:p>
             <a:r>
               <a:rPr lang="de-CH" sz="1400" dirty="0"/>
-              <a:t>Abb.7</a:t>
+              <a:t>Abb. 8</a:t>
             </a:r>
             <a:endParaRPr lang="en-US" sz="1400" dirty="0"/>
           </a:p>
@@ -10208,7 +11638,7 @@
 </p:sld>
 </file>
 
-<file path=ppt/slides/slide12.xml><?xml version="1.0" encoding="utf-8"?>
+<file path=ppt/slides/slide14.xml><?xml version="1.0" encoding="utf-8"?>
 <p:sld xmlns:a="http://schemas.openxmlformats.org/drawingml/2006/main" xmlns:r="http://schemas.openxmlformats.org/officeDocument/2006/relationships" xmlns:p="http://schemas.openxmlformats.org/presentationml/2006/main">
   <p:cSld>
     <p:spTree>
@@ -10313,6 +11743,36 @@
               </a:rPr>
               <a:t>https://de.wikipedia.org/wiki/Romantik</a:t>
             </a:r>
+          </a:p>
+          <a:p>
+            <a:pPr>
+              <a:buFont typeface="Wingdings" panose="05000000000000000000" pitchFamily="2" charset="2"/>
+              <a:buChar char="Ø"/>
+            </a:pPr>
+            <a:r>
+              <a:rPr lang="de-CH" dirty="0">
+                <a:solidFill>
+                  <a:schemeClr val="tx1"/>
+                </a:solidFill>
+              </a:rPr>
+              <a:t>Text «Der Sandmann»: </a:t>
+            </a:r>
+            <a:r>
+              <a:rPr lang="de-CH" dirty="0" err="1">
+                <a:solidFill>
+                  <a:schemeClr val="tx1"/>
+                </a:solidFill>
+              </a:rPr>
+              <a:t>Moodle</a:t>
+            </a:r>
+            <a:r>
+              <a:rPr lang="de-CH" dirty="0">
+                <a:solidFill>
+                  <a:schemeClr val="tx1"/>
+                </a:solidFill>
+              </a:rPr>
+              <a:t>, Kurs 301</a:t>
+            </a:r>
             <a:endParaRPr lang="en-US" dirty="0">
               <a:solidFill>
                 <a:schemeClr val="tx1"/>
@@ -10337,7 +11797,7 @@
 </p:sld>
 </file>
 
-<file path=ppt/slides/slide13.xml><?xml version="1.0" encoding="utf-8"?>
+<file path=ppt/slides/slide15.xml><?xml version="1.0" encoding="utf-8"?>
 <p:sld xmlns:a="http://schemas.openxmlformats.org/drawingml/2006/main" xmlns:r="http://schemas.openxmlformats.org/officeDocument/2006/relationships" xmlns:p="http://schemas.openxmlformats.org/presentationml/2006/main">
   <p:cSld>
     <p:spTree>
@@ -10390,49 +11850,55 @@
         <p:spPr/>
         <p:txBody>
           <a:bodyPr>
-            <a:normAutofit fontScale="92500" lnSpcReduction="20000"/>
+            <a:normAutofit fontScale="85000" lnSpcReduction="10000"/>
           </a:bodyPr>
           <a:lstStyle/>
           <a:p>
             <a:r>
               <a:rPr lang="de-CH" sz="1800" dirty="0"/>
-              <a:t>Abb.1: https://www.medmix.at/wp-content/uploads/2016/03/Her-Sitz-der-Seele%C2%A9Miro-Kovacevic_shutterstock.jpg</a:t>
+              <a:t>Abb. 1: https://en.wikipedia.org/wiki/Friedrich_Schlegel#/media/File:Franz_Gareis_Portrait_Friedrich_Schlegel.jpg</a:t>
             </a:r>
           </a:p>
           <a:p>
             <a:r>
               <a:rPr lang="de-CH" sz="1800" dirty="0"/>
-              <a:t>Abb.2: http://ais.bz-ticket.de/piece/02/06/36/a6/33961638-f-3_2-w-932.jpg</a:t>
+              <a:t>Abb. 2: https://www.medmix.at/wp-content/uploads/2016/03/Her-Sitz-der-Seele%C2%A9Miro-Kovacevic_shutterstock.jpg</a:t>
             </a:r>
           </a:p>
           <a:p>
             <a:r>
               <a:rPr lang="de-CH" sz="1800" dirty="0"/>
-              <a:t>Abb.3: https://www.romantischer-rhein.de/fileadmin/user_upload/Region/Rheinromantik/Tal_der_Loreley-18.jpg</a:t>
+              <a:t>Abb. 3: http://ais.bz-ticket.de/piece/02/06/36/a6/33961638-f-3_2-w-932.jpg</a:t>
             </a:r>
           </a:p>
           <a:p>
             <a:r>
               <a:rPr lang="de-CH" sz="1800" dirty="0"/>
-              <a:t>Abb.4: https://all1210.files.wordpress.com/2014/05/ver063.jpg</a:t>
+              <a:t>Abb. 4: https://www.romantischer-rhein.de/fileadmin/user_upload/Region/Rheinromantik/Tal_der_Loreley-18.jpg</a:t>
             </a:r>
           </a:p>
           <a:p>
             <a:r>
               <a:rPr lang="de-CH" sz="1800" dirty="0"/>
-              <a:t>Abb.5: https://encrypted-tbn0.gstatic.com/images?q=tbn:ANd9GcQ50EMSJDoSCcnmsE92W8UMObPyqz3R-DuDw4sjab3F9ZByo-v9jw</a:t>
+              <a:t>Abb. 5: https://all1210.files.wordpress.com/2014/05/ver063.jpg</a:t>
             </a:r>
           </a:p>
           <a:p>
             <a:r>
               <a:rPr lang="de-CH" sz="1800" dirty="0"/>
-              <a:t>Abb.6: http://www.literatur-romantik.ag.vu/Friedrich_mondaufgang_am_meer_l_WEB.JPG</a:t>
+              <a:t>Abb. 6: https://encrypted-tbn0.gstatic.com/images?q=tbn:ANd9GcQ50EMSJDoSCcnmsE92W8UMObPyqz3R-DuDw4sjab3F9ZByo-v9jw</a:t>
             </a:r>
           </a:p>
           <a:p>
             <a:r>
               <a:rPr lang="de-CH" sz="1800" dirty="0"/>
-              <a:t>Abb.7: Symbol ist in PowerPoint integriert</a:t>
+              <a:t>Abb. 7: http://www.literatur-romantik.ag.vu/Friedrich_mondaufgang_am_meer_l_WEB.JPG</a:t>
+            </a:r>
+          </a:p>
+          <a:p>
+            <a:r>
+              <a:rPr lang="de-CH" sz="1800" dirty="0"/>
+              <a:t>Abb. 8: Symbol ist in PowerPoint integriert</a:t>
             </a:r>
             <a:endParaRPr lang="en-US" sz="1800" dirty="0"/>
           </a:p>
@@ -10783,7 +12249,7 @@
             <p:ph idx="1"/>
             <p:extLst>
               <p:ext uri="{D42A27DB-BD31-4B8C-83A1-F6EECF244321}">
-                <p14:modId xmlns:p14="http://schemas.microsoft.com/office/powerpoint/2010/main" val="876252825"/>
+                <p14:modId xmlns:p14="http://schemas.microsoft.com/office/powerpoint/2010/main" val="2589053355"/>
               </p:ext>
             </p:extLst>
           </p:nvPr>
@@ -10798,234 +12264,6 @@
           </a:graphicData>
         </a:graphic>
       </p:graphicFrame>
-      <p:sp>
-        <p:nvSpPr>
-          <p:cNvPr id="4" name="Textfeld 3">
-            <a:extLst>
-              <a:ext uri="{FF2B5EF4-FFF2-40B4-BE49-F238E27FC236}">
-                <a16:creationId xmlns:a16="http://schemas.microsoft.com/office/drawing/2014/main" id="{983C8410-C529-4842-9ABA-8A5D907EA7C0}"/>
-              </a:ext>
-            </a:extLst>
-          </p:cNvPr>
-          <p:cNvSpPr txBox="1"/>
-          <p:nvPr/>
-        </p:nvSpPr>
-        <p:spPr>
-          <a:xfrm>
-            <a:off x="5293536" y="804670"/>
-            <a:ext cx="6256979" cy="900000"/>
-          </a:xfrm>
-          <a:prstGeom prst="rect">
-            <a:avLst/>
-          </a:prstGeom>
-          <a:solidFill>
-            <a:schemeClr val="bg1"/>
-          </a:solidFill>
-        </p:spPr>
-        <p:txBody>
-          <a:bodyPr wrap="square" rtlCol="0">
-            <a:spAutoFit/>
-          </a:bodyPr>
-          <a:lstStyle/>
-          <a:p>
-            <a:endParaRPr lang="de-CH" dirty="0">
-              <a:solidFill>
-                <a:schemeClr val="bg1"/>
-              </a:solidFill>
-            </a:endParaRPr>
-          </a:p>
-        </p:txBody>
-      </p:sp>
-      <p:sp>
-        <p:nvSpPr>
-          <p:cNvPr id="11" name="Textfeld 10">
-            <a:extLst>
-              <a:ext uri="{FF2B5EF4-FFF2-40B4-BE49-F238E27FC236}">
-                <a16:creationId xmlns:a16="http://schemas.microsoft.com/office/drawing/2014/main" id="{51238939-4BED-49F2-93E4-78F83BC9DC4D}"/>
-              </a:ext>
-            </a:extLst>
-          </p:cNvPr>
-          <p:cNvSpPr txBox="1"/>
-          <p:nvPr/>
-        </p:nvSpPr>
-        <p:spPr>
-          <a:xfrm>
-            <a:off x="5448883" y="1657007"/>
-            <a:ext cx="6256979" cy="900000"/>
-          </a:xfrm>
-          <a:prstGeom prst="rect">
-            <a:avLst/>
-          </a:prstGeom>
-          <a:solidFill>
-            <a:schemeClr val="bg1"/>
-          </a:solidFill>
-        </p:spPr>
-        <p:txBody>
-          <a:bodyPr wrap="square" rtlCol="0">
-            <a:spAutoFit/>
-          </a:bodyPr>
-          <a:lstStyle/>
-          <a:p>
-            <a:endParaRPr lang="de-CH" dirty="0">
-              <a:solidFill>
-                <a:schemeClr val="bg1"/>
-              </a:solidFill>
-            </a:endParaRPr>
-          </a:p>
-        </p:txBody>
-      </p:sp>
-      <p:sp>
-        <p:nvSpPr>
-          <p:cNvPr id="13" name="Textfeld 12">
-            <a:extLst>
-              <a:ext uri="{FF2B5EF4-FFF2-40B4-BE49-F238E27FC236}">
-                <a16:creationId xmlns:a16="http://schemas.microsoft.com/office/drawing/2014/main" id="{596E573F-DB89-44E2-B6B6-5AF1983FE47A}"/>
-              </a:ext>
-            </a:extLst>
-          </p:cNvPr>
-          <p:cNvSpPr txBox="1"/>
-          <p:nvPr/>
-        </p:nvSpPr>
-        <p:spPr>
-          <a:xfrm>
-            <a:off x="5327009" y="2461677"/>
-            <a:ext cx="6256979" cy="900000"/>
-          </a:xfrm>
-          <a:prstGeom prst="rect">
-            <a:avLst/>
-          </a:prstGeom>
-          <a:solidFill>
-            <a:schemeClr val="bg1"/>
-          </a:solidFill>
-        </p:spPr>
-        <p:txBody>
-          <a:bodyPr wrap="square" rtlCol="0">
-            <a:spAutoFit/>
-          </a:bodyPr>
-          <a:lstStyle/>
-          <a:p>
-            <a:endParaRPr lang="de-CH" dirty="0">
-              <a:solidFill>
-                <a:schemeClr val="bg1"/>
-              </a:solidFill>
-            </a:endParaRPr>
-          </a:p>
-        </p:txBody>
-      </p:sp>
-      <p:sp>
-        <p:nvSpPr>
-          <p:cNvPr id="15" name="Textfeld 14">
-            <a:extLst>
-              <a:ext uri="{FF2B5EF4-FFF2-40B4-BE49-F238E27FC236}">
-                <a16:creationId xmlns:a16="http://schemas.microsoft.com/office/drawing/2014/main" id="{9BCC2354-57FF-47DF-88DB-E9F456E20BBD}"/>
-              </a:ext>
-            </a:extLst>
-          </p:cNvPr>
-          <p:cNvSpPr txBox="1"/>
-          <p:nvPr/>
-        </p:nvSpPr>
-        <p:spPr>
-          <a:xfrm>
-            <a:off x="5323961" y="3361677"/>
-            <a:ext cx="6256979" cy="900000"/>
-          </a:xfrm>
-          <a:prstGeom prst="rect">
-            <a:avLst/>
-          </a:prstGeom>
-          <a:solidFill>
-            <a:schemeClr val="bg1"/>
-          </a:solidFill>
-        </p:spPr>
-        <p:txBody>
-          <a:bodyPr wrap="square" rtlCol="0">
-            <a:spAutoFit/>
-          </a:bodyPr>
-          <a:lstStyle/>
-          <a:p>
-            <a:endParaRPr lang="de-CH" dirty="0">
-              <a:solidFill>
-                <a:schemeClr val="bg1"/>
-              </a:solidFill>
-            </a:endParaRPr>
-          </a:p>
-        </p:txBody>
-      </p:sp>
-      <p:sp>
-        <p:nvSpPr>
-          <p:cNvPr id="17" name="Textfeld 16">
-            <a:extLst>
-              <a:ext uri="{FF2B5EF4-FFF2-40B4-BE49-F238E27FC236}">
-                <a16:creationId xmlns:a16="http://schemas.microsoft.com/office/drawing/2014/main" id="{B024337F-ACDC-4497-B05F-254D34323FF7}"/>
-              </a:ext>
-            </a:extLst>
-          </p:cNvPr>
-          <p:cNvSpPr txBox="1"/>
-          <p:nvPr/>
-        </p:nvSpPr>
-        <p:spPr>
-          <a:xfrm>
-            <a:off x="5448882" y="4257502"/>
-            <a:ext cx="6256979" cy="900000"/>
-          </a:xfrm>
-          <a:prstGeom prst="rect">
-            <a:avLst/>
-          </a:prstGeom>
-          <a:solidFill>
-            <a:schemeClr val="bg1"/>
-          </a:solidFill>
-        </p:spPr>
-        <p:txBody>
-          <a:bodyPr wrap="square" rtlCol="0">
-            <a:spAutoFit/>
-          </a:bodyPr>
-          <a:lstStyle/>
-          <a:p>
-            <a:endParaRPr lang="de-CH" dirty="0">
-              <a:solidFill>
-                <a:schemeClr val="bg1"/>
-              </a:solidFill>
-            </a:endParaRPr>
-          </a:p>
-        </p:txBody>
-      </p:sp>
-      <p:sp>
-        <p:nvSpPr>
-          <p:cNvPr id="18" name="Textfeld 17">
-            <a:extLst>
-              <a:ext uri="{FF2B5EF4-FFF2-40B4-BE49-F238E27FC236}">
-                <a16:creationId xmlns:a16="http://schemas.microsoft.com/office/drawing/2014/main" id="{53FDC4CF-6DB2-4457-BEF2-C2F815E03792}"/>
-              </a:ext>
-            </a:extLst>
-          </p:cNvPr>
-          <p:cNvSpPr txBox="1"/>
-          <p:nvPr/>
-        </p:nvSpPr>
-        <p:spPr>
-          <a:xfrm>
-            <a:off x="5445834" y="5155415"/>
-            <a:ext cx="6256979" cy="900000"/>
-          </a:xfrm>
-          <a:prstGeom prst="rect">
-            <a:avLst/>
-          </a:prstGeom>
-          <a:solidFill>
-            <a:schemeClr val="bg1"/>
-          </a:solidFill>
-        </p:spPr>
-        <p:txBody>
-          <a:bodyPr wrap="square" rtlCol="0">
-            <a:spAutoFit/>
-          </a:bodyPr>
-          <a:lstStyle/>
-          <a:p>
-            <a:endParaRPr lang="de-CH" dirty="0">
-              <a:solidFill>
-                <a:schemeClr val="bg1"/>
-              </a:solidFill>
-            </a:endParaRPr>
-          </a:p>
-        </p:txBody>
-      </p:sp>
     </p:spTree>
     <p:extLst>
       <p:ext uri="{BB962C8B-B14F-4D97-AF65-F5344CB8AC3E}">
@@ -11036,275 +12274,6 @@
   <p:clrMapOvr>
     <a:masterClrMapping/>
   </p:clrMapOvr>
-  <p:timing>
-    <p:tnLst>
-      <p:par>
-        <p:cTn id="1" dur="indefinite" restart="never" nodeType="tmRoot">
-          <p:childTnLst>
-            <p:seq concurrent="1" nextAc="seek">
-              <p:cTn id="2" dur="indefinite" nodeType="mainSeq">
-                <p:childTnLst>
-                  <p:par>
-                    <p:cTn id="3" fill="hold">
-                      <p:stCondLst>
-                        <p:cond delay="indefinite"/>
-                        <p:cond evt="onBegin" delay="0">
-                          <p:tn val="2"/>
-                        </p:cond>
-                      </p:stCondLst>
-                      <p:childTnLst>
-                        <p:par>
-                          <p:cTn id="4" fill="hold">
-                            <p:stCondLst>
-                              <p:cond delay="0"/>
-                            </p:stCondLst>
-                            <p:childTnLst>
-                              <p:par>
-                                <p:cTn id="5" presetID="10" presetClass="exit" presetSubtype="0" fill="hold" grpId="0" nodeType="withEffect">
-                                  <p:stCondLst>
-                                    <p:cond delay="0"/>
-                                  </p:stCondLst>
-                                  <p:childTnLst>
-                                    <p:animEffect transition="out" filter="fade">
-                                      <p:cBhvr>
-                                        <p:cTn id="6" dur="2250"/>
-                                        <p:tgtEl>
-                                          <p:spTgt spid="4"/>
-                                        </p:tgtEl>
-                                      </p:cBhvr>
-                                    </p:animEffect>
-                                    <p:set>
-                                      <p:cBhvr>
-                                        <p:cTn id="7" dur="1" fill="hold">
-                                          <p:stCondLst>
-                                            <p:cond delay="2249"/>
-                                          </p:stCondLst>
-                                        </p:cTn>
-                                        <p:tgtEl>
-                                          <p:spTgt spid="4"/>
-                                        </p:tgtEl>
-                                        <p:attrNameLst>
-                                          <p:attrName>style.visibility</p:attrName>
-                                        </p:attrNameLst>
-                                      </p:cBhvr>
-                                      <p:to>
-                                        <p:strVal val="hidden"/>
-                                      </p:to>
-                                    </p:set>
-                                  </p:childTnLst>
-                                </p:cTn>
-                              </p:par>
-                              <p:par>
-                                <p:cTn id="8" presetID="10" presetClass="exit" presetSubtype="0" fill="hold" grpId="0" nodeType="withEffect">
-                                  <p:stCondLst>
-                                    <p:cond delay="250"/>
-                                  </p:stCondLst>
-                                  <p:childTnLst>
-                                    <p:animEffect transition="out" filter="fade">
-                                      <p:cBhvr>
-                                        <p:cTn id="9" dur="2250"/>
-                                        <p:tgtEl>
-                                          <p:spTgt spid="11"/>
-                                        </p:tgtEl>
-                                      </p:cBhvr>
-                                    </p:animEffect>
-                                    <p:set>
-                                      <p:cBhvr>
-                                        <p:cTn id="10" dur="1" fill="hold">
-                                          <p:stCondLst>
-                                            <p:cond delay="2249"/>
-                                          </p:stCondLst>
-                                        </p:cTn>
-                                        <p:tgtEl>
-                                          <p:spTgt spid="11"/>
-                                        </p:tgtEl>
-                                        <p:attrNameLst>
-                                          <p:attrName>style.visibility</p:attrName>
-                                        </p:attrNameLst>
-                                      </p:cBhvr>
-                                      <p:to>
-                                        <p:strVal val="hidden"/>
-                                      </p:to>
-                                    </p:set>
-                                  </p:childTnLst>
-                                </p:cTn>
-                              </p:par>
-                              <p:par>
-                                <p:cTn id="11" presetID="10" presetClass="exit" presetSubtype="0" fill="hold" grpId="0" nodeType="withEffect">
-                                  <p:stCondLst>
-                                    <p:cond delay="500"/>
-                                  </p:stCondLst>
-                                  <p:childTnLst>
-                                    <p:animEffect transition="out" filter="fade">
-                                      <p:cBhvr>
-                                        <p:cTn id="12" dur="2250"/>
-                                        <p:tgtEl>
-                                          <p:spTgt spid="13"/>
-                                        </p:tgtEl>
-                                      </p:cBhvr>
-                                    </p:animEffect>
-                                    <p:set>
-                                      <p:cBhvr>
-                                        <p:cTn id="13" dur="1" fill="hold">
-                                          <p:stCondLst>
-                                            <p:cond delay="2249"/>
-                                          </p:stCondLst>
-                                        </p:cTn>
-                                        <p:tgtEl>
-                                          <p:spTgt spid="13"/>
-                                        </p:tgtEl>
-                                        <p:attrNameLst>
-                                          <p:attrName>style.visibility</p:attrName>
-                                        </p:attrNameLst>
-                                      </p:cBhvr>
-                                      <p:to>
-                                        <p:strVal val="hidden"/>
-                                      </p:to>
-                                    </p:set>
-                                  </p:childTnLst>
-                                </p:cTn>
-                              </p:par>
-                              <p:par>
-                                <p:cTn id="14" presetID="10" presetClass="exit" presetSubtype="0" fill="hold" grpId="0" nodeType="withEffect">
-                                  <p:stCondLst>
-                                    <p:cond delay="750"/>
-                                  </p:stCondLst>
-                                  <p:childTnLst>
-                                    <p:animEffect transition="out" filter="fade">
-                                      <p:cBhvr>
-                                        <p:cTn id="15" dur="2250"/>
-                                        <p:tgtEl>
-                                          <p:spTgt spid="15"/>
-                                        </p:tgtEl>
-                                      </p:cBhvr>
-                                    </p:animEffect>
-                                    <p:set>
-                                      <p:cBhvr>
-                                        <p:cTn id="16" dur="1" fill="hold">
-                                          <p:stCondLst>
-                                            <p:cond delay="2249"/>
-                                          </p:stCondLst>
-                                        </p:cTn>
-                                        <p:tgtEl>
-                                          <p:spTgt spid="15"/>
-                                        </p:tgtEl>
-                                        <p:attrNameLst>
-                                          <p:attrName>style.visibility</p:attrName>
-                                        </p:attrNameLst>
-                                      </p:cBhvr>
-                                      <p:to>
-                                        <p:strVal val="hidden"/>
-                                      </p:to>
-                                    </p:set>
-                                  </p:childTnLst>
-                                </p:cTn>
-                              </p:par>
-                              <p:par>
-                                <p:cTn id="17" presetID="10" presetClass="exit" presetSubtype="0" fill="hold" grpId="0" nodeType="withEffect">
-                                  <p:stCondLst>
-                                    <p:cond delay="1000"/>
-                                  </p:stCondLst>
-                                  <p:childTnLst>
-                                    <p:animEffect transition="out" filter="fade">
-                                      <p:cBhvr>
-                                        <p:cTn id="18" dur="2250"/>
-                                        <p:tgtEl>
-                                          <p:spTgt spid="17"/>
-                                        </p:tgtEl>
-                                      </p:cBhvr>
-                                    </p:animEffect>
-                                    <p:set>
-                                      <p:cBhvr>
-                                        <p:cTn id="19" dur="1" fill="hold">
-                                          <p:stCondLst>
-                                            <p:cond delay="2249"/>
-                                          </p:stCondLst>
-                                        </p:cTn>
-                                        <p:tgtEl>
-                                          <p:spTgt spid="17"/>
-                                        </p:tgtEl>
-                                        <p:attrNameLst>
-                                          <p:attrName>style.visibility</p:attrName>
-                                        </p:attrNameLst>
-                                      </p:cBhvr>
-                                      <p:to>
-                                        <p:strVal val="hidden"/>
-                                      </p:to>
-                                    </p:set>
-                                  </p:childTnLst>
-                                </p:cTn>
-                              </p:par>
-                              <p:par>
-                                <p:cTn id="20" presetID="10" presetClass="exit" presetSubtype="0" fill="hold" grpId="0" nodeType="withEffect">
-                                  <p:stCondLst>
-                                    <p:cond delay="1250"/>
-                                  </p:stCondLst>
-                                  <p:childTnLst>
-                                    <p:animEffect transition="out" filter="fade">
-                                      <p:cBhvr>
-                                        <p:cTn id="21" dur="2250"/>
-                                        <p:tgtEl>
-                                          <p:spTgt spid="18"/>
-                                        </p:tgtEl>
-                                      </p:cBhvr>
-                                    </p:animEffect>
-                                    <p:set>
-                                      <p:cBhvr>
-                                        <p:cTn id="22" dur="1" fill="hold">
-                                          <p:stCondLst>
-                                            <p:cond delay="2249"/>
-                                          </p:stCondLst>
-                                        </p:cTn>
-                                        <p:tgtEl>
-                                          <p:spTgt spid="18"/>
-                                        </p:tgtEl>
-                                        <p:attrNameLst>
-                                          <p:attrName>style.visibility</p:attrName>
-                                        </p:attrNameLst>
-                                      </p:cBhvr>
-                                      <p:to>
-                                        <p:strVal val="hidden"/>
-                                      </p:to>
-                                    </p:set>
-                                  </p:childTnLst>
-                                </p:cTn>
-                              </p:par>
-                            </p:childTnLst>
-                          </p:cTn>
-                        </p:par>
-                      </p:childTnLst>
-                    </p:cTn>
-                  </p:par>
-                </p:childTnLst>
-              </p:cTn>
-              <p:prevCondLst>
-                <p:cond evt="onPrev" delay="0">
-                  <p:tgtEl>
-                    <p:sldTgt/>
-                  </p:tgtEl>
-                </p:cond>
-              </p:prevCondLst>
-              <p:nextCondLst>
-                <p:cond evt="onNext" delay="0">
-                  <p:tgtEl>
-                    <p:sldTgt/>
-                  </p:tgtEl>
-                </p:cond>
-              </p:nextCondLst>
-            </p:seq>
-          </p:childTnLst>
-        </p:cTn>
-      </p:par>
-    </p:tnLst>
-    <p:bldLst>
-      <p:bldP spid="4" grpId="0" animBg="1"/>
-      <p:bldP spid="11" grpId="0" animBg="1"/>
-      <p:bldP spid="13" grpId="0" animBg="1"/>
-      <p:bldP spid="15" grpId="0" animBg="1"/>
-      <p:bldP spid="17" grpId="0" animBg="1"/>
-      <p:bldP spid="18" grpId="0" animBg="1"/>
-    </p:bldLst>
-  </p:timing>
 </p:sld>
 </file>
 
@@ -11394,6 +12363,958 @@
 </file>
 
 <file path=ppt/slides/slide4.xml><?xml version="1.0" encoding="utf-8"?>
+<p:sld xmlns:a="http://schemas.openxmlformats.org/drawingml/2006/main" xmlns:r="http://schemas.openxmlformats.org/officeDocument/2006/relationships" xmlns:p="http://schemas.openxmlformats.org/presentationml/2006/main">
+  <p:cSld>
+    <p:bg>
+      <p:bgPr>
+        <a:blipFill>
+          <a:blip r:embed="rId2">
+            <a:extLst/>
+          </a:blip>
+          <a:stretch/>
+        </a:blipFill>
+        <a:effectLst/>
+      </p:bgPr>
+    </p:bg>
+    <p:spTree>
+      <p:nvGrpSpPr>
+        <p:cNvPr id="1" name=""/>
+        <p:cNvGrpSpPr/>
+        <p:nvPr/>
+      </p:nvGrpSpPr>
+      <p:grpSpPr>
+        <a:xfrm>
+          <a:off x="0" y="0"/>
+          <a:ext cx="0" cy="0"/>
+          <a:chOff x="0" y="0"/>
+          <a:chExt cx="0" cy="0"/>
+        </a:xfrm>
+      </p:grpSpPr>
+      <p:grpSp>
+        <p:nvGrpSpPr>
+          <p:cNvPr id="19" name="Group 18">
+            <a:extLst>
+              <a:ext uri="{FF2B5EF4-FFF2-40B4-BE49-F238E27FC236}">
+                <a16:creationId xmlns:a16="http://schemas.microsoft.com/office/drawing/2014/main" id="{DFB5D1BB-0703-437B-BD1E-1D07F8A2730B}"/>
+              </a:ext>
+              <a:ext uri="{C183D7F6-B498-43B3-948B-1728B52AA6E4}">
+                <adec:decorative xmlns:adec="http://schemas.microsoft.com/office/drawing/2017/decorative" val="1"/>
+              </a:ext>
+            </a:extLst>
+          </p:cNvPr>
+          <p:cNvGrpSpPr>
+            <a:grpSpLocks noGrp="1" noUngrp="1" noRot="1" noChangeAspect="1" noMove="1" noResize="1"/>
+          </p:cNvGrpSpPr>
+          <p:nvPr>
+            <p:extLst>
+              <p:ext uri="{386F3935-93C4-4BCD-93E2-E3B085C9AB24}">
+                <p16:designElem xmlns:p16="http://schemas.microsoft.com/office/powerpoint/2015/main" val="1"/>
+              </p:ext>
+            </p:extLst>
+          </p:nvPr>
+        </p:nvGrpSpPr>
+        <p:grpSpPr>
+          <a:xfrm>
+            <a:off x="-15736" y="0"/>
+            <a:ext cx="12229962" cy="6856214"/>
+            <a:chOff x="-15736" y="0"/>
+            <a:chExt cx="12229962" cy="6856214"/>
+          </a:xfrm>
+        </p:grpSpPr>
+        <p:pic>
+          <p:nvPicPr>
+            <p:cNvPr id="20" name="Picture 19">
+              <a:extLst>
+                <a:ext uri="{FF2B5EF4-FFF2-40B4-BE49-F238E27FC236}">
+                  <a16:creationId xmlns:a16="http://schemas.microsoft.com/office/drawing/2014/main" id="{3886586B-3F0F-4593-B272-AE75AD0F0929}"/>
+                </a:ext>
+                <a:ext uri="{C183D7F6-B498-43B3-948B-1728B52AA6E4}">
+                  <adec:decorative xmlns:adec="http://schemas.microsoft.com/office/drawing/2017/decorative" val="1"/>
+                </a:ext>
+              </a:extLst>
+            </p:cNvPr>
+            <p:cNvPicPr>
+              <a:picLocks noChangeAspect="1"/>
+            </p:cNvPicPr>
+            <p:nvPr>
+              <p:extLst>
+                <p:ext uri="{386F3935-93C4-4BCD-93E2-E3B085C9AB24}">
+                  <p16:designElem xmlns:p16="http://schemas.microsoft.com/office/powerpoint/2015/main" val="1"/>
+                </p:ext>
+              </p:extLst>
+            </p:nvPr>
+          </p:nvPicPr>
+          <p:blipFill>
+            <a:blip r:embed="rId3">
+              <a:extLst>
+                <a:ext uri="{28A0092B-C50C-407E-A947-70E740481C1C}">
+                  <a14:useLocalDpi xmlns:a14="http://schemas.microsoft.com/office/drawing/2010/main" val="0"/>
+                </a:ext>
+              </a:extLst>
+            </a:blip>
+            <a:stretch>
+              <a:fillRect/>
+            </a:stretch>
+          </p:blipFill>
+          <p:spPr>
+            <a:xfrm>
+              <a:off x="0" y="0"/>
+              <a:ext cx="12188825" cy="6856214"/>
+            </a:xfrm>
+            <a:prstGeom prst="rect">
+              <a:avLst/>
+            </a:prstGeom>
+          </p:spPr>
+        </p:pic>
+        <p:sp>
+          <p:nvSpPr>
+            <p:cNvPr id="21" name="Rectangle 20">
+              <a:extLst>
+                <a:ext uri="{FF2B5EF4-FFF2-40B4-BE49-F238E27FC236}">
+                  <a16:creationId xmlns:a16="http://schemas.microsoft.com/office/drawing/2014/main" id="{020DEB59-BF94-41B5-8F16-8B10442EE098}"/>
+                </a:ext>
+                <a:ext uri="{C183D7F6-B498-43B3-948B-1728B52AA6E4}">
+                  <adec:decorative xmlns:adec="http://schemas.microsoft.com/office/drawing/2017/decorative" val="1"/>
+                </a:ext>
+              </a:extLst>
+            </p:cNvPr>
+            <p:cNvSpPr/>
+            <p:nvPr>
+              <p:extLst>
+                <p:ext uri="{386F3935-93C4-4BCD-93E2-E3B085C9AB24}">
+                  <p16:designElem xmlns:p16="http://schemas.microsoft.com/office/powerpoint/2015/main" val="1"/>
+                </p:ext>
+              </p:extLst>
+            </p:nvPr>
+          </p:nvSpPr>
+          <p:spPr>
+            <a:xfrm>
+              <a:off x="608012" y="609600"/>
+              <a:ext cx="10972800" cy="5638800"/>
+            </a:xfrm>
+            <a:prstGeom prst="rect">
+              <a:avLst/>
+            </a:prstGeom>
+            <a:noFill/>
+            <a:ln w="15875" cap="flat">
+              <a:miter lim="800000"/>
+            </a:ln>
+          </p:spPr>
+          <p:style>
+            <a:lnRef idx="1">
+              <a:schemeClr val="accent1"/>
+            </a:lnRef>
+            <a:fillRef idx="3">
+              <a:schemeClr val="accent1"/>
+            </a:fillRef>
+            <a:effectRef idx="2">
+              <a:schemeClr val="accent1"/>
+            </a:effectRef>
+            <a:fontRef idx="minor">
+              <a:schemeClr val="lt1"/>
+            </a:fontRef>
+          </p:style>
+        </p:sp>
+        <p:pic>
+          <p:nvPicPr>
+            <p:cNvPr id="22" name="Picture 21">
+              <a:extLst>
+                <a:ext uri="{FF2B5EF4-FFF2-40B4-BE49-F238E27FC236}">
+                  <a16:creationId xmlns:a16="http://schemas.microsoft.com/office/drawing/2014/main" id="{9A3BEF6F-FC03-43B1-8D1B-8DA3A360DBF0}"/>
+                </a:ext>
+                <a:ext uri="{C183D7F6-B498-43B3-948B-1728B52AA6E4}">
+                  <adec:decorative xmlns:adec="http://schemas.microsoft.com/office/drawing/2017/decorative" val="1"/>
+                </a:ext>
+              </a:extLst>
+            </p:cNvPr>
+            <p:cNvPicPr>
+              <a:picLocks noChangeAspect="1"/>
+            </p:cNvPicPr>
+            <p:nvPr>
+              <p:extLst>
+                <p:ext uri="{386F3935-93C4-4BCD-93E2-E3B085C9AB24}">
+                  <p16:designElem xmlns:p16="http://schemas.microsoft.com/office/powerpoint/2015/main" val="1"/>
+                </p:ext>
+              </p:extLst>
+            </p:nvPr>
+          </p:nvPicPr>
+          <p:blipFill rotWithShape="1">
+            <a:blip r:embed="rId4">
+              <a:extLst>
+                <a:ext uri="{28A0092B-C50C-407E-A947-70E740481C1C}">
+                  <a14:useLocalDpi xmlns:a14="http://schemas.microsoft.com/office/drawing/2010/main" val="0"/>
+                </a:ext>
+              </a:extLst>
+            </a:blip>
+            <a:srcRect/>
+            <a:stretch/>
+          </p:blipFill>
+          <p:spPr>
+            <a:xfrm>
+              <a:off x="-15736" y="3153832"/>
+              <a:ext cx="777240" cy="606425"/>
+            </a:xfrm>
+            <a:prstGeom prst="rect">
+              <a:avLst/>
+            </a:prstGeom>
+          </p:spPr>
+        </p:pic>
+        <p:pic>
+          <p:nvPicPr>
+            <p:cNvPr id="23" name="Picture 22">
+              <a:extLst>
+                <a:ext uri="{FF2B5EF4-FFF2-40B4-BE49-F238E27FC236}">
+                  <a16:creationId xmlns:a16="http://schemas.microsoft.com/office/drawing/2014/main" id="{0F49BA32-A501-4C79-9A72-92587AB9EEFE}"/>
+                </a:ext>
+                <a:ext uri="{C183D7F6-B498-43B3-948B-1728B52AA6E4}">
+                  <adec:decorative xmlns:adec="http://schemas.microsoft.com/office/drawing/2017/decorative" val="1"/>
+                </a:ext>
+              </a:extLst>
+            </p:cNvPr>
+            <p:cNvPicPr>
+              <a:picLocks noChangeAspect="1"/>
+            </p:cNvPicPr>
+            <p:nvPr>
+              <p:extLst>
+                <p:ext uri="{386F3935-93C4-4BCD-93E2-E3B085C9AB24}">
+                  <p16:designElem xmlns:p16="http://schemas.microsoft.com/office/powerpoint/2015/main" val="1"/>
+                </p:ext>
+              </p:extLst>
+            </p:nvPr>
+          </p:nvPicPr>
+          <p:blipFill rotWithShape="1">
+            <a:blip r:embed="rId4">
+              <a:extLst>
+                <a:ext uri="{28A0092B-C50C-407E-A947-70E740481C1C}">
+                  <a14:useLocalDpi xmlns:a14="http://schemas.microsoft.com/office/drawing/2010/main" val="0"/>
+                </a:ext>
+              </a:extLst>
+            </a:blip>
+            <a:srcRect/>
+            <a:stretch/>
+          </p:blipFill>
+          <p:spPr>
+            <a:xfrm>
+              <a:off x="11436986" y="3153832"/>
+              <a:ext cx="777240" cy="606425"/>
+            </a:xfrm>
+            <a:prstGeom prst="rect">
+              <a:avLst/>
+            </a:prstGeom>
+          </p:spPr>
+        </p:pic>
+      </p:grpSp>
+      <p:cxnSp>
+        <p:nvCxnSpPr>
+          <p:cNvPr id="25" name="Straight Connector 24">
+            <a:extLst>
+              <a:ext uri="{FF2B5EF4-FFF2-40B4-BE49-F238E27FC236}">
+                <a16:creationId xmlns:a16="http://schemas.microsoft.com/office/drawing/2014/main" id="{883F92AF-2403-4558-B1D7-72130A1E4BC7}"/>
+              </a:ext>
+              <a:ext uri="{C183D7F6-B498-43B3-948B-1728B52AA6E4}">
+                <adec:decorative xmlns:adec="http://schemas.microsoft.com/office/drawing/2017/decorative" val="1"/>
+              </a:ext>
+            </a:extLst>
+          </p:cNvPr>
+          <p:cNvCxnSpPr>
+            <a:cxnSpLocks noGrp="1" noRot="1" noChangeAspect="1" noMove="1" noResize="1" noEditPoints="1" noAdjustHandles="1" noChangeArrowheads="1" noChangeShapeType="1"/>
+          </p:cNvCxnSpPr>
+          <p:nvPr>
+            <p:extLst>
+              <p:ext uri="{386F3935-93C4-4BCD-93E2-E3B085C9AB24}">
+                <p16:designElem xmlns:p16="http://schemas.microsoft.com/office/powerpoint/2015/main" val="1"/>
+              </p:ext>
+            </p:extLst>
+          </p:nvPr>
+        </p:nvCxnSpPr>
+        <p:spPr>
+          <a:xfrm>
+            <a:off x="1396169" y="2421466"/>
+            <a:ext cx="9407298" cy="0"/>
+          </a:xfrm>
+          <a:prstGeom prst="line">
+            <a:avLst/>
+          </a:prstGeom>
+          <a:ln w="15875"/>
+        </p:spPr>
+        <p:style>
+          <a:lnRef idx="2">
+            <a:schemeClr val="accent1"/>
+          </a:lnRef>
+          <a:fillRef idx="0">
+            <a:schemeClr val="accent1"/>
+          </a:fillRef>
+          <a:effectRef idx="1">
+            <a:schemeClr val="accent1"/>
+          </a:effectRef>
+          <a:fontRef idx="minor">
+            <a:schemeClr val="tx1"/>
+          </a:fontRef>
+        </p:style>
+      </p:cxnSp>
+      <p:sp useBgFill="1">
+        <p:nvSpPr>
+          <p:cNvPr id="27" name="Rectangle 26">
+            <a:extLst>
+              <a:ext uri="{FF2B5EF4-FFF2-40B4-BE49-F238E27FC236}">
+                <a16:creationId xmlns:a16="http://schemas.microsoft.com/office/drawing/2014/main" id="{11C7711F-3983-4AB1-AFDE-96F7C06514D3}"/>
+              </a:ext>
+              <a:ext uri="{C183D7F6-B498-43B3-948B-1728B52AA6E4}">
+                <adec:decorative xmlns:adec="http://schemas.microsoft.com/office/drawing/2017/decorative" val="1"/>
+              </a:ext>
+            </a:extLst>
+          </p:cNvPr>
+          <p:cNvSpPr>
+            <a:spLocks noGrp="1" noRot="1" noChangeAspect="1" noMove="1" noResize="1" noEditPoints="1" noAdjustHandles="1" noChangeArrowheads="1" noChangeShapeType="1" noTextEdit="1"/>
+          </p:cNvSpPr>
+          <p:nvPr>
+            <p:extLst>
+              <p:ext uri="{386F3935-93C4-4BCD-93E2-E3B085C9AB24}">
+                <p16:designElem xmlns:p16="http://schemas.microsoft.com/office/powerpoint/2015/main" val="1"/>
+              </p:ext>
+            </p:extLst>
+          </p:nvPr>
+        </p:nvSpPr>
+        <p:spPr>
+          <a:xfrm>
+            <a:off x="0" y="0"/>
+            <a:ext cx="12188952" cy="6858000"/>
+          </a:xfrm>
+          <a:prstGeom prst="rect">
+            <a:avLst/>
+          </a:prstGeom>
+          <a:ln>
+            <a:noFill/>
+          </a:ln>
+        </p:spPr>
+        <p:style>
+          <a:lnRef idx="2">
+            <a:schemeClr val="accent1">
+              <a:shade val="50000"/>
+            </a:schemeClr>
+          </a:lnRef>
+          <a:fillRef idx="1">
+            <a:schemeClr val="accent1"/>
+          </a:fillRef>
+          <a:effectRef idx="0">
+            <a:schemeClr val="accent1"/>
+          </a:effectRef>
+          <a:fontRef idx="minor">
+            <a:schemeClr val="lt1"/>
+          </a:fontRef>
+        </p:style>
+        <p:txBody>
+          <a:bodyPr rtlCol="0" anchor="ctr"/>
+          <a:lstStyle/>
+          <a:p>
+            <a:pPr algn="ctr"/>
+            <a:endParaRPr lang="en-US"/>
+          </a:p>
+        </p:txBody>
+      </p:sp>
+      <p:grpSp>
+        <p:nvGrpSpPr>
+          <p:cNvPr id="29" name="Group 28">
+            <a:extLst>
+              <a:ext uri="{FF2B5EF4-FFF2-40B4-BE49-F238E27FC236}">
+                <a16:creationId xmlns:a16="http://schemas.microsoft.com/office/drawing/2014/main" id="{89BC9D38-9241-4F71-9B45-73827299E4C5}"/>
+              </a:ext>
+              <a:ext uri="{C183D7F6-B498-43B3-948B-1728B52AA6E4}">
+                <adec:decorative xmlns:adec="http://schemas.microsoft.com/office/drawing/2017/decorative" val="1"/>
+              </a:ext>
+            </a:extLst>
+          </p:cNvPr>
+          <p:cNvGrpSpPr>
+            <a:grpSpLocks noGrp="1" noUngrp="1" noRot="1" noChangeAspect="1" noMove="1" noResize="1"/>
+          </p:cNvGrpSpPr>
+          <p:nvPr>
+            <p:extLst>
+              <p:ext uri="{386F3935-93C4-4BCD-93E2-E3B085C9AB24}">
+                <p16:designElem xmlns:p16="http://schemas.microsoft.com/office/powerpoint/2015/main" val="1"/>
+              </p:ext>
+            </p:extLst>
+          </p:nvPr>
+        </p:nvGrpSpPr>
+        <p:grpSpPr>
+          <a:xfrm>
+            <a:off x="0" y="0"/>
+            <a:ext cx="12229962" cy="6856214"/>
+            <a:chOff x="-15736" y="0"/>
+            <a:chExt cx="12229962" cy="6856214"/>
+          </a:xfrm>
+        </p:grpSpPr>
+        <p:pic>
+          <p:nvPicPr>
+            <p:cNvPr id="30" name="Picture 29">
+              <a:extLst>
+                <a:ext uri="{FF2B5EF4-FFF2-40B4-BE49-F238E27FC236}">
+                  <a16:creationId xmlns:a16="http://schemas.microsoft.com/office/drawing/2014/main" id="{0D302979-39A3-4421-821D-94D6E00BCE8F}"/>
+                </a:ext>
+                <a:ext uri="{C183D7F6-B498-43B3-948B-1728B52AA6E4}">
+                  <adec:decorative xmlns:adec="http://schemas.microsoft.com/office/drawing/2017/decorative" val="1"/>
+                </a:ext>
+              </a:extLst>
+            </p:cNvPr>
+            <p:cNvPicPr>
+              <a:picLocks noChangeAspect="1"/>
+            </p:cNvPicPr>
+            <p:nvPr>
+              <p:extLst>
+                <p:ext uri="{386F3935-93C4-4BCD-93E2-E3B085C9AB24}">
+                  <p16:designElem xmlns:p16="http://schemas.microsoft.com/office/powerpoint/2015/main" val="1"/>
+                </p:ext>
+              </p:extLst>
+            </p:nvPr>
+          </p:nvPicPr>
+          <p:blipFill>
+            <a:blip r:embed="rId3">
+              <a:extLst>
+                <a:ext uri="{28A0092B-C50C-407E-A947-70E740481C1C}">
+                  <a14:useLocalDpi xmlns:a14="http://schemas.microsoft.com/office/drawing/2010/main" val="0"/>
+                </a:ext>
+              </a:extLst>
+            </a:blip>
+            <a:stretch>
+              <a:fillRect/>
+            </a:stretch>
+          </p:blipFill>
+          <p:spPr>
+            <a:xfrm>
+              <a:off x="0" y="0"/>
+              <a:ext cx="12188825" cy="6856214"/>
+            </a:xfrm>
+            <a:prstGeom prst="rect">
+              <a:avLst/>
+            </a:prstGeom>
+          </p:spPr>
+        </p:pic>
+        <p:sp>
+          <p:nvSpPr>
+            <p:cNvPr id="31" name="Rectangle 30">
+              <a:extLst>
+                <a:ext uri="{FF2B5EF4-FFF2-40B4-BE49-F238E27FC236}">
+                  <a16:creationId xmlns:a16="http://schemas.microsoft.com/office/drawing/2014/main" id="{68E001BA-C181-4F47-9ABC-DF4C85AB4F17}"/>
+                </a:ext>
+                <a:ext uri="{C183D7F6-B498-43B3-948B-1728B52AA6E4}">
+                  <adec:decorative xmlns:adec="http://schemas.microsoft.com/office/drawing/2017/decorative" val="1"/>
+                </a:ext>
+              </a:extLst>
+            </p:cNvPr>
+            <p:cNvSpPr/>
+            <p:nvPr>
+              <p:extLst>
+                <p:ext uri="{386F3935-93C4-4BCD-93E2-E3B085C9AB24}">
+                  <p16:designElem xmlns:p16="http://schemas.microsoft.com/office/powerpoint/2015/main" val="1"/>
+                </p:ext>
+              </p:extLst>
+            </p:nvPr>
+          </p:nvSpPr>
+          <p:spPr>
+            <a:xfrm>
+              <a:off x="608012" y="609600"/>
+              <a:ext cx="10972800" cy="5638800"/>
+            </a:xfrm>
+            <a:prstGeom prst="rect">
+              <a:avLst/>
+            </a:prstGeom>
+            <a:noFill/>
+            <a:ln w="15875" cap="flat">
+              <a:miter lim="800000"/>
+            </a:ln>
+          </p:spPr>
+          <p:style>
+            <a:lnRef idx="1">
+              <a:schemeClr val="accent1"/>
+            </a:lnRef>
+            <a:fillRef idx="3">
+              <a:schemeClr val="accent1"/>
+            </a:fillRef>
+            <a:effectRef idx="2">
+              <a:schemeClr val="accent1"/>
+            </a:effectRef>
+            <a:fontRef idx="minor">
+              <a:schemeClr val="lt1"/>
+            </a:fontRef>
+          </p:style>
+        </p:sp>
+        <p:pic>
+          <p:nvPicPr>
+            <p:cNvPr id="32" name="Picture 31">
+              <a:extLst>
+                <a:ext uri="{FF2B5EF4-FFF2-40B4-BE49-F238E27FC236}">
+                  <a16:creationId xmlns:a16="http://schemas.microsoft.com/office/drawing/2014/main" id="{7EF07F1E-BD52-4B06-A38E-BF29F8E28577}"/>
+                </a:ext>
+                <a:ext uri="{C183D7F6-B498-43B3-948B-1728B52AA6E4}">
+                  <adec:decorative xmlns:adec="http://schemas.microsoft.com/office/drawing/2017/decorative" val="1"/>
+                </a:ext>
+              </a:extLst>
+            </p:cNvPr>
+            <p:cNvPicPr>
+              <a:picLocks noChangeAspect="1"/>
+            </p:cNvPicPr>
+            <p:nvPr>
+              <p:extLst>
+                <p:ext uri="{386F3935-93C4-4BCD-93E2-E3B085C9AB24}">
+                  <p16:designElem xmlns:p16="http://schemas.microsoft.com/office/powerpoint/2015/main" val="1"/>
+                </p:ext>
+              </p:extLst>
+            </p:nvPr>
+          </p:nvPicPr>
+          <p:blipFill rotWithShape="1">
+            <a:blip r:embed="rId4">
+              <a:extLst>
+                <a:ext uri="{28A0092B-C50C-407E-A947-70E740481C1C}">
+                  <a14:useLocalDpi xmlns:a14="http://schemas.microsoft.com/office/drawing/2010/main" val="0"/>
+                </a:ext>
+              </a:extLst>
+            </a:blip>
+            <a:srcRect/>
+            <a:stretch/>
+          </p:blipFill>
+          <p:spPr>
+            <a:xfrm>
+              <a:off x="-15736" y="3153832"/>
+              <a:ext cx="777240" cy="606425"/>
+            </a:xfrm>
+            <a:prstGeom prst="rect">
+              <a:avLst/>
+            </a:prstGeom>
+          </p:spPr>
+        </p:pic>
+        <p:pic>
+          <p:nvPicPr>
+            <p:cNvPr id="33" name="Picture 32">
+              <a:extLst>
+                <a:ext uri="{FF2B5EF4-FFF2-40B4-BE49-F238E27FC236}">
+                  <a16:creationId xmlns:a16="http://schemas.microsoft.com/office/drawing/2014/main" id="{A68BE646-889B-49C2-95AF-90BAE5D29A92}"/>
+                </a:ext>
+                <a:ext uri="{C183D7F6-B498-43B3-948B-1728B52AA6E4}">
+                  <adec:decorative xmlns:adec="http://schemas.microsoft.com/office/drawing/2017/decorative" val="1"/>
+                </a:ext>
+              </a:extLst>
+            </p:cNvPr>
+            <p:cNvPicPr>
+              <a:picLocks noChangeAspect="1"/>
+            </p:cNvPicPr>
+            <p:nvPr>
+              <p:extLst>
+                <p:ext uri="{386F3935-93C4-4BCD-93E2-E3B085C9AB24}">
+                  <p16:designElem xmlns:p16="http://schemas.microsoft.com/office/powerpoint/2015/main" val="1"/>
+                </p:ext>
+              </p:extLst>
+            </p:nvPr>
+          </p:nvPicPr>
+          <p:blipFill rotWithShape="1">
+            <a:blip r:embed="rId4">
+              <a:extLst>
+                <a:ext uri="{28A0092B-C50C-407E-A947-70E740481C1C}">
+                  <a14:useLocalDpi xmlns:a14="http://schemas.microsoft.com/office/drawing/2010/main" val="0"/>
+                </a:ext>
+              </a:extLst>
+            </a:blip>
+            <a:srcRect/>
+            <a:stretch/>
+          </p:blipFill>
+          <p:spPr>
+            <a:xfrm>
+              <a:off x="11436986" y="3153832"/>
+              <a:ext cx="777240" cy="606425"/>
+            </a:xfrm>
+            <a:prstGeom prst="rect">
+              <a:avLst/>
+            </a:prstGeom>
+          </p:spPr>
+        </p:pic>
+      </p:grpSp>
+      <p:sp>
+        <p:nvSpPr>
+          <p:cNvPr id="2" name="Titel 1">
+            <a:extLst>
+              <a:ext uri="{FF2B5EF4-FFF2-40B4-BE49-F238E27FC236}">
+                <a16:creationId xmlns:a16="http://schemas.microsoft.com/office/drawing/2014/main" id="{35F8E6F2-717F-431A-B399-684464F8FC15}"/>
+              </a:ext>
+            </a:extLst>
+          </p:cNvPr>
+          <p:cNvSpPr>
+            <a:spLocks noGrp="1"/>
+          </p:cNvSpPr>
+          <p:nvPr>
+            <p:ph type="title"/>
+          </p:nvPr>
+        </p:nvSpPr>
+        <p:spPr>
+          <a:xfrm>
+            <a:off x="4626508" y="982132"/>
+            <a:ext cx="6270090" cy="1303867"/>
+          </a:xfrm>
+        </p:spPr>
+        <p:txBody>
+          <a:bodyPr vert="horz" lIns="91440" tIns="45720" rIns="91440" bIns="45720" rtlCol="0" anchor="ctr">
+            <a:normAutofit/>
+          </a:bodyPr>
+          <a:lstStyle/>
+          <a:p>
+            <a:pPr>
+              <a:lnSpc>
+                <a:spcPct val="90000"/>
+              </a:lnSpc>
+            </a:pPr>
+            <a:r>
+              <a:rPr lang="en-US" sz="4100" dirty="0" err="1"/>
+              <a:t>Einleitung</a:t>
+            </a:r>
+            <a:endParaRPr lang="en-US" sz="4100" dirty="0"/>
+          </a:p>
+        </p:txBody>
+      </p:sp>
+      <p:sp>
+        <p:nvSpPr>
+          <p:cNvPr id="35" name="Rectangle 34">
+            <a:extLst>
+              <a:ext uri="{FF2B5EF4-FFF2-40B4-BE49-F238E27FC236}">
+                <a16:creationId xmlns:a16="http://schemas.microsoft.com/office/drawing/2014/main" id="{B3085476-B49E-49ED-87D2-1165E69D2605}"/>
+              </a:ext>
+              <a:ext uri="{C183D7F6-B498-43B3-948B-1728B52AA6E4}">
+                <adec:decorative xmlns:adec="http://schemas.microsoft.com/office/drawing/2017/decorative" val="1"/>
+              </a:ext>
+            </a:extLst>
+          </p:cNvPr>
+          <p:cNvSpPr>
+            <a:spLocks noGrp="1" noRot="1" noChangeAspect="1" noMove="1" noResize="1" noEditPoints="1" noAdjustHandles="1" noChangeArrowheads="1" noChangeShapeType="1" noTextEdit="1"/>
+          </p:cNvSpPr>
+          <p:nvPr>
+            <p:extLst>
+              <p:ext uri="{386F3935-93C4-4BCD-93E2-E3B085C9AB24}">
+                <p16:designElem xmlns:p16="http://schemas.microsoft.com/office/powerpoint/2015/main" val="1"/>
+              </p:ext>
+            </p:extLst>
+          </p:nvPr>
+        </p:nvSpPr>
+        <p:spPr>
+          <a:xfrm>
+            <a:off x="1092644" y="1092200"/>
+            <a:ext cx="3059206" cy="4515104"/>
+          </a:xfrm>
+          <a:prstGeom prst="rect">
+            <a:avLst/>
+          </a:prstGeom>
+          <a:solidFill>
+            <a:schemeClr val="bg1"/>
+          </a:solidFill>
+          <a:ln w="57150" cmpd="thickThin">
+            <a:solidFill>
+              <a:schemeClr val="tx1">
+                <a:lumMod val="50000"/>
+                <a:lumOff val="50000"/>
+              </a:schemeClr>
+            </a:solidFill>
+            <a:miter lim="800000"/>
+          </a:ln>
+        </p:spPr>
+        <p:style>
+          <a:lnRef idx="2">
+            <a:schemeClr val="accent1">
+              <a:shade val="50000"/>
+            </a:schemeClr>
+          </a:lnRef>
+          <a:fillRef idx="1">
+            <a:schemeClr val="accent1"/>
+          </a:fillRef>
+          <a:effectRef idx="0">
+            <a:schemeClr val="accent1"/>
+          </a:effectRef>
+          <a:fontRef idx="minor">
+            <a:schemeClr val="lt1"/>
+          </a:fontRef>
+        </p:style>
+        <p:txBody>
+          <a:bodyPr rtlCol="0" anchor="ctr"/>
+          <a:lstStyle/>
+          <a:p>
+            <a:pPr algn="ctr"/>
+            <a:endParaRPr lang="en-US"/>
+          </a:p>
+        </p:txBody>
+      </p:sp>
+      <p:pic>
+        <p:nvPicPr>
+          <p:cNvPr id="11" name="Inhaltsplatzhalter 7">
+            <a:extLst>
+              <a:ext uri="{FF2B5EF4-FFF2-40B4-BE49-F238E27FC236}">
+                <a16:creationId xmlns:a16="http://schemas.microsoft.com/office/drawing/2014/main" id="{BEA9125B-04D6-4F71-A505-92B68BD87647}"/>
+              </a:ext>
+            </a:extLst>
+          </p:cNvPr>
+          <p:cNvPicPr>
+            <a:picLocks noChangeAspect="1"/>
+          </p:cNvPicPr>
+          <p:nvPr/>
+        </p:nvPicPr>
+        <p:blipFill rotWithShape="1">
+          <a:blip r:embed="rId5">
+            <a:extLst>
+              <a:ext uri="{28A0092B-C50C-407E-A947-70E740481C1C}">
+                <a14:useLocalDpi xmlns:a14="http://schemas.microsoft.com/office/drawing/2010/main" val="0"/>
+              </a:ext>
+            </a:extLst>
+          </a:blip>
+          <a:srcRect r="13708" b="1"/>
+          <a:stretch/>
+        </p:blipFill>
+        <p:spPr>
+          <a:xfrm>
+            <a:off x="1412683" y="1410208"/>
+            <a:ext cx="2433793" cy="3858780"/>
+          </a:xfrm>
+          <a:prstGeom prst="rect">
+            <a:avLst/>
+          </a:prstGeom>
+        </p:spPr>
+      </p:pic>
+      <p:cxnSp>
+        <p:nvCxnSpPr>
+          <p:cNvPr id="37" name="Straight Connector 36">
+            <a:extLst>
+              <a:ext uri="{FF2B5EF4-FFF2-40B4-BE49-F238E27FC236}">
+                <a16:creationId xmlns:a16="http://schemas.microsoft.com/office/drawing/2014/main" id="{59BA5C68-DFCC-4101-8403-F96781CDDD7A}"/>
+              </a:ext>
+              <a:ext uri="{C183D7F6-B498-43B3-948B-1728B52AA6E4}">
+                <adec:decorative xmlns:adec="http://schemas.microsoft.com/office/drawing/2017/decorative" val="1"/>
+              </a:ext>
+            </a:extLst>
+          </p:cNvPr>
+          <p:cNvCxnSpPr>
+            <a:cxnSpLocks noGrp="1" noRot="1" noChangeAspect="1" noMove="1" noResize="1" noEditPoints="1" noAdjustHandles="1" noChangeArrowheads="1" noChangeShapeType="1"/>
+          </p:cNvCxnSpPr>
+          <p:nvPr>
+            <p:extLst>
+              <p:ext uri="{386F3935-93C4-4BCD-93E2-E3B085C9AB24}">
+                <p16:designElem xmlns:p16="http://schemas.microsoft.com/office/powerpoint/2015/main" val="1"/>
+              </p:ext>
+            </p:extLst>
+          </p:nvPr>
+        </p:nvCxnSpPr>
+        <p:spPr>
+          <a:xfrm>
+            <a:off x="4626508" y="2400639"/>
+            <a:ext cx="6270089" cy="0"/>
+          </a:xfrm>
+          <a:prstGeom prst="line">
+            <a:avLst/>
+          </a:prstGeom>
+        </p:spPr>
+        <p:style>
+          <a:lnRef idx="2">
+            <a:schemeClr val="accent1"/>
+          </a:lnRef>
+          <a:fillRef idx="0">
+            <a:schemeClr val="accent1"/>
+          </a:fillRef>
+          <a:effectRef idx="1">
+            <a:schemeClr val="accent1"/>
+          </a:effectRef>
+          <a:fontRef idx="minor">
+            <a:schemeClr val="tx1"/>
+          </a:fontRef>
+        </p:style>
+      </p:cxnSp>
+      <p:sp>
+        <p:nvSpPr>
+          <p:cNvPr id="14" name="Inhaltsplatzhalter 2">
+            <a:extLst>
+              <a:ext uri="{FF2B5EF4-FFF2-40B4-BE49-F238E27FC236}">
+                <a16:creationId xmlns:a16="http://schemas.microsoft.com/office/drawing/2014/main" id="{65A72ABC-4AA1-41C4-9D6D-1EABD5E5BB9D}"/>
+              </a:ext>
+            </a:extLst>
+          </p:cNvPr>
+          <p:cNvSpPr>
+            <a:spLocks noGrp="1"/>
+          </p:cNvSpPr>
+          <p:nvPr>
+            <p:ph sz="half" idx="2"/>
+          </p:nvPr>
+        </p:nvSpPr>
+        <p:spPr>
+          <a:xfrm>
+            <a:off x="4636482" y="2556932"/>
+            <a:ext cx="6260114" cy="3318936"/>
+          </a:xfrm>
+        </p:spPr>
+        <p:txBody>
+          <a:bodyPr vert="horz" lIns="91440" tIns="45720" rIns="91440" bIns="45720" rtlCol="0" anchor="t">
+            <a:normAutofit/>
+          </a:bodyPr>
+          <a:lstStyle/>
+          <a:p>
+            <a:pPr>
+              <a:lnSpc>
+                <a:spcPct val="90000"/>
+              </a:lnSpc>
+            </a:pPr>
+            <a:r>
+              <a:rPr lang="de-CH" dirty="0"/>
+              <a:t>Ende 18. Jh. bis in 19 Jh.</a:t>
+            </a:r>
+          </a:p>
+          <a:p>
+            <a:pPr>
+              <a:lnSpc>
+                <a:spcPct val="90000"/>
+              </a:lnSpc>
+            </a:pPr>
+            <a:r>
+              <a:rPr lang="de-CH" dirty="0"/>
+              <a:t>3 Unterepochen</a:t>
+            </a:r>
+          </a:p>
+          <a:p>
+            <a:pPr>
+              <a:lnSpc>
+                <a:spcPct val="90000"/>
+              </a:lnSpc>
+            </a:pPr>
+            <a:r>
+              <a:rPr lang="de-CH" dirty="0" err="1"/>
+              <a:t>lingua</a:t>
+            </a:r>
+            <a:r>
+              <a:rPr lang="de-CH" dirty="0"/>
+              <a:t> </a:t>
+            </a:r>
+            <a:r>
+              <a:rPr lang="de-CH" dirty="0" err="1"/>
+              <a:t>romana</a:t>
+            </a:r>
+            <a:r>
+              <a:rPr lang="de-CH" dirty="0"/>
+              <a:t> (romanische Sprachen)</a:t>
+            </a:r>
+          </a:p>
+          <a:p>
+            <a:pPr>
+              <a:lnSpc>
+                <a:spcPct val="90000"/>
+              </a:lnSpc>
+            </a:pPr>
+            <a:r>
+              <a:rPr lang="de-CH" dirty="0"/>
+              <a:t>Friedrich Schlegels Definition als Abwendung von klassischen Vorbildern</a:t>
+            </a:r>
+          </a:p>
+          <a:p>
+            <a:pPr>
+              <a:lnSpc>
+                <a:spcPct val="90000"/>
+              </a:lnSpc>
+            </a:pPr>
+            <a:endParaRPr lang="en-US" dirty="0"/>
+          </a:p>
+          <a:p>
+            <a:pPr marL="0" indent="0">
+              <a:lnSpc>
+                <a:spcPct val="90000"/>
+              </a:lnSpc>
+            </a:pPr>
+            <a:endParaRPr lang="en-US" dirty="0"/>
+          </a:p>
+        </p:txBody>
+      </p:sp>
+      <p:sp>
+        <p:nvSpPr>
+          <p:cNvPr id="24" name="Rechteck 23">
+            <a:extLst>
+              <a:ext uri="{FF2B5EF4-FFF2-40B4-BE49-F238E27FC236}">
+                <a16:creationId xmlns:a16="http://schemas.microsoft.com/office/drawing/2014/main" id="{83176408-8C4B-4EAD-ACCE-5A786C25E059}"/>
+              </a:ext>
+            </a:extLst>
+          </p:cNvPr>
+          <p:cNvSpPr/>
+          <p:nvPr/>
+        </p:nvSpPr>
+        <p:spPr>
+          <a:xfrm>
+            <a:off x="11093769" y="423148"/>
+            <a:ext cx="989695" cy="369332"/>
+          </a:xfrm>
+          <a:prstGeom prst="rect">
+            <a:avLst/>
+          </a:prstGeom>
+        </p:spPr>
+        <p:txBody>
+          <a:bodyPr wrap="none">
+            <a:spAutoFit/>
+          </a:bodyPr>
+          <a:lstStyle/>
+          <a:p>
+            <a:r>
+              <a:rPr lang="en-US" dirty="0">
+                <a:solidFill>
+                  <a:schemeClr val="bg1"/>
+                </a:solidFill>
+              </a:rPr>
+              <a:t>(Abb. 1) </a:t>
+            </a:r>
+            <a:endParaRPr lang="de-CH" dirty="0">
+              <a:solidFill>
+                <a:schemeClr val="bg1"/>
+              </a:solidFill>
+            </a:endParaRPr>
+          </a:p>
+        </p:txBody>
+      </p:sp>
+      <p:sp>
+        <p:nvSpPr>
+          <p:cNvPr id="26" name="Textfeld 25">
+            <a:extLst>
+              <a:ext uri="{FF2B5EF4-FFF2-40B4-BE49-F238E27FC236}">
+                <a16:creationId xmlns:a16="http://schemas.microsoft.com/office/drawing/2014/main" id="{A81150FC-E990-46C8-B3E4-1BF70D35C8DC}"/>
+              </a:ext>
+            </a:extLst>
+          </p:cNvPr>
+          <p:cNvSpPr txBox="1"/>
+          <p:nvPr/>
+        </p:nvSpPr>
+        <p:spPr>
+          <a:xfrm>
+            <a:off x="1092644" y="5639867"/>
+            <a:ext cx="2560320" cy="307777"/>
+          </a:xfrm>
+          <a:prstGeom prst="rect">
+            <a:avLst/>
+          </a:prstGeom>
+          <a:noFill/>
+        </p:spPr>
+        <p:txBody>
+          <a:bodyPr wrap="square" rtlCol="0">
+            <a:spAutoFit/>
+          </a:bodyPr>
+          <a:lstStyle/>
+          <a:p>
+            <a:r>
+              <a:rPr lang="de-CH" sz="1400" dirty="0"/>
+              <a:t>Abb. 1</a:t>
+            </a:r>
+            <a:endParaRPr lang="en-US" sz="1400" dirty="0"/>
+          </a:p>
+        </p:txBody>
+      </p:sp>
+    </p:spTree>
+    <p:extLst>
+      <p:ext uri="{BB962C8B-B14F-4D97-AF65-F5344CB8AC3E}">
+        <p14:creationId xmlns:p14="http://schemas.microsoft.com/office/powerpoint/2010/main" val="82923347"/>
+      </p:ext>
+    </p:extLst>
+  </p:cSld>
+  <p:clrMapOvr>
+    <a:masterClrMapping/>
+  </p:clrMapOvr>
+  <p:transition spd="slow">
+    <p:push dir="u"/>
+  </p:transition>
+</p:sld>
+</file>
+
+<file path=ppt/slides/slide5.xml><?xml version="1.0" encoding="utf-8"?>
 <p:sld xmlns:a="http://schemas.openxmlformats.org/drawingml/2006/main" xmlns:r="http://schemas.openxmlformats.org/officeDocument/2006/relationships" xmlns:p="http://schemas.openxmlformats.org/presentationml/2006/main">
   <p:cSld>
     <p:bg>
@@ -11798,7 +13719,7 @@
           <a:lstStyle/>
           <a:p>
             <a:r>
-              <a:rPr lang="en-US">
+              <a:rPr lang="de-CH" dirty="0">
                 <a:solidFill>
                   <a:srgbClr val="FFFFFF"/>
                 </a:solidFill>
@@ -11883,36 +13804,67 @@
           <a:lstStyle/>
           <a:p>
             <a:r>
-              <a:rPr lang="en-US">
+              <a:rPr lang="de-CH" dirty="0">
                 <a:solidFill>
                   <a:srgbClr val="FFFFFF"/>
                 </a:solidFill>
               </a:rPr>
-              <a:t>Grundthemen: Seele, Gefühle, Individualität und Leidenschaft</a:t>
-            </a:r>
-          </a:p>
-          <a:p>
-            <a:r>
-              <a:rPr lang="en-US">
+              <a:t>Flucht aus der Realität</a:t>
+            </a:r>
+          </a:p>
+          <a:p>
+            <a:pPr>
+              <a:spcBef>
+                <a:spcPts val="0"/>
+              </a:spcBef>
+            </a:pPr>
+            <a:r>
+              <a:rPr lang="de-CH" dirty="0">
                 <a:solidFill>
                   <a:srgbClr val="FFFFFF"/>
                 </a:solidFill>
               </a:rPr>
-              <a:t>Märchen, Mythen, Legenden und Sagen als Grundlage</a:t>
-            </a:r>
-          </a:p>
-          <a:p>
-            <a:r>
-              <a:rPr lang="en-US">
+              <a:t>Grundthemen:  der Mensch</a:t>
+            </a:r>
+          </a:p>
+          <a:p>
+            <a:pPr marL="0" indent="0">
+              <a:spcBef>
+                <a:spcPts val="0"/>
+              </a:spcBef>
+              <a:buNone/>
+            </a:pPr>
+            <a:r>
+              <a:rPr lang="de-CH" dirty="0">
                 <a:solidFill>
                   <a:srgbClr val="FFFFFF"/>
                 </a:solidFill>
               </a:rPr>
-              <a:t>psychische/psychologische (unterbewusste) Elemente</a:t>
-            </a:r>
-          </a:p>
-          <a:p>
-            <a:endParaRPr lang="en-US">
+              <a:t>    Seele, Gefühle, Individualität und Leidenschaft</a:t>
+            </a:r>
+          </a:p>
+          <a:p>
+            <a:r>
+              <a:rPr lang="de-CH" dirty="0">
+                <a:solidFill>
+                  <a:srgbClr val="FFFFFF"/>
+                </a:solidFill>
+              </a:rPr>
+              <a:t>Mythen und Legenden als Grundlage</a:t>
+            </a:r>
+          </a:p>
+          <a:p>
+            <a:r>
+              <a:rPr lang="de-CH" dirty="0">
+                <a:solidFill>
+                  <a:srgbClr val="FFFFFF"/>
+                </a:solidFill>
+              </a:rPr>
+              <a:t>psychische / unterbewusste Elemente</a:t>
+            </a:r>
+          </a:p>
+          <a:p>
+            <a:endParaRPr lang="en-US" dirty="0">
               <a:solidFill>
                 <a:srgbClr val="FFFFFF"/>
               </a:solidFill>
@@ -11950,7 +13902,7 @@
           <a:p>
             <a:r>
               <a:rPr lang="de-CH" sz="1400" dirty="0"/>
-              <a:t>Abb.1</a:t>
+              <a:t>Abb. 2</a:t>
             </a:r>
             <a:endParaRPr lang="en-US" sz="1400" dirty="0"/>
           </a:p>
@@ -11969,7 +13921,7 @@
 </p:sld>
 </file>
 
-<file path=ppt/slides/slide5.xml><?xml version="1.0" encoding="utf-8"?>
+<file path=ppt/slides/slide6.xml><?xml version="1.0" encoding="utf-8"?>
 <p:sld xmlns:a="http://schemas.openxmlformats.org/drawingml/2006/main" xmlns:r="http://schemas.openxmlformats.org/officeDocument/2006/relationships" xmlns:p="http://schemas.openxmlformats.org/presentationml/2006/main">
   <p:cSld>
     <p:bg>
@@ -12786,7 +14738,7 @@
           <a:p>
             <a:r>
               <a:rPr lang="de-CH" sz="1400" dirty="0"/>
-              <a:t>Abb.2 </a:t>
+              <a:t>Abb. 3 </a:t>
             </a:r>
             <a:endParaRPr lang="en-US" sz="1400" dirty="0"/>
           </a:p>
@@ -12805,7 +14757,7 @@
 </p:sld>
 </file>
 
-<file path=ppt/slides/slide6.xml><?xml version="1.0" encoding="utf-8"?>
+<file path=ppt/slides/slide7.xml><?xml version="1.0" encoding="utf-8"?>
 <p:sld xmlns:a="http://schemas.openxmlformats.org/drawingml/2006/main" xmlns:r="http://schemas.openxmlformats.org/officeDocument/2006/relationships" xmlns:p="http://schemas.openxmlformats.org/presentationml/2006/main">
   <p:cSld>
     <p:bg>
@@ -13255,7 +15207,7 @@
           <a:p>
             <a:r>
               <a:rPr lang="de-CH" sz="1400" dirty="0"/>
-              <a:t>Abb.3 </a:t>
+              <a:t>Abb. 4</a:t>
             </a:r>
             <a:endParaRPr lang="en-US" sz="1400" dirty="0"/>
           </a:p>
@@ -13274,7 +15226,7 @@
 </p:sld>
 </file>
 
-<file path=ppt/slides/slide7.xml><?xml version="1.0" encoding="utf-8"?>
+<file path=ppt/slides/slide8.xml><?xml version="1.0" encoding="utf-8"?>
 <p:sld xmlns:a="http://schemas.openxmlformats.org/drawingml/2006/main" xmlns:r="http://schemas.openxmlformats.org/officeDocument/2006/relationships" xmlns:p="http://schemas.openxmlformats.org/presentationml/2006/main">
   <p:cSld>
     <p:bg>
@@ -13948,25 +15900,25 @@
               <a:buNone/>
             </a:pPr>
             <a:r>
-              <a:rPr lang="de-CH" sz="1600" dirty="0"/>
+              <a:rPr lang="de-CH" sz="1800" dirty="0"/>
               <a:t>Schauplätze und Zeitliche Ebene</a:t>
             </a:r>
           </a:p>
           <a:p>
             <a:r>
-              <a:rPr lang="de-CH" sz="1600" dirty="0"/>
+              <a:rPr lang="de-CH" sz="1800" dirty="0"/>
               <a:t>Natur, ruinenhafte Gebäude, Friedhöfe, Landschaften</a:t>
             </a:r>
           </a:p>
           <a:p>
             <a:r>
-              <a:rPr lang="de-CH" sz="1600" dirty="0"/>
+              <a:rPr lang="de-CH" sz="1800" dirty="0"/>
               <a:t>Wechsel der Jahreszeiten (oft vom Sommer zum Herbst und zum Winter)</a:t>
             </a:r>
           </a:p>
           <a:p>
             <a:r>
-              <a:rPr lang="de-CH" sz="1600" dirty="0"/>
+              <a:rPr lang="de-CH" sz="1800" dirty="0"/>
               <a:t>Einbruch der Nacht </a:t>
             </a:r>
           </a:p>
@@ -14050,7 +16002,7 @@
           <a:p>
             <a:r>
               <a:rPr lang="de-CH" sz="1400" dirty="0"/>
-              <a:t>Abb.4 </a:t>
+              <a:t>Abb. 5 </a:t>
             </a:r>
             <a:endParaRPr lang="en-US" sz="1400" dirty="0"/>
           </a:p>
@@ -14069,7 +16021,7 @@
 </p:sld>
 </file>
 
-<file path=ppt/slides/slide8.xml><?xml version="1.0" encoding="utf-8"?>
+<file path=ppt/slides/slide9.xml><?xml version="1.0" encoding="utf-8"?>
 <p:sld xmlns:a="http://schemas.openxmlformats.org/drawingml/2006/main" xmlns:r="http://schemas.openxmlformats.org/officeDocument/2006/relationships" xmlns:p="http://schemas.openxmlformats.org/presentationml/2006/main">
   <p:cSld>
     <p:bg>
@@ -14476,474 +16428,6 @@
     <p:extLst>
       <p:ext uri="{BB962C8B-B14F-4D97-AF65-F5344CB8AC3E}">
         <p14:creationId xmlns:p14="http://schemas.microsoft.com/office/powerpoint/2010/main" val="3412928889"/>
-      </p:ext>
-    </p:extLst>
-  </p:cSld>
-  <p:clrMapOvr>
-    <a:masterClrMapping/>
-  </p:clrMapOvr>
-</p:sld>
-</file>
-
-<file path=ppt/slides/slide9.xml><?xml version="1.0" encoding="utf-8"?>
-<p:sld xmlns:a="http://schemas.openxmlformats.org/drawingml/2006/main" xmlns:r="http://schemas.openxmlformats.org/officeDocument/2006/relationships" xmlns:p="http://schemas.openxmlformats.org/presentationml/2006/main">
-  <p:cSld>
-    <p:bg>
-      <p:bgPr>
-        <a:blipFill>
-          <a:blip r:embed="rId2">
-            <a:extLst/>
-          </a:blip>
-          <a:stretch/>
-        </a:blipFill>
-        <a:effectLst/>
-      </p:bgPr>
-    </p:bg>
-    <p:spTree>
-      <p:nvGrpSpPr>
-        <p:cNvPr id="1" name=""/>
-        <p:cNvGrpSpPr/>
-        <p:nvPr/>
-      </p:nvGrpSpPr>
-      <p:grpSpPr>
-        <a:xfrm>
-          <a:off x="0" y="0"/>
-          <a:ext cx="0" cy="0"/>
-          <a:chOff x="0" y="0"/>
-          <a:chExt cx="0" cy="0"/>
-        </a:xfrm>
-      </p:grpSpPr>
-      <p:grpSp>
-        <p:nvGrpSpPr>
-          <p:cNvPr id="11" name="Group 10">
-            <a:extLst>
-              <a:ext uri="{FF2B5EF4-FFF2-40B4-BE49-F238E27FC236}">
-                <a16:creationId xmlns:a16="http://schemas.microsoft.com/office/drawing/2014/main" id="{DFB5D1BB-0703-437B-BD1E-1D07F8A2730B}"/>
-              </a:ext>
-              <a:ext uri="{C183D7F6-B498-43B3-948B-1728B52AA6E4}">
-                <adec:decorative xmlns:adec="http://schemas.microsoft.com/office/drawing/2017/decorative" val="1"/>
-              </a:ext>
-            </a:extLst>
-          </p:cNvPr>
-          <p:cNvGrpSpPr>
-            <a:grpSpLocks noGrp="1" noUngrp="1" noRot="1" noChangeAspect="1" noMove="1" noResize="1"/>
-          </p:cNvGrpSpPr>
-          <p:nvPr>
-            <p:extLst>
-              <p:ext uri="{386F3935-93C4-4BCD-93E2-E3B085C9AB24}">
-                <p16:designElem xmlns:p16="http://schemas.microsoft.com/office/powerpoint/2015/main" val="1"/>
-              </p:ext>
-            </p:extLst>
-          </p:nvPr>
-        </p:nvGrpSpPr>
-        <p:grpSpPr>
-          <a:xfrm>
-            <a:off x="-15736" y="0"/>
-            <a:ext cx="12229962" cy="6856214"/>
-            <a:chOff x="-15736" y="0"/>
-            <a:chExt cx="12229962" cy="6856214"/>
-          </a:xfrm>
-        </p:grpSpPr>
-        <p:pic>
-          <p:nvPicPr>
-            <p:cNvPr id="12" name="Picture 11">
-              <a:extLst>
-                <a:ext uri="{FF2B5EF4-FFF2-40B4-BE49-F238E27FC236}">
-                  <a16:creationId xmlns:a16="http://schemas.microsoft.com/office/drawing/2014/main" id="{3886586B-3F0F-4593-B272-AE75AD0F0929}"/>
-                </a:ext>
-                <a:ext uri="{C183D7F6-B498-43B3-948B-1728B52AA6E4}">
-                  <adec:decorative xmlns:adec="http://schemas.microsoft.com/office/drawing/2017/decorative" val="1"/>
-                </a:ext>
-              </a:extLst>
-            </p:cNvPr>
-            <p:cNvPicPr>
-              <a:picLocks noChangeAspect="1"/>
-            </p:cNvPicPr>
-            <p:nvPr>
-              <p:extLst>
-                <p:ext uri="{386F3935-93C4-4BCD-93E2-E3B085C9AB24}">
-                  <p16:designElem xmlns:p16="http://schemas.microsoft.com/office/powerpoint/2015/main" val="1"/>
-                </p:ext>
-              </p:extLst>
-            </p:nvPr>
-          </p:nvPicPr>
-          <p:blipFill>
-            <a:blip r:embed="rId3">
-              <a:extLst>
-                <a:ext uri="{28A0092B-C50C-407E-A947-70E740481C1C}">
-                  <a14:useLocalDpi xmlns:a14="http://schemas.microsoft.com/office/drawing/2010/main" val="0"/>
-                </a:ext>
-              </a:extLst>
-            </a:blip>
-            <a:stretch>
-              <a:fillRect/>
-            </a:stretch>
-          </p:blipFill>
-          <p:spPr>
-            <a:xfrm>
-              <a:off x="0" y="0"/>
-              <a:ext cx="12188825" cy="6856214"/>
-            </a:xfrm>
-            <a:prstGeom prst="rect">
-              <a:avLst/>
-            </a:prstGeom>
-          </p:spPr>
-        </p:pic>
-        <p:sp>
-          <p:nvSpPr>
-            <p:cNvPr id="13" name="Rectangle 12">
-              <a:extLst>
-                <a:ext uri="{FF2B5EF4-FFF2-40B4-BE49-F238E27FC236}">
-                  <a16:creationId xmlns:a16="http://schemas.microsoft.com/office/drawing/2014/main" id="{020DEB59-BF94-41B5-8F16-8B10442EE098}"/>
-                </a:ext>
-                <a:ext uri="{C183D7F6-B498-43B3-948B-1728B52AA6E4}">
-                  <adec:decorative xmlns:adec="http://schemas.microsoft.com/office/drawing/2017/decorative" val="1"/>
-                </a:ext>
-              </a:extLst>
-            </p:cNvPr>
-            <p:cNvSpPr/>
-            <p:nvPr>
-              <p:extLst>
-                <p:ext uri="{386F3935-93C4-4BCD-93E2-E3B085C9AB24}">
-                  <p16:designElem xmlns:p16="http://schemas.microsoft.com/office/powerpoint/2015/main" val="1"/>
-                </p:ext>
-              </p:extLst>
-            </p:nvPr>
-          </p:nvSpPr>
-          <p:spPr>
-            <a:xfrm>
-              <a:off x="608012" y="609600"/>
-              <a:ext cx="10972800" cy="5638800"/>
-            </a:xfrm>
-            <a:prstGeom prst="rect">
-              <a:avLst/>
-            </a:prstGeom>
-            <a:noFill/>
-            <a:ln w="15875" cap="flat">
-              <a:miter lim="800000"/>
-            </a:ln>
-          </p:spPr>
-          <p:style>
-            <a:lnRef idx="1">
-              <a:schemeClr val="accent1"/>
-            </a:lnRef>
-            <a:fillRef idx="3">
-              <a:schemeClr val="accent1"/>
-            </a:fillRef>
-            <a:effectRef idx="2">
-              <a:schemeClr val="accent1"/>
-            </a:effectRef>
-            <a:fontRef idx="minor">
-              <a:schemeClr val="lt1"/>
-            </a:fontRef>
-          </p:style>
-        </p:sp>
-        <p:pic>
-          <p:nvPicPr>
-            <p:cNvPr id="14" name="Picture 13">
-              <a:extLst>
-                <a:ext uri="{FF2B5EF4-FFF2-40B4-BE49-F238E27FC236}">
-                  <a16:creationId xmlns:a16="http://schemas.microsoft.com/office/drawing/2014/main" id="{9A3BEF6F-FC03-43B1-8D1B-8DA3A360DBF0}"/>
-                </a:ext>
-                <a:ext uri="{C183D7F6-B498-43B3-948B-1728B52AA6E4}">
-                  <adec:decorative xmlns:adec="http://schemas.microsoft.com/office/drawing/2017/decorative" val="1"/>
-                </a:ext>
-              </a:extLst>
-            </p:cNvPr>
-            <p:cNvPicPr>
-              <a:picLocks noChangeAspect="1"/>
-            </p:cNvPicPr>
-            <p:nvPr>
-              <p:extLst>
-                <p:ext uri="{386F3935-93C4-4BCD-93E2-E3B085C9AB24}">
-                  <p16:designElem xmlns:p16="http://schemas.microsoft.com/office/powerpoint/2015/main" val="1"/>
-                </p:ext>
-              </p:extLst>
-            </p:nvPr>
-          </p:nvPicPr>
-          <p:blipFill rotWithShape="1">
-            <a:blip r:embed="rId4">
-              <a:extLst>
-                <a:ext uri="{28A0092B-C50C-407E-A947-70E740481C1C}">
-                  <a14:useLocalDpi xmlns:a14="http://schemas.microsoft.com/office/drawing/2010/main" val="0"/>
-                </a:ext>
-              </a:extLst>
-            </a:blip>
-            <a:srcRect/>
-            <a:stretch/>
-          </p:blipFill>
-          <p:spPr>
-            <a:xfrm>
-              <a:off x="-15736" y="3153832"/>
-              <a:ext cx="777240" cy="606425"/>
-            </a:xfrm>
-            <a:prstGeom prst="rect">
-              <a:avLst/>
-            </a:prstGeom>
-          </p:spPr>
-        </p:pic>
-        <p:pic>
-          <p:nvPicPr>
-            <p:cNvPr id="15" name="Picture 14">
-              <a:extLst>
-                <a:ext uri="{FF2B5EF4-FFF2-40B4-BE49-F238E27FC236}">
-                  <a16:creationId xmlns:a16="http://schemas.microsoft.com/office/drawing/2014/main" id="{0F49BA32-A501-4C79-9A72-92587AB9EEFE}"/>
-                </a:ext>
-                <a:ext uri="{C183D7F6-B498-43B3-948B-1728B52AA6E4}">
-                  <adec:decorative xmlns:adec="http://schemas.microsoft.com/office/drawing/2017/decorative" val="1"/>
-                </a:ext>
-              </a:extLst>
-            </p:cNvPr>
-            <p:cNvPicPr>
-              <a:picLocks noChangeAspect="1"/>
-            </p:cNvPicPr>
-            <p:nvPr>
-              <p:extLst>
-                <p:ext uri="{386F3935-93C4-4BCD-93E2-E3B085C9AB24}">
-                  <p16:designElem xmlns:p16="http://schemas.microsoft.com/office/powerpoint/2015/main" val="1"/>
-                </p:ext>
-              </p:extLst>
-            </p:nvPr>
-          </p:nvPicPr>
-          <p:blipFill rotWithShape="1">
-            <a:blip r:embed="rId4">
-              <a:extLst>
-                <a:ext uri="{28A0092B-C50C-407E-A947-70E740481C1C}">
-                  <a14:useLocalDpi xmlns:a14="http://schemas.microsoft.com/office/drawing/2010/main" val="0"/>
-                </a:ext>
-              </a:extLst>
-            </a:blip>
-            <a:srcRect/>
-            <a:stretch/>
-          </p:blipFill>
-          <p:spPr>
-            <a:xfrm>
-              <a:off x="11436986" y="3153832"/>
-              <a:ext cx="777240" cy="606425"/>
-            </a:xfrm>
-            <a:prstGeom prst="rect">
-              <a:avLst/>
-            </a:prstGeom>
-          </p:spPr>
-        </p:pic>
-      </p:grpSp>
-      <p:cxnSp>
-        <p:nvCxnSpPr>
-          <p:cNvPr id="17" name="Straight Connector 16">
-            <a:extLst>
-              <a:ext uri="{FF2B5EF4-FFF2-40B4-BE49-F238E27FC236}">
-                <a16:creationId xmlns:a16="http://schemas.microsoft.com/office/drawing/2014/main" id="{883F92AF-2403-4558-B1D7-72130A1E4BC7}"/>
-              </a:ext>
-              <a:ext uri="{C183D7F6-B498-43B3-948B-1728B52AA6E4}">
-                <adec:decorative xmlns:adec="http://schemas.microsoft.com/office/drawing/2017/decorative" val="1"/>
-              </a:ext>
-            </a:extLst>
-          </p:cNvPr>
-          <p:cNvCxnSpPr>
-            <a:cxnSpLocks noGrp="1" noRot="1" noChangeAspect="1" noMove="1" noResize="1" noEditPoints="1" noAdjustHandles="1" noChangeArrowheads="1" noChangeShapeType="1"/>
-          </p:cNvCxnSpPr>
-          <p:nvPr>
-            <p:extLst>
-              <p:ext uri="{386F3935-93C4-4BCD-93E2-E3B085C9AB24}">
-                <p16:designElem xmlns:p16="http://schemas.microsoft.com/office/powerpoint/2015/main" val="1"/>
-              </p:ext>
-            </p:extLst>
-          </p:nvPr>
-        </p:nvCxnSpPr>
-        <p:spPr>
-          <a:xfrm>
-            <a:off x="1396169" y="2421466"/>
-            <a:ext cx="9407298" cy="0"/>
-          </a:xfrm>
-          <a:prstGeom prst="line">
-            <a:avLst/>
-          </a:prstGeom>
-          <a:ln w="15875"/>
-        </p:spPr>
-        <p:style>
-          <a:lnRef idx="2">
-            <a:schemeClr val="accent1"/>
-          </a:lnRef>
-          <a:fillRef idx="0">
-            <a:schemeClr val="accent1"/>
-          </a:fillRef>
-          <a:effectRef idx="1">
-            <a:schemeClr val="accent1"/>
-          </a:effectRef>
-          <a:fontRef idx="minor">
-            <a:schemeClr val="tx1"/>
-          </a:fontRef>
-        </p:style>
-      </p:cxnSp>
-      <p:sp>
-        <p:nvSpPr>
-          <p:cNvPr id="2" name="Titel 1"/>
-          <p:cNvSpPr>
-            <a:spLocks noGrp="1"/>
-          </p:cNvSpPr>
-          <p:nvPr>
-            <p:ph type="title"/>
-          </p:nvPr>
-        </p:nvSpPr>
-        <p:spPr>
-          <a:xfrm>
-            <a:off x="1295402" y="982132"/>
-            <a:ext cx="9601196" cy="1303867"/>
-          </a:xfrm>
-        </p:spPr>
-        <p:txBody>
-          <a:bodyPr vert="horz" lIns="91440" tIns="45720" rIns="91440" bIns="45720" rtlCol="0" anchor="ctr">
-            <a:normAutofit/>
-          </a:bodyPr>
-          <a:lstStyle/>
-          <a:p>
-            <a:r>
-              <a:rPr lang="en-US"/>
-              <a:t>Textbeispiel der Sandmann</a:t>
-            </a:r>
-            <a:endParaRPr lang="en-US" dirty="0"/>
-          </a:p>
-        </p:txBody>
-      </p:sp>
-      <p:pic>
-        <p:nvPicPr>
-          <p:cNvPr id="6" name="Inhaltsplatzhalter 5"/>
-          <p:cNvPicPr>
-            <a:picLocks noGrp="1" noChangeAspect="1"/>
-          </p:cNvPicPr>
-          <p:nvPr>
-            <p:ph sz="half" idx="2"/>
-          </p:nvPr>
-        </p:nvPicPr>
-        <p:blipFill rotWithShape="1">
-          <a:blip r:embed="rId5">
-            <a:extLst>
-              <a:ext uri="{28A0092B-C50C-407E-A947-70E740481C1C}">
-                <a14:useLocalDpi xmlns:a14="http://schemas.microsoft.com/office/drawing/2010/main" val="0"/>
-              </a:ext>
-            </a:extLst>
-          </a:blip>
-          <a:srcRect l="26025" r="32815" b="1"/>
-          <a:stretch/>
-        </p:blipFill>
-        <p:spPr>
-          <a:xfrm>
-            <a:off x="1434269" y="2701180"/>
-            <a:ext cx="2739728" cy="2852640"/>
-          </a:xfrm>
-          <a:prstGeom prst="rect">
-            <a:avLst/>
-          </a:prstGeom>
-          <a:ln w="57150" cmpd="thickThin">
-            <a:solidFill>
-              <a:schemeClr val="tx1">
-                <a:lumMod val="50000"/>
-                <a:lumOff val="50000"/>
-              </a:schemeClr>
-            </a:solidFill>
-            <a:miter lim="800000"/>
-          </a:ln>
-        </p:spPr>
-      </p:pic>
-      <p:sp>
-        <p:nvSpPr>
-          <p:cNvPr id="4" name="Inhaltsplatzhalter 3"/>
-          <p:cNvSpPr>
-            <a:spLocks noGrp="1"/>
-          </p:cNvSpPr>
-          <p:nvPr>
-            <p:ph sz="half" idx="1"/>
-          </p:nvPr>
-        </p:nvSpPr>
-        <p:spPr>
-          <a:xfrm>
-            <a:off x="4639732" y="2556932"/>
-            <a:ext cx="6256863" cy="3318936"/>
-          </a:xfrm>
-        </p:spPr>
-        <p:txBody>
-          <a:bodyPr vert="horz" lIns="91440" tIns="45720" rIns="91440" bIns="45720" rtlCol="0" anchor="t">
-            <a:normAutofit/>
-          </a:bodyPr>
-          <a:lstStyle/>
-          <a:p>
-            <a:r>
-              <a:rPr lang="de-CH" sz="2200" dirty="0"/>
-              <a:t>Thema: Dunkle der Seele/ das Böse im Menschen</a:t>
-            </a:r>
-          </a:p>
-          <a:p>
-            <a:r>
-              <a:rPr lang="de-CH" sz="2200" dirty="0"/>
-              <a:t>Leitmotiv: Der Sandmann</a:t>
-            </a:r>
-          </a:p>
-          <a:p>
-            <a:r>
-              <a:rPr lang="de-CH" sz="2200" dirty="0"/>
-              <a:t>Schwellenmotive: Blick durch das Objektiv</a:t>
-            </a:r>
-          </a:p>
-          <a:p>
-            <a:r>
-              <a:rPr lang="de-CH" sz="2200" dirty="0"/>
-              <a:t>Nathanael als Verrückter und Spalanzani als Genie</a:t>
-            </a:r>
-          </a:p>
-          <a:p>
-            <a:r>
-              <a:rPr lang="de-CH" sz="2200" dirty="0"/>
-              <a:t>Offene Charakter</a:t>
-            </a:r>
-          </a:p>
-          <a:p>
-            <a:r>
-              <a:rPr lang="de-CH" sz="2200" dirty="0"/>
-              <a:t>Poesie, Wissenschaft und Philosophie vereint</a:t>
-            </a:r>
-          </a:p>
-        </p:txBody>
-      </p:sp>
-      <p:sp>
-        <p:nvSpPr>
-          <p:cNvPr id="16" name="Textfeld 15">
-            <a:extLst>
-              <a:ext uri="{FF2B5EF4-FFF2-40B4-BE49-F238E27FC236}">
-                <a16:creationId xmlns:a16="http://schemas.microsoft.com/office/drawing/2014/main" id="{59FC59CD-CD7C-46B9-99D1-3973282024E6}"/>
-              </a:ext>
-            </a:extLst>
-          </p:cNvPr>
-          <p:cNvSpPr txBox="1"/>
-          <p:nvPr/>
-        </p:nvSpPr>
-        <p:spPr>
-          <a:xfrm>
-            <a:off x="1343712" y="5593332"/>
-            <a:ext cx="2560320" cy="307777"/>
-          </a:xfrm>
-          <a:prstGeom prst="rect">
-            <a:avLst/>
-          </a:prstGeom>
-          <a:noFill/>
-        </p:spPr>
-        <p:txBody>
-          <a:bodyPr wrap="square" rtlCol="0">
-            <a:spAutoFit/>
-          </a:bodyPr>
-          <a:lstStyle/>
-          <a:p>
-            <a:r>
-              <a:rPr lang="de-CH" sz="1400" dirty="0"/>
-              <a:t>Abb.5 </a:t>
-            </a:r>
-            <a:endParaRPr lang="en-US" sz="1400" dirty="0"/>
-          </a:p>
-        </p:txBody>
-      </p:sp>
-    </p:spTree>
-    <p:extLst>
-      <p:ext uri="{BB962C8B-B14F-4D97-AF65-F5344CB8AC3E}">
-        <p14:creationId xmlns:p14="http://schemas.microsoft.com/office/powerpoint/2010/main" val="695396494"/>
       </p:ext>
     </p:extLst>
   </p:cSld>

--- a/BM/Deutsch/Romantik/Romantik.pptx
+++ b/BM/Deutsch/Romantik/Romantik.pptx
@@ -3276,7 +3276,7 @@
           <a:p>
             <a:fld id="{F415DFF3-425E-4C95-A920-16D03C9111DF}" type="datetimeFigureOut">
               <a:rPr lang="en-US" smtClean="0"/>
-              <a:t>3/14/2019</a:t>
+              <a:t>3/17/2019</a:t>
             </a:fld>
             <a:endParaRPr lang="en-US"/>
           </a:p>
@@ -3600,7 +3600,7 @@
           <a:p>
             <a:fld id="{F415DFF3-425E-4C95-A920-16D03C9111DF}" type="datetimeFigureOut">
               <a:rPr lang="en-US" smtClean="0"/>
-              <a:t>3/14/2019</a:t>
+              <a:t>3/17/2019</a:t>
             </a:fld>
             <a:endParaRPr lang="en-US"/>
           </a:p>
@@ -3848,7 +3848,7 @@
           <a:p>
             <a:fld id="{F415DFF3-425E-4C95-A920-16D03C9111DF}" type="datetimeFigureOut">
               <a:rPr lang="en-US" smtClean="0"/>
-              <a:t>3/14/2019</a:t>
+              <a:t>3/17/2019</a:t>
             </a:fld>
             <a:endParaRPr lang="en-US"/>
           </a:p>
@@ -4187,7 +4187,7 @@
           <a:p>
             <a:fld id="{F415DFF3-425E-4C95-A920-16D03C9111DF}" type="datetimeFigureOut">
               <a:rPr lang="en-US" smtClean="0"/>
-              <a:t>3/14/2019</a:t>
+              <a:t>3/17/2019</a:t>
             </a:fld>
             <a:endParaRPr lang="en-US"/>
           </a:p>
@@ -4534,7 +4534,7 @@
           <a:p>
             <a:fld id="{F415DFF3-425E-4C95-A920-16D03C9111DF}" type="datetimeFigureOut">
               <a:rPr lang="en-US" smtClean="0"/>
-              <a:t>3/14/2019</a:t>
+              <a:t>3/17/2019</a:t>
             </a:fld>
             <a:endParaRPr lang="en-US"/>
           </a:p>
@@ -4908,7 +4908,7 @@
           <a:p>
             <a:fld id="{F415DFF3-425E-4C95-A920-16D03C9111DF}" type="datetimeFigureOut">
               <a:rPr lang="en-US" smtClean="0"/>
-              <a:t>3/14/2019</a:t>
+              <a:t>3/17/2019</a:t>
             </a:fld>
             <a:endParaRPr lang="en-US"/>
           </a:p>
@@ -5378,7 +5378,7 @@
           <a:p>
             <a:fld id="{F415DFF3-425E-4C95-A920-16D03C9111DF}" type="datetimeFigureOut">
               <a:rPr lang="en-US" smtClean="0"/>
-              <a:t>3/14/2019</a:t>
+              <a:t>3/17/2019</a:t>
             </a:fld>
             <a:endParaRPr lang="en-US"/>
           </a:p>
@@ -5583,7 +5583,7 @@
           <a:p>
             <a:fld id="{F415DFF3-425E-4C95-A920-16D03C9111DF}" type="datetimeFigureOut">
               <a:rPr lang="en-US" smtClean="0"/>
-              <a:t>3/14/2019</a:t>
+              <a:t>3/17/2019</a:t>
             </a:fld>
             <a:endParaRPr lang="en-US"/>
           </a:p>
@@ -5794,7 +5794,7 @@
           <a:p>
             <a:fld id="{F415DFF3-425E-4C95-A920-16D03C9111DF}" type="datetimeFigureOut">
               <a:rPr lang="en-US" smtClean="0"/>
-              <a:t>3/14/2019</a:t>
+              <a:t>3/17/2019</a:t>
             </a:fld>
             <a:endParaRPr lang="en-US"/>
           </a:p>
@@ -6026,7 +6026,7 @@
           <a:p>
             <a:fld id="{F415DFF3-425E-4C95-A920-16D03C9111DF}" type="datetimeFigureOut">
               <a:rPr lang="en-US" smtClean="0"/>
-              <a:t>3/14/2019</a:t>
+              <a:t>3/17/2019</a:t>
             </a:fld>
             <a:endParaRPr lang="en-US"/>
           </a:p>
@@ -6274,7 +6274,7 @@
           <a:p>
             <a:fld id="{F415DFF3-425E-4C95-A920-16D03C9111DF}" type="datetimeFigureOut">
               <a:rPr lang="en-US" smtClean="0"/>
-              <a:t>3/14/2019</a:t>
+              <a:t>3/17/2019</a:t>
             </a:fld>
             <a:endParaRPr lang="en-US"/>
           </a:p>
@@ -6572,7 +6572,7 @@
           <a:p>
             <a:fld id="{F415DFF3-425E-4C95-A920-16D03C9111DF}" type="datetimeFigureOut">
               <a:rPr lang="en-US" smtClean="0"/>
-              <a:t>3/14/2019</a:t>
+              <a:t>3/17/2019</a:t>
             </a:fld>
             <a:endParaRPr lang="en-US"/>
           </a:p>
@@ -6966,7 +6966,7 @@
           <a:p>
             <a:fld id="{F415DFF3-425E-4C95-A920-16D03C9111DF}" type="datetimeFigureOut">
               <a:rPr lang="en-US" smtClean="0"/>
-              <a:t>3/14/2019</a:t>
+              <a:t>3/17/2019</a:t>
             </a:fld>
             <a:endParaRPr lang="en-US"/>
           </a:p>
@@ -7115,7 +7115,7 @@
           <a:p>
             <a:fld id="{F415DFF3-425E-4C95-A920-16D03C9111DF}" type="datetimeFigureOut">
               <a:rPr lang="en-US" smtClean="0"/>
-              <a:t>3/14/2019</a:t>
+              <a:t>3/17/2019</a:t>
             </a:fld>
             <a:endParaRPr lang="en-US"/>
           </a:p>
@@ -7241,7 +7241,7 @@
           <a:p>
             <a:fld id="{F415DFF3-425E-4C95-A920-16D03C9111DF}" type="datetimeFigureOut">
               <a:rPr lang="en-US" smtClean="0"/>
-              <a:t>3/14/2019</a:t>
+              <a:t>3/17/2019</a:t>
             </a:fld>
             <a:endParaRPr lang="en-US"/>
           </a:p>
@@ -7496,7 +7496,7 @@
           <a:p>
             <a:fld id="{F415DFF3-425E-4C95-A920-16D03C9111DF}" type="datetimeFigureOut">
               <a:rPr lang="en-US" smtClean="0"/>
-              <a:t>3/14/2019</a:t>
+              <a:t>3/17/2019</a:t>
             </a:fld>
             <a:endParaRPr lang="en-US"/>
           </a:p>
@@ -7811,7 +7811,7 @@
           <a:p>
             <a:fld id="{F415DFF3-425E-4C95-A920-16D03C9111DF}" type="datetimeFigureOut">
               <a:rPr lang="en-US" smtClean="0"/>
-              <a:t>3/14/2019</a:t>
+              <a:t>3/17/2019</a:t>
             </a:fld>
             <a:endParaRPr lang="en-US"/>
           </a:p>
@@ -8162,7 +8162,7 @@
           <a:p>
             <a:fld id="{F415DFF3-425E-4C95-A920-16D03C9111DF}" type="datetimeFigureOut">
               <a:rPr lang="en-US" smtClean="0"/>
-              <a:t>3/14/2019</a:t>
+              <a:t>3/17/2019</a:t>
             </a:fld>
             <a:endParaRPr lang="en-US"/>
           </a:p>
@@ -9732,8 +9732,8 @@
         </p:nvSpPr>
         <p:spPr>
           <a:xfrm>
-            <a:off x="831954" y="2615299"/>
-            <a:ext cx="3131582" cy="3552039"/>
+            <a:off x="831954" y="2419679"/>
+            <a:ext cx="3131582" cy="3747660"/>
           </a:xfrm>
           <a:prstGeom prst="rect">
             <a:avLst/>
@@ -9981,17 +9981,18 @@
           </a:lstStyle>
           <a:p>
             <a:pPr marL="0" indent="0">
+              <a:buNone/>
+            </a:pPr>
+            <a:r>
+              <a:rPr lang="de-CH" sz="1800" b="1" i="1" dirty="0"/>
+              <a:t>Wie fortschrittlich war die Romantik zu ihrer Zeit?</a:t>
+            </a:r>
+          </a:p>
+          <a:p>
+            <a:pPr marL="0" indent="0">
               <a:buFont typeface="Arial"/>
               <a:buNone/>
             </a:pPr>
-            <a:r>
-              <a:rPr lang="de-CH" sz="1800" b="1" i="1" dirty="0">
-                <a:solidFill>
-                  <a:srgbClr val="262626"/>
-                </a:solidFill>
-              </a:rPr>
-              <a:t>Was macht die Romantik aus?</a:t>
-            </a:r>
             <a:endParaRPr lang="de-CH" sz="1800" dirty="0">
               <a:solidFill>
                 <a:srgbClr val="262626"/>
@@ -10005,7 +10006,7 @@
                   <a:srgbClr val="262626"/>
                 </a:solidFill>
               </a:rPr>
-              <a:t>Zwei verschieden Seiten</a:t>
+              <a:t>Mittelalter als ideale Zeit</a:t>
             </a:r>
           </a:p>
           <a:p>
@@ -10015,7 +10016,7 @@
                   <a:srgbClr val="262626"/>
                 </a:solidFill>
               </a:rPr>
-              <a:t>Düsters und Mystisches</a:t>
+              <a:t>Volkslieder und Reimforme</a:t>
             </a:r>
           </a:p>
           <a:p>
@@ -10025,8 +10026,35 @@
                   <a:srgbClr val="262626"/>
                 </a:solidFill>
               </a:rPr>
-              <a:t>Emotionen und Leidenschaft</a:t>
-            </a:r>
+              <a:t>Keine Suche nach Antworten</a:t>
+            </a:r>
+          </a:p>
+          <a:p>
+            <a:r>
+              <a:rPr lang="de-CH" sz="1800" dirty="0">
+                <a:solidFill>
+                  <a:srgbClr val="262626"/>
+                </a:solidFill>
+              </a:rPr>
+              <a:t>Psyche des Menschen</a:t>
+            </a:r>
+          </a:p>
+          <a:p>
+            <a:r>
+              <a:rPr lang="de-CH" sz="1800" dirty="0">
+                <a:solidFill>
+                  <a:srgbClr val="262626"/>
+                </a:solidFill>
+              </a:rPr>
+              <a:t>Autor hat viele Freiheiten</a:t>
+            </a:r>
+          </a:p>
+          <a:p>
+            <a:endParaRPr lang="de-CH" sz="1800" dirty="0">
+              <a:solidFill>
+                <a:srgbClr val="262626"/>
+              </a:solidFill>
+            </a:endParaRPr>
           </a:p>
           <a:p>
             <a:endParaRPr lang="en-US" sz="1800" dirty="0">
@@ -10775,7 +10803,7 @@
                   <a:srgbClr val="262626"/>
                 </a:solidFill>
               </a:rPr>
-              <a:t>Ablegen der alten Normen</a:t>
+              <a:t>Zwei verschieden Seiten</a:t>
             </a:r>
           </a:p>
           <a:p>
@@ -10785,7 +10813,27 @@
                   <a:srgbClr val="262626"/>
                 </a:solidFill>
               </a:rPr>
-              <a:t>Freiheit des Autors</a:t>
+              <a:t>Düsters und Mystisches</a:t>
+            </a:r>
+          </a:p>
+          <a:p>
+            <a:r>
+              <a:rPr lang="de-CH" sz="1800" dirty="0">
+                <a:solidFill>
+                  <a:srgbClr val="262626"/>
+                </a:solidFill>
+              </a:rPr>
+              <a:t>Emotionen und Leidenschaft</a:t>
+            </a:r>
+          </a:p>
+          <a:p>
+            <a:r>
+              <a:rPr lang="de-CH" sz="1800" dirty="0">
+                <a:solidFill>
+                  <a:srgbClr val="262626"/>
+                </a:solidFill>
+              </a:rPr>
+              <a:t>Ablegen der alten Normen</a:t>
             </a:r>
           </a:p>
           <a:p>
@@ -12335,7 +12383,7 @@
         </p:spPr>
         <p:txBody>
           <a:bodyPr>
-            <a:normAutofit/>
+            <a:normAutofit fontScale="92500"/>
           </a:bodyPr>
           <a:lstStyle/>
           <a:p>
@@ -12344,7 +12392,7 @@
             </a:pPr>
             <a:r>
               <a:rPr lang="de-CH" sz="3600" b="1" i="1" dirty="0"/>
-              <a:t>Was macht die Romantik aus?</a:t>
+              <a:t>Wie fortschrittlich war die Romantik zu ihrer Zeit?</a:t>
             </a:r>
           </a:p>
         </p:txBody>
@@ -13308,9 +13356,6 @@
   <p:clrMapOvr>
     <a:masterClrMapping/>
   </p:clrMapOvr>
-  <p:transition spd="slow">
-    <p:push dir="u"/>
-  </p:transition>
 </p:sld>
 </file>
 

--- a/BM/Deutsch/Romantik/Romantik.pptx
+++ b/BM/Deutsch/Romantik/Romantik.pptx
@@ -3276,7 +3276,7 @@
           <a:p>
             <a:fld id="{F415DFF3-425E-4C95-A920-16D03C9111DF}" type="datetimeFigureOut">
               <a:rPr lang="en-US" smtClean="0"/>
-              <a:t>3/17/2019</a:t>
+              <a:t>3/18/2019</a:t>
             </a:fld>
             <a:endParaRPr lang="en-US"/>
           </a:p>
@@ -3600,7 +3600,7 @@
           <a:p>
             <a:fld id="{F415DFF3-425E-4C95-A920-16D03C9111DF}" type="datetimeFigureOut">
               <a:rPr lang="en-US" smtClean="0"/>
-              <a:t>3/17/2019</a:t>
+              <a:t>3/18/2019</a:t>
             </a:fld>
             <a:endParaRPr lang="en-US"/>
           </a:p>
@@ -3848,7 +3848,7 @@
           <a:p>
             <a:fld id="{F415DFF3-425E-4C95-A920-16D03C9111DF}" type="datetimeFigureOut">
               <a:rPr lang="en-US" smtClean="0"/>
-              <a:t>3/17/2019</a:t>
+              <a:t>3/18/2019</a:t>
             </a:fld>
             <a:endParaRPr lang="en-US"/>
           </a:p>
@@ -4187,7 +4187,7 @@
           <a:p>
             <a:fld id="{F415DFF3-425E-4C95-A920-16D03C9111DF}" type="datetimeFigureOut">
               <a:rPr lang="en-US" smtClean="0"/>
-              <a:t>3/17/2019</a:t>
+              <a:t>3/18/2019</a:t>
             </a:fld>
             <a:endParaRPr lang="en-US"/>
           </a:p>
@@ -4534,7 +4534,7 @@
           <a:p>
             <a:fld id="{F415DFF3-425E-4C95-A920-16D03C9111DF}" type="datetimeFigureOut">
               <a:rPr lang="en-US" smtClean="0"/>
-              <a:t>3/17/2019</a:t>
+              <a:t>3/18/2019</a:t>
             </a:fld>
             <a:endParaRPr lang="en-US"/>
           </a:p>
@@ -4908,7 +4908,7 @@
           <a:p>
             <a:fld id="{F415DFF3-425E-4C95-A920-16D03C9111DF}" type="datetimeFigureOut">
               <a:rPr lang="en-US" smtClean="0"/>
-              <a:t>3/17/2019</a:t>
+              <a:t>3/18/2019</a:t>
             </a:fld>
             <a:endParaRPr lang="en-US"/>
           </a:p>
@@ -5378,7 +5378,7 @@
           <a:p>
             <a:fld id="{F415DFF3-425E-4C95-A920-16D03C9111DF}" type="datetimeFigureOut">
               <a:rPr lang="en-US" smtClean="0"/>
-              <a:t>3/17/2019</a:t>
+              <a:t>3/18/2019</a:t>
             </a:fld>
             <a:endParaRPr lang="en-US"/>
           </a:p>
@@ -5583,7 +5583,7 @@
           <a:p>
             <a:fld id="{F415DFF3-425E-4C95-A920-16D03C9111DF}" type="datetimeFigureOut">
               <a:rPr lang="en-US" smtClean="0"/>
-              <a:t>3/17/2019</a:t>
+              <a:t>3/18/2019</a:t>
             </a:fld>
             <a:endParaRPr lang="en-US"/>
           </a:p>
@@ -5794,7 +5794,7 @@
           <a:p>
             <a:fld id="{F415DFF3-425E-4C95-A920-16D03C9111DF}" type="datetimeFigureOut">
               <a:rPr lang="en-US" smtClean="0"/>
-              <a:t>3/17/2019</a:t>
+              <a:t>3/18/2019</a:t>
             </a:fld>
             <a:endParaRPr lang="en-US"/>
           </a:p>
@@ -6026,7 +6026,7 @@
           <a:p>
             <a:fld id="{F415DFF3-425E-4C95-A920-16D03C9111DF}" type="datetimeFigureOut">
               <a:rPr lang="en-US" smtClean="0"/>
-              <a:t>3/17/2019</a:t>
+              <a:t>3/18/2019</a:t>
             </a:fld>
             <a:endParaRPr lang="en-US"/>
           </a:p>
@@ -6274,7 +6274,7 @@
           <a:p>
             <a:fld id="{F415DFF3-425E-4C95-A920-16D03C9111DF}" type="datetimeFigureOut">
               <a:rPr lang="en-US" smtClean="0"/>
-              <a:t>3/17/2019</a:t>
+              <a:t>3/18/2019</a:t>
             </a:fld>
             <a:endParaRPr lang="en-US"/>
           </a:p>
@@ -6572,7 +6572,7 @@
           <a:p>
             <a:fld id="{F415DFF3-425E-4C95-A920-16D03C9111DF}" type="datetimeFigureOut">
               <a:rPr lang="en-US" smtClean="0"/>
-              <a:t>3/17/2019</a:t>
+              <a:t>3/18/2019</a:t>
             </a:fld>
             <a:endParaRPr lang="en-US"/>
           </a:p>
@@ -6966,7 +6966,7 @@
           <a:p>
             <a:fld id="{F415DFF3-425E-4C95-A920-16D03C9111DF}" type="datetimeFigureOut">
               <a:rPr lang="en-US" smtClean="0"/>
-              <a:t>3/17/2019</a:t>
+              <a:t>3/18/2019</a:t>
             </a:fld>
             <a:endParaRPr lang="en-US"/>
           </a:p>
@@ -7115,7 +7115,7 @@
           <a:p>
             <a:fld id="{F415DFF3-425E-4C95-A920-16D03C9111DF}" type="datetimeFigureOut">
               <a:rPr lang="en-US" smtClean="0"/>
-              <a:t>3/17/2019</a:t>
+              <a:t>3/18/2019</a:t>
             </a:fld>
             <a:endParaRPr lang="en-US"/>
           </a:p>
@@ -7241,7 +7241,7 @@
           <a:p>
             <a:fld id="{F415DFF3-425E-4C95-A920-16D03C9111DF}" type="datetimeFigureOut">
               <a:rPr lang="en-US" smtClean="0"/>
-              <a:t>3/17/2019</a:t>
+              <a:t>3/18/2019</a:t>
             </a:fld>
             <a:endParaRPr lang="en-US"/>
           </a:p>
@@ -7496,7 +7496,7 @@
           <a:p>
             <a:fld id="{F415DFF3-425E-4C95-A920-16D03C9111DF}" type="datetimeFigureOut">
               <a:rPr lang="en-US" smtClean="0"/>
-              <a:t>3/17/2019</a:t>
+              <a:t>3/18/2019</a:t>
             </a:fld>
             <a:endParaRPr lang="en-US"/>
           </a:p>
@@ -7811,7 +7811,7 @@
           <a:p>
             <a:fld id="{F415DFF3-425E-4C95-A920-16D03C9111DF}" type="datetimeFigureOut">
               <a:rPr lang="en-US" smtClean="0"/>
-              <a:t>3/17/2019</a:t>
+              <a:t>3/18/2019</a:t>
             </a:fld>
             <a:endParaRPr lang="en-US"/>
           </a:p>
@@ -8162,7 +8162,7 @@
           <a:p>
             <a:fld id="{F415DFF3-425E-4C95-A920-16D03C9111DF}" type="datetimeFigureOut">
               <a:rPr lang="en-US" smtClean="0"/>
-              <a:t>3/17/2019</a:t>
+              <a:t>3/18/2019</a:t>
             </a:fld>
             <a:endParaRPr lang="en-US"/>
           </a:p>
@@ -9989,15 +9989,24 @@
             </a:r>
           </a:p>
           <a:p>
-            <a:pPr marL="0" indent="0">
-              <a:buFont typeface="Arial"/>
-              <a:buNone/>
-            </a:pPr>
-            <a:endParaRPr lang="de-CH" sz="1800" dirty="0">
-              <a:solidFill>
-                <a:srgbClr val="262626"/>
-              </a:solidFill>
-            </a:endParaRPr>
+            <a:r>
+              <a:rPr lang="de-CH" sz="1800" dirty="0">
+                <a:solidFill>
+                  <a:srgbClr val="262626"/>
+                </a:solidFill>
+              </a:rPr>
+              <a:t>Autor hat viele Freiheiten</a:t>
+            </a:r>
+          </a:p>
+          <a:p>
+            <a:r>
+              <a:rPr lang="de-CH" sz="1800" dirty="0">
+                <a:solidFill>
+                  <a:srgbClr val="262626"/>
+                </a:solidFill>
+              </a:rPr>
+              <a:t>Psyche des Menschen</a:t>
+            </a:r>
           </a:p>
           <a:p>
             <a:r>
@@ -10030,24 +10039,11 @@
             </a:r>
           </a:p>
           <a:p>
-            <a:r>
-              <a:rPr lang="de-CH" sz="1800" dirty="0">
-                <a:solidFill>
-                  <a:srgbClr val="262626"/>
-                </a:solidFill>
-              </a:rPr>
-              <a:t>Psyche des Menschen</a:t>
-            </a:r>
-          </a:p>
-          <a:p>
-            <a:r>
-              <a:rPr lang="de-CH" sz="1800" dirty="0">
-                <a:solidFill>
-                  <a:srgbClr val="262626"/>
-                </a:solidFill>
-              </a:rPr>
-              <a:t>Autor hat viele Freiheiten</a:t>
-            </a:r>
+            <a:endParaRPr lang="de-CH" sz="1800" dirty="0">
+              <a:solidFill>
+                <a:srgbClr val="262626"/>
+              </a:solidFill>
+            </a:endParaRPr>
           </a:p>
           <a:p>
             <a:endParaRPr lang="de-CH" sz="1800" dirty="0">
@@ -10803,16 +10799,6 @@
                   <a:srgbClr val="262626"/>
                 </a:solidFill>
               </a:rPr>
-              <a:t>Zwei verschieden Seiten</a:t>
-            </a:r>
-          </a:p>
-          <a:p>
-            <a:r>
-              <a:rPr lang="de-CH" sz="1800" dirty="0">
-                <a:solidFill>
-                  <a:srgbClr val="262626"/>
-                </a:solidFill>
-              </a:rPr>
               <a:t>Düsters und Mystisches</a:t>
             </a:r>
           </a:p>
@@ -15952,7 +15938,13 @@
           <a:p>
             <a:r>
               <a:rPr lang="de-CH" sz="1800" dirty="0"/>
-              <a:t>Natur, ruinenhafte Gebäude, Friedhöfe, Landschaften</a:t>
+              <a:t>Natur, Landschaften</a:t>
+            </a:r>
+          </a:p>
+          <a:p>
+            <a:r>
+              <a:rPr lang="de-CH" sz="1800" dirty="0"/>
+              <a:t>ruinenhafte Gebäude, Friedhöfe, Landschaften</a:t>
             </a:r>
           </a:p>
           <a:p>

--- a/BM/Deutsch/Romantik/Romantik.pptx
+++ b/BM/Deutsch/Romantik/Romantik.pptx
@@ -1152,6 +1152,13 @@
         </dgm:presLayoutVars>
       </dgm:prSet>
       <dgm:spPr/>
+      <dgm:t>
+        <a:bodyPr/>
+        <a:lstStyle/>
+        <a:p>
+          <a:endParaRPr lang="de-DE"/>
+        </a:p>
+      </dgm:t>
     </dgm:pt>
     <dgm:pt modelId="{1BB8CF07-427D-4DF3-BAAB-05CEC4A03147}" type="pres">
       <dgm:prSet presAssocID="{B5DB6EF9-A93D-4BD2-8BBF-67DAD6920C9D}" presName="parentText" presStyleLbl="node1" presStyleIdx="0" presStyleCnt="6">
@@ -1161,6 +1168,13 @@
         </dgm:presLayoutVars>
       </dgm:prSet>
       <dgm:spPr/>
+      <dgm:t>
+        <a:bodyPr/>
+        <a:lstStyle/>
+        <a:p>
+          <a:endParaRPr lang="de-DE"/>
+        </a:p>
+      </dgm:t>
     </dgm:pt>
     <dgm:pt modelId="{90562981-C279-4E80-ADE2-B802AC8A365A}" type="pres">
       <dgm:prSet presAssocID="{E11A6D4F-2DCB-4EEF-8967-E229F4CA1ACD}" presName="spacer" presStyleCnt="0"/>
@@ -1174,6 +1188,13 @@
         </dgm:presLayoutVars>
       </dgm:prSet>
       <dgm:spPr/>
+      <dgm:t>
+        <a:bodyPr/>
+        <a:lstStyle/>
+        <a:p>
+          <a:endParaRPr lang="de-DE"/>
+        </a:p>
+      </dgm:t>
     </dgm:pt>
     <dgm:pt modelId="{FE737176-A91E-436B-8900-55DD6E96BF13}" type="pres">
       <dgm:prSet presAssocID="{EC77E02D-E505-4909-87EE-6C97B2F08BF0}" presName="spacer" presStyleCnt="0"/>
@@ -1187,6 +1208,13 @@
         </dgm:presLayoutVars>
       </dgm:prSet>
       <dgm:spPr/>
+      <dgm:t>
+        <a:bodyPr/>
+        <a:lstStyle/>
+        <a:p>
+          <a:endParaRPr lang="de-DE"/>
+        </a:p>
+      </dgm:t>
     </dgm:pt>
     <dgm:pt modelId="{4774E5F3-5A82-43E3-A927-ADC07445E644}" type="pres">
       <dgm:prSet presAssocID="{EA2B2090-3522-4121-ACA6-195C7E501124}" presName="spacer" presStyleCnt="0"/>
@@ -1200,6 +1228,13 @@
         </dgm:presLayoutVars>
       </dgm:prSet>
       <dgm:spPr/>
+      <dgm:t>
+        <a:bodyPr/>
+        <a:lstStyle/>
+        <a:p>
+          <a:endParaRPr lang="de-DE"/>
+        </a:p>
+      </dgm:t>
     </dgm:pt>
     <dgm:pt modelId="{095D2189-269E-4661-B96E-888E09B04162}" type="pres">
       <dgm:prSet presAssocID="{681C9CF3-D5C7-417A-913D-0B3337BD488C}" presName="spacer" presStyleCnt="0"/>
@@ -1213,6 +1248,13 @@
         </dgm:presLayoutVars>
       </dgm:prSet>
       <dgm:spPr/>
+      <dgm:t>
+        <a:bodyPr/>
+        <a:lstStyle/>
+        <a:p>
+          <a:endParaRPr lang="de-DE"/>
+        </a:p>
+      </dgm:t>
     </dgm:pt>
     <dgm:pt modelId="{67E72E58-7FE3-465D-A263-220DF4990694}" type="pres">
       <dgm:prSet presAssocID="{E2FEC3CF-2960-4DAF-85A7-27106B8CDD0F}" presName="spacer" presStyleCnt="0"/>
@@ -1226,22 +1268,29 @@
         </dgm:presLayoutVars>
       </dgm:prSet>
       <dgm:spPr/>
+      <dgm:t>
+        <a:bodyPr/>
+        <a:lstStyle/>
+        <a:p>
+          <a:endParaRPr lang="de-DE"/>
+        </a:p>
+      </dgm:t>
     </dgm:pt>
   </dgm:ptLst>
   <dgm:cxnLst>
+    <dgm:cxn modelId="{AD47FEEA-ECBF-4DCE-BA34-52B23737090D}" type="presOf" srcId="{C573F3B8-5394-406B-AC0E-17FB8B819FBB}" destId="{50DDECFA-528B-4CF8-8AEF-8AC31BD795B9}" srcOrd="0" destOrd="0" presId="urn:microsoft.com/office/officeart/2005/8/layout/vList2"/>
+    <dgm:cxn modelId="{133C264F-2D61-4728-8619-6079DD523624}" srcId="{8F00763D-1589-47C7-A5DB-B191C4A66000}" destId="{E8AFA8ED-483F-4AFC-BB35-EBCEFB64069D}" srcOrd="4" destOrd="0" parTransId="{1F6627B5-9AD4-44DE-9A90-AD0C7D846025}" sibTransId="{E2FEC3CF-2960-4DAF-85A7-27106B8CDD0F}"/>
+    <dgm:cxn modelId="{9A5338F4-51DB-4E00-A74B-65A1740112AE}" type="presOf" srcId="{8F00763D-1589-47C7-A5DB-B191C4A66000}" destId="{96FF42E4-60B6-425D-81FF-B50D542102E8}" srcOrd="0" destOrd="0" presId="urn:microsoft.com/office/officeart/2005/8/layout/vList2"/>
+    <dgm:cxn modelId="{96F9FE49-7B3A-4EF2-9548-63C1FCF36CAA}" srcId="{8F00763D-1589-47C7-A5DB-B191C4A66000}" destId="{D33AF0CD-2679-4900-8C27-ED4442A48680}" srcOrd="5" destOrd="0" parTransId="{D431E3C1-5035-460C-89F2-6423153E9299}" sibTransId="{8684A015-FEE4-410C-8A3D-8DEAA6BA10CB}"/>
     <dgm:cxn modelId="{7D4D7B5D-A9A0-408C-BA0E-3FCD44C98A88}" srcId="{8F00763D-1589-47C7-A5DB-B191C4A66000}" destId="{B5DB6EF9-A93D-4BD2-8BBF-67DAD6920C9D}" srcOrd="0" destOrd="0" parTransId="{3BD99815-3B54-454A-A220-5E7F878AA7B9}" sibTransId="{E11A6D4F-2DCB-4EEF-8967-E229F4CA1ACD}"/>
-    <dgm:cxn modelId="{0B1D155E-28FC-44AD-B4B6-A260113AC311}" srcId="{8F00763D-1589-47C7-A5DB-B191C4A66000}" destId="{C573F3B8-5394-406B-AC0E-17FB8B819FBB}" srcOrd="3" destOrd="0" parTransId="{CA046CF1-5D0E-4374-86E7-D32F6CB3C1E4}" sibTransId="{681C9CF3-D5C7-417A-913D-0B3337BD488C}"/>
-    <dgm:cxn modelId="{96F9FE49-7B3A-4EF2-9548-63C1FCF36CAA}" srcId="{8F00763D-1589-47C7-A5DB-B191C4A66000}" destId="{D33AF0CD-2679-4900-8C27-ED4442A48680}" srcOrd="5" destOrd="0" parTransId="{D431E3C1-5035-460C-89F2-6423153E9299}" sibTransId="{8684A015-FEE4-410C-8A3D-8DEAA6BA10CB}"/>
-    <dgm:cxn modelId="{133C264F-2D61-4728-8619-6079DD523624}" srcId="{8F00763D-1589-47C7-A5DB-B191C4A66000}" destId="{E8AFA8ED-483F-4AFC-BB35-EBCEFB64069D}" srcOrd="4" destOrd="0" parTransId="{1F6627B5-9AD4-44DE-9A90-AD0C7D846025}" sibTransId="{E2FEC3CF-2960-4DAF-85A7-27106B8CDD0F}"/>
-    <dgm:cxn modelId="{A6C0DDA3-D2D5-4683-ABCE-46597B1EA963}" type="presOf" srcId="{E8AFA8ED-483F-4AFC-BB35-EBCEFB64069D}" destId="{68D6AFB1-B966-49E2-83C3-1E6742FCE380}" srcOrd="0" destOrd="0" presId="urn:microsoft.com/office/officeart/2005/8/layout/vList2"/>
+    <dgm:cxn modelId="{AE1230E4-B8AD-490C-AF8E-1D00764492D3}" type="presOf" srcId="{D33AF0CD-2679-4900-8C27-ED4442A48680}" destId="{22888842-E008-401F-ACFE-3092A70C753E}" srcOrd="0" destOrd="0" presId="urn:microsoft.com/office/officeart/2005/8/layout/vList2"/>
     <dgm:cxn modelId="{7C4B21AC-7BB0-4F9C-8432-56A0FC2A3A11}" type="presOf" srcId="{4AFB10D2-06DB-4394-8147-5EFD2140E22A}" destId="{B3C41387-E3EA-4092-B7FC-6322EB6392EF}" srcOrd="0" destOrd="0" presId="urn:microsoft.com/office/officeart/2005/8/layout/vList2"/>
     <dgm:cxn modelId="{DA735FCA-3A2A-4A25-B629-4DAD471AED4A}" srcId="{8F00763D-1589-47C7-A5DB-B191C4A66000}" destId="{4AFB10D2-06DB-4394-8147-5EFD2140E22A}" srcOrd="1" destOrd="0" parTransId="{C98D7DFA-52BF-4C4F-97D2-33F564B011B9}" sibTransId="{EC77E02D-E505-4909-87EE-6C97B2F08BF0}"/>
+    <dgm:cxn modelId="{A6C0DDA3-D2D5-4683-ABCE-46597B1EA963}" type="presOf" srcId="{E8AFA8ED-483F-4AFC-BB35-EBCEFB64069D}" destId="{68D6AFB1-B966-49E2-83C3-1E6742FCE380}" srcOrd="0" destOrd="0" presId="urn:microsoft.com/office/officeart/2005/8/layout/vList2"/>
     <dgm:cxn modelId="{E9D109D2-89AE-4F67-95DD-51A5B9C571AA}" type="presOf" srcId="{B5DB6EF9-A93D-4BD2-8BBF-67DAD6920C9D}" destId="{1BB8CF07-427D-4DF3-BAAB-05CEC4A03147}" srcOrd="0" destOrd="0" presId="urn:microsoft.com/office/officeart/2005/8/layout/vList2"/>
     <dgm:cxn modelId="{C1CA4CE3-FAE4-4DA4-96AA-6545D9263D86}" srcId="{8F00763D-1589-47C7-A5DB-B191C4A66000}" destId="{C5CC10CC-6BB1-41B8-B98C-B6576CA3FCB0}" srcOrd="2" destOrd="0" parTransId="{5B42A668-2534-42FF-BF61-0AB787F44159}" sibTransId="{EA2B2090-3522-4121-ACA6-195C7E501124}"/>
-    <dgm:cxn modelId="{AE1230E4-B8AD-490C-AF8E-1D00764492D3}" type="presOf" srcId="{D33AF0CD-2679-4900-8C27-ED4442A48680}" destId="{22888842-E008-401F-ACFE-3092A70C753E}" srcOrd="0" destOrd="0" presId="urn:microsoft.com/office/officeart/2005/8/layout/vList2"/>
-    <dgm:cxn modelId="{AD47FEEA-ECBF-4DCE-BA34-52B23737090D}" type="presOf" srcId="{C573F3B8-5394-406B-AC0E-17FB8B819FBB}" destId="{50DDECFA-528B-4CF8-8AEF-8AC31BD795B9}" srcOrd="0" destOrd="0" presId="urn:microsoft.com/office/officeart/2005/8/layout/vList2"/>
     <dgm:cxn modelId="{AEDEDAEF-5399-44EB-B627-74811442AA3B}" type="presOf" srcId="{C5CC10CC-6BB1-41B8-B98C-B6576CA3FCB0}" destId="{76FC5BEC-2316-4C68-B0DC-011A91205348}" srcOrd="0" destOrd="0" presId="urn:microsoft.com/office/officeart/2005/8/layout/vList2"/>
-    <dgm:cxn modelId="{9A5338F4-51DB-4E00-A74B-65A1740112AE}" type="presOf" srcId="{8F00763D-1589-47C7-A5DB-B191C4A66000}" destId="{96FF42E4-60B6-425D-81FF-B50D542102E8}" srcOrd="0" destOrd="0" presId="urn:microsoft.com/office/officeart/2005/8/layout/vList2"/>
+    <dgm:cxn modelId="{0B1D155E-28FC-44AD-B4B6-A260113AC311}" srcId="{8F00763D-1589-47C7-A5DB-B191C4A66000}" destId="{C573F3B8-5394-406B-AC0E-17FB8B819FBB}" srcOrd="3" destOrd="0" parTransId="{CA046CF1-5D0E-4374-86E7-D32F6CB3C1E4}" sibTransId="{681C9CF3-D5C7-417A-913D-0B3337BD488C}"/>
     <dgm:cxn modelId="{6A5FABA8-DF6D-4590-8B1E-108D490FAB71}" type="presParOf" srcId="{96FF42E4-60B6-425D-81FF-B50D542102E8}" destId="{1BB8CF07-427D-4DF3-BAAB-05CEC4A03147}" srcOrd="0" destOrd="0" presId="urn:microsoft.com/office/officeart/2005/8/layout/vList2"/>
     <dgm:cxn modelId="{036C23CB-A1CC-40D9-942F-9743763C04BE}" type="presParOf" srcId="{96FF42E4-60B6-425D-81FF-B50D542102E8}" destId="{90562981-C279-4E80-ADE2-B802AC8A365A}" srcOrd="1" destOrd="0" presId="urn:microsoft.com/office/officeart/2005/8/layout/vList2"/>
     <dgm:cxn modelId="{50BB5CA5-9608-473D-B7B7-414F8915A301}" type="presParOf" srcId="{96FF42E4-60B6-425D-81FF-B50D542102E8}" destId="{B3C41387-E3EA-4092-B7FC-6322EB6392EF}" srcOrd="2" destOrd="0" presId="urn:microsoft.com/office/officeart/2005/8/layout/vList2"/>
@@ -1279,8 +1328,8 @@
       </dsp:nvSpPr>
       <dsp:spPr>
         <a:xfrm>
-          <a:off x="0" y="70128"/>
-          <a:ext cx="5914209" cy="772200"/>
+          <a:off x="0" y="57459"/>
+          <a:ext cx="5914209" cy="776422"/>
         </a:xfrm>
         <a:prstGeom prst="roundRect">
           <a:avLst/>
@@ -1326,7 +1375,7 @@
         </a:bodyPr>
         <a:lstStyle/>
         <a:p>
-          <a:pPr marL="0" lvl="0" indent="0" algn="l" defTabSz="1466850">
+          <a:pPr lvl="0" algn="l" defTabSz="1466850">
             <a:lnSpc>
               <a:spcPct val="90000"/>
             </a:lnSpc>
@@ -1336,7 +1385,6 @@
             <a:spcAft>
               <a:spcPct val="35000"/>
             </a:spcAft>
-            <a:buNone/>
           </a:pPr>
           <a:r>
             <a:rPr lang="de-CH" sz="3300" kern="1200" dirty="0"/>
@@ -1346,8 +1394,8 @@
         </a:p>
       </dsp:txBody>
       <dsp:txXfrm>
-        <a:off x="37696" y="107824"/>
-        <a:ext cx="5838817" cy="696808"/>
+        <a:off x="37902" y="95361"/>
+        <a:ext cx="5838405" cy="700618"/>
       </dsp:txXfrm>
     </dsp:sp>
     <dsp:sp modelId="{B3C41387-E3EA-4092-B7FC-6322EB6392EF}">
@@ -1357,8 +1405,8 @@
       </dsp:nvSpPr>
       <dsp:spPr>
         <a:xfrm>
-          <a:off x="0" y="937368"/>
-          <a:ext cx="5914209" cy="772200"/>
+          <a:off x="0" y="928922"/>
+          <a:ext cx="5914209" cy="776422"/>
         </a:xfrm>
         <a:prstGeom prst="roundRect">
           <a:avLst/>
@@ -1404,7 +1452,7 @@
         </a:bodyPr>
         <a:lstStyle/>
         <a:p>
-          <a:pPr marL="0" lvl="0" indent="0" algn="l" defTabSz="1466850">
+          <a:pPr lvl="0" algn="l" defTabSz="1466850">
             <a:lnSpc>
               <a:spcPct val="90000"/>
             </a:lnSpc>
@@ -1414,7 +1462,6 @@
             <a:spcAft>
               <a:spcPct val="35000"/>
             </a:spcAft>
-            <a:buNone/>
           </a:pPr>
           <a:r>
             <a:rPr lang="de-CH" sz="3300" kern="1200" dirty="0"/>
@@ -1424,8 +1471,8 @@
         </a:p>
       </dsp:txBody>
       <dsp:txXfrm>
-        <a:off x="37696" y="975064"/>
-        <a:ext cx="5838817" cy="696808"/>
+        <a:off x="37902" y="966824"/>
+        <a:ext cx="5838405" cy="700618"/>
       </dsp:txXfrm>
     </dsp:sp>
     <dsp:sp modelId="{76FC5BEC-2316-4C68-B0DC-011A91205348}">
@@ -1435,8 +1482,8 @@
       </dsp:nvSpPr>
       <dsp:spPr>
         <a:xfrm>
-          <a:off x="0" y="1804608"/>
-          <a:ext cx="5914209" cy="772200"/>
+          <a:off x="0" y="1800385"/>
+          <a:ext cx="5914209" cy="776422"/>
         </a:xfrm>
         <a:prstGeom prst="roundRect">
           <a:avLst/>
@@ -1482,7 +1529,7 @@
         </a:bodyPr>
         <a:lstStyle/>
         <a:p>
-          <a:pPr marL="0" lvl="0" indent="0" algn="l" defTabSz="1466850">
+          <a:pPr lvl="0" algn="l" defTabSz="1466850">
             <a:lnSpc>
               <a:spcPct val="90000"/>
             </a:lnSpc>
@@ -1492,7 +1539,6 @@
             <a:spcAft>
               <a:spcPct val="35000"/>
             </a:spcAft>
-            <a:buNone/>
           </a:pPr>
           <a:r>
             <a:rPr lang="de-CH" sz="3300" kern="1200"/>
@@ -1502,8 +1548,8 @@
         </a:p>
       </dsp:txBody>
       <dsp:txXfrm>
-        <a:off x="37696" y="1842304"/>
-        <a:ext cx="5838817" cy="696808"/>
+        <a:off x="37902" y="1838287"/>
+        <a:ext cx="5838405" cy="700618"/>
       </dsp:txXfrm>
     </dsp:sp>
     <dsp:sp modelId="{50DDECFA-528B-4CF8-8AEF-8AC31BD795B9}">
@@ -1514,7 +1560,7 @@
       <dsp:spPr>
         <a:xfrm>
           <a:off x="0" y="2671848"/>
-          <a:ext cx="5914209" cy="772200"/>
+          <a:ext cx="5914209" cy="776422"/>
         </a:xfrm>
         <a:prstGeom prst="roundRect">
           <a:avLst/>
@@ -1560,7 +1606,7 @@
         </a:bodyPr>
         <a:lstStyle/>
         <a:p>
-          <a:pPr marL="0" lvl="0" indent="0" algn="l" defTabSz="1466850">
+          <a:pPr lvl="0" algn="l" defTabSz="1466850">
             <a:lnSpc>
               <a:spcPct val="90000"/>
             </a:lnSpc>
@@ -1570,7 +1616,6 @@
             <a:spcAft>
               <a:spcPct val="35000"/>
             </a:spcAft>
-            <a:buNone/>
           </a:pPr>
           <a:r>
             <a:rPr lang="de-CH" sz="3300" kern="1200"/>
@@ -1580,8 +1625,8 @@
         </a:p>
       </dsp:txBody>
       <dsp:txXfrm>
-        <a:off x="37696" y="2709544"/>
-        <a:ext cx="5838817" cy="696808"/>
+        <a:off x="37902" y="2709750"/>
+        <a:ext cx="5838405" cy="700618"/>
       </dsp:txXfrm>
     </dsp:sp>
     <dsp:sp modelId="{68D6AFB1-B966-49E2-83C3-1E6742FCE380}">
@@ -1591,8 +1636,8 @@
       </dsp:nvSpPr>
       <dsp:spPr>
         <a:xfrm>
-          <a:off x="0" y="3539088"/>
-          <a:ext cx="5914209" cy="772200"/>
+          <a:off x="0" y="3543311"/>
+          <a:ext cx="5914209" cy="776422"/>
         </a:xfrm>
         <a:prstGeom prst="roundRect">
           <a:avLst/>
@@ -1638,7 +1683,7 @@
         </a:bodyPr>
         <a:lstStyle/>
         <a:p>
-          <a:pPr marL="0" lvl="0" indent="0" algn="l" defTabSz="1466850">
+          <a:pPr lvl="0" algn="l" defTabSz="1466850">
             <a:lnSpc>
               <a:spcPct val="90000"/>
             </a:lnSpc>
@@ -1648,7 +1693,6 @@
             <a:spcAft>
               <a:spcPct val="35000"/>
             </a:spcAft>
-            <a:buNone/>
           </a:pPr>
           <a:r>
             <a:rPr lang="de-CH" sz="3300" kern="1200"/>
@@ -1658,8 +1702,8 @@
         </a:p>
       </dsp:txBody>
       <dsp:txXfrm>
-        <a:off x="37696" y="3576784"/>
-        <a:ext cx="5838817" cy="696808"/>
+        <a:off x="37902" y="3581213"/>
+        <a:ext cx="5838405" cy="700618"/>
       </dsp:txXfrm>
     </dsp:sp>
     <dsp:sp modelId="{22888842-E008-401F-ACFE-3092A70C753E}">
@@ -1669,8 +1713,8 @@
       </dsp:nvSpPr>
       <dsp:spPr>
         <a:xfrm>
-          <a:off x="0" y="4406328"/>
-          <a:ext cx="5914209" cy="772200"/>
+          <a:off x="0" y="4414774"/>
+          <a:ext cx="5914209" cy="776422"/>
         </a:xfrm>
         <a:prstGeom prst="roundRect">
           <a:avLst/>
@@ -1716,7 +1760,7 @@
         </a:bodyPr>
         <a:lstStyle/>
         <a:p>
-          <a:pPr marL="0" lvl="0" indent="0" algn="l" defTabSz="1466850">
+          <a:pPr lvl="0" algn="l" defTabSz="1466850">
             <a:lnSpc>
               <a:spcPct val="90000"/>
             </a:lnSpc>
@@ -1726,7 +1770,6 @@
             <a:spcAft>
               <a:spcPct val="35000"/>
             </a:spcAft>
-            <a:buNone/>
           </a:pPr>
           <a:r>
             <a:rPr lang="de-CH" sz="3300" kern="1200" dirty="0"/>
@@ -1736,8 +1779,8 @@
         </a:p>
       </dsp:txBody>
       <dsp:txXfrm>
-        <a:off x="37696" y="4444024"/>
-        <a:ext cx="5838817" cy="696808"/>
+        <a:off x="37902" y="4452676"/>
+        <a:ext cx="5838405" cy="700618"/>
       </dsp:txXfrm>
     </dsp:sp>
   </dsp:spTree>
@@ -3276,7 +3319,7 @@
           <a:p>
             <a:fld id="{F415DFF3-425E-4C95-A920-16D03C9111DF}" type="datetimeFigureOut">
               <a:rPr lang="en-US" smtClean="0"/>
-              <a:t>3/18/2019</a:t>
+              <a:t>19-Mar-19</a:t>
             </a:fld>
             <a:endParaRPr lang="en-US"/>
           </a:p>
@@ -3600,7 +3643,7 @@
           <a:p>
             <a:fld id="{F415DFF3-425E-4C95-A920-16D03C9111DF}" type="datetimeFigureOut">
               <a:rPr lang="en-US" smtClean="0"/>
-              <a:t>3/18/2019</a:t>
+              <a:t>19-Mar-19</a:t>
             </a:fld>
             <a:endParaRPr lang="en-US"/>
           </a:p>
@@ -3848,7 +3891,7 @@
           <a:p>
             <a:fld id="{F415DFF3-425E-4C95-A920-16D03C9111DF}" type="datetimeFigureOut">
               <a:rPr lang="en-US" smtClean="0"/>
-              <a:t>3/18/2019</a:t>
+              <a:t>19-Mar-19</a:t>
             </a:fld>
             <a:endParaRPr lang="en-US"/>
           </a:p>
@@ -4187,7 +4230,7 @@
           <a:p>
             <a:fld id="{F415DFF3-425E-4C95-A920-16D03C9111DF}" type="datetimeFigureOut">
               <a:rPr lang="en-US" smtClean="0"/>
-              <a:t>3/18/2019</a:t>
+              <a:t>19-Mar-19</a:t>
             </a:fld>
             <a:endParaRPr lang="en-US"/>
           </a:p>
@@ -4534,7 +4577,7 @@
           <a:p>
             <a:fld id="{F415DFF3-425E-4C95-A920-16D03C9111DF}" type="datetimeFigureOut">
               <a:rPr lang="en-US" smtClean="0"/>
-              <a:t>3/18/2019</a:t>
+              <a:t>19-Mar-19</a:t>
             </a:fld>
             <a:endParaRPr lang="en-US"/>
           </a:p>
@@ -4908,7 +4951,7 @@
           <a:p>
             <a:fld id="{F415DFF3-425E-4C95-A920-16D03C9111DF}" type="datetimeFigureOut">
               <a:rPr lang="en-US" smtClean="0"/>
-              <a:t>3/18/2019</a:t>
+              <a:t>19-Mar-19</a:t>
             </a:fld>
             <a:endParaRPr lang="en-US"/>
           </a:p>
@@ -5378,7 +5421,7 @@
           <a:p>
             <a:fld id="{F415DFF3-425E-4C95-A920-16D03C9111DF}" type="datetimeFigureOut">
               <a:rPr lang="en-US" smtClean="0"/>
-              <a:t>3/18/2019</a:t>
+              <a:t>19-Mar-19</a:t>
             </a:fld>
             <a:endParaRPr lang="en-US"/>
           </a:p>
@@ -5583,7 +5626,7 @@
           <a:p>
             <a:fld id="{F415DFF3-425E-4C95-A920-16D03C9111DF}" type="datetimeFigureOut">
               <a:rPr lang="en-US" smtClean="0"/>
-              <a:t>3/18/2019</a:t>
+              <a:t>19-Mar-19</a:t>
             </a:fld>
             <a:endParaRPr lang="en-US"/>
           </a:p>
@@ -5794,7 +5837,7 @@
           <a:p>
             <a:fld id="{F415DFF3-425E-4C95-A920-16D03C9111DF}" type="datetimeFigureOut">
               <a:rPr lang="en-US" smtClean="0"/>
-              <a:t>3/18/2019</a:t>
+              <a:t>19-Mar-19</a:t>
             </a:fld>
             <a:endParaRPr lang="en-US"/>
           </a:p>
@@ -6026,7 +6069,7 @@
           <a:p>
             <a:fld id="{F415DFF3-425E-4C95-A920-16D03C9111DF}" type="datetimeFigureOut">
               <a:rPr lang="en-US" smtClean="0"/>
-              <a:t>3/18/2019</a:t>
+              <a:t>19-Mar-19</a:t>
             </a:fld>
             <a:endParaRPr lang="en-US"/>
           </a:p>
@@ -6274,7 +6317,7 @@
           <a:p>
             <a:fld id="{F415DFF3-425E-4C95-A920-16D03C9111DF}" type="datetimeFigureOut">
               <a:rPr lang="en-US" smtClean="0"/>
-              <a:t>3/18/2019</a:t>
+              <a:t>19-Mar-19</a:t>
             </a:fld>
             <a:endParaRPr lang="en-US"/>
           </a:p>
@@ -6572,7 +6615,7 @@
           <a:p>
             <a:fld id="{F415DFF3-425E-4C95-A920-16D03C9111DF}" type="datetimeFigureOut">
               <a:rPr lang="en-US" smtClean="0"/>
-              <a:t>3/18/2019</a:t>
+              <a:t>19-Mar-19</a:t>
             </a:fld>
             <a:endParaRPr lang="en-US"/>
           </a:p>
@@ -6966,7 +7009,7 @@
           <a:p>
             <a:fld id="{F415DFF3-425E-4C95-A920-16D03C9111DF}" type="datetimeFigureOut">
               <a:rPr lang="en-US" smtClean="0"/>
-              <a:t>3/18/2019</a:t>
+              <a:t>19-Mar-19</a:t>
             </a:fld>
             <a:endParaRPr lang="en-US"/>
           </a:p>
@@ -7115,7 +7158,7 @@
           <a:p>
             <a:fld id="{F415DFF3-425E-4C95-A920-16D03C9111DF}" type="datetimeFigureOut">
               <a:rPr lang="en-US" smtClean="0"/>
-              <a:t>3/18/2019</a:t>
+              <a:t>19-Mar-19</a:t>
             </a:fld>
             <a:endParaRPr lang="en-US"/>
           </a:p>
@@ -7241,7 +7284,7 @@
           <a:p>
             <a:fld id="{F415DFF3-425E-4C95-A920-16D03C9111DF}" type="datetimeFigureOut">
               <a:rPr lang="en-US" smtClean="0"/>
-              <a:t>3/18/2019</a:t>
+              <a:t>19-Mar-19</a:t>
             </a:fld>
             <a:endParaRPr lang="en-US"/>
           </a:p>
@@ -7496,7 +7539,7 @@
           <a:p>
             <a:fld id="{F415DFF3-425E-4C95-A920-16D03C9111DF}" type="datetimeFigureOut">
               <a:rPr lang="en-US" smtClean="0"/>
-              <a:t>3/18/2019</a:t>
+              <a:t>19-Mar-19</a:t>
             </a:fld>
             <a:endParaRPr lang="en-US"/>
           </a:p>
@@ -7811,7 +7854,7 @@
           <a:p>
             <a:fld id="{F415DFF3-425E-4C95-A920-16D03C9111DF}" type="datetimeFigureOut">
               <a:rPr lang="en-US" smtClean="0"/>
-              <a:t>3/18/2019</a:t>
+              <a:t>19-Mar-19</a:t>
             </a:fld>
             <a:endParaRPr lang="en-US"/>
           </a:p>
@@ -8162,7 +8205,7 @@
           <a:p>
             <a:fld id="{F415DFF3-425E-4C95-A920-16D03C9111DF}" type="datetimeFigureOut">
               <a:rPr lang="en-US" smtClean="0"/>
-              <a:t>3/18/2019</a:t>
+              <a:t>19-Mar-19</a:t>
             </a:fld>
             <a:endParaRPr lang="en-US"/>
           </a:p>
@@ -8765,6 +8808,13 @@
   <p:clrMapOvr>
     <a:masterClrMapping/>
   </p:clrMapOvr>
+  <p:timing>
+    <p:tnLst>
+      <p:par>
+        <p:cTn id="1" dur="indefinite" restart="never" nodeType="tmRoot"/>
+      </p:par>
+    </p:tnLst>
+  </p:timing>
 </p:sld>
 </file>
 
@@ -8804,7 +8854,7 @@
                 <a16:creationId xmlns:a16="http://schemas.microsoft.com/office/drawing/2014/main" id="{DFB5D1BB-0703-437B-BD1E-1D07F8A2730B}"/>
               </a:ext>
               <a:ext uri="{C183D7F6-B498-43B3-948B-1728B52AA6E4}">
-                <adec:decorative xmlns:adec="http://schemas.microsoft.com/office/drawing/2017/decorative" val="1"/>
+                <adec:decorative xmlns="" xmlns:adec="http://schemas.microsoft.com/office/drawing/2017/decorative" val="1"/>
               </a:ext>
             </a:extLst>
           </p:cNvPr>
@@ -8835,7 +8885,7 @@
                   <a16:creationId xmlns:a16="http://schemas.microsoft.com/office/drawing/2014/main" id="{3886586B-3F0F-4593-B272-AE75AD0F0929}"/>
                 </a:ext>
                 <a:ext uri="{C183D7F6-B498-43B3-948B-1728B52AA6E4}">
-                  <adec:decorative xmlns:adec="http://schemas.microsoft.com/office/drawing/2017/decorative" val="1"/>
+                  <adec:decorative xmlns="" xmlns:adec="http://schemas.microsoft.com/office/drawing/2017/decorative" val="1"/>
                 </a:ext>
               </a:extLst>
             </p:cNvPr>
@@ -8880,7 +8930,7 @@
                   <a16:creationId xmlns:a16="http://schemas.microsoft.com/office/drawing/2014/main" id="{020DEB59-BF94-41B5-8F16-8B10442EE098}"/>
                 </a:ext>
                 <a:ext uri="{C183D7F6-B498-43B3-948B-1728B52AA6E4}">
-                  <adec:decorative xmlns:adec="http://schemas.microsoft.com/office/drawing/2017/decorative" val="1"/>
+                  <adec:decorative xmlns="" xmlns:adec="http://schemas.microsoft.com/office/drawing/2017/decorative" val="1"/>
                 </a:ext>
               </a:extLst>
             </p:cNvPr>
@@ -8929,7 +8979,7 @@
                   <a16:creationId xmlns:a16="http://schemas.microsoft.com/office/drawing/2014/main" id="{9A3BEF6F-FC03-43B1-8D1B-8DA3A360DBF0}"/>
                 </a:ext>
                 <a:ext uri="{C183D7F6-B498-43B3-948B-1728B52AA6E4}">
-                  <adec:decorative xmlns:adec="http://schemas.microsoft.com/office/drawing/2017/decorative" val="1"/>
+                  <adec:decorative xmlns="" xmlns:adec="http://schemas.microsoft.com/office/drawing/2017/decorative" val="1"/>
                 </a:ext>
               </a:extLst>
             </p:cNvPr>
@@ -8973,7 +9023,7 @@
                   <a16:creationId xmlns:a16="http://schemas.microsoft.com/office/drawing/2014/main" id="{0F49BA32-A501-4C79-9A72-92587AB9EEFE}"/>
                 </a:ext>
                 <a:ext uri="{C183D7F6-B498-43B3-948B-1728B52AA6E4}">
-                  <adec:decorative xmlns:adec="http://schemas.microsoft.com/office/drawing/2017/decorative" val="1"/>
+                  <adec:decorative xmlns="" xmlns:adec="http://schemas.microsoft.com/office/drawing/2017/decorative" val="1"/>
                 </a:ext>
               </a:extLst>
             </p:cNvPr>
@@ -9018,7 +9068,7 @@
                 <a16:creationId xmlns:a16="http://schemas.microsoft.com/office/drawing/2014/main" id="{883F92AF-2403-4558-B1D7-72130A1E4BC7}"/>
               </a:ext>
               <a:ext uri="{C183D7F6-B498-43B3-948B-1728B52AA6E4}">
-                <adec:decorative xmlns:adec="http://schemas.microsoft.com/office/drawing/2017/decorative" val="1"/>
+                <adec:decorative xmlns="" xmlns:adec="http://schemas.microsoft.com/office/drawing/2017/decorative" val="1"/>
               </a:ext>
             </a:extLst>
           </p:cNvPr>
@@ -9233,6 +9283,13 @@
   <p:clrMapOvr>
     <a:masterClrMapping/>
   </p:clrMapOvr>
+  <p:timing>
+    <p:tnLst>
+      <p:par>
+        <p:cTn id="1" dur="indefinite" restart="never" nodeType="tmRoot"/>
+      </p:par>
+    </p:tnLst>
+  </p:timing>
 </p:sld>
 </file>
 
@@ -9269,7 +9326,7 @@
                 <a16:creationId xmlns:a16="http://schemas.microsoft.com/office/drawing/2014/main" id="{3F6D81C7-B083-478E-82FE-089A8CB72EB8}"/>
               </a:ext>
               <a:ext uri="{C183D7F6-B498-43B3-948B-1728B52AA6E4}">
-                <adec:decorative xmlns:adec="http://schemas.microsoft.com/office/drawing/2017/decorative" val="1"/>
+                <adec:decorative xmlns="" xmlns:adec="http://schemas.microsoft.com/office/drawing/2017/decorative" val="1"/>
               </a:ext>
             </a:extLst>
           </p:cNvPr>
@@ -9300,7 +9357,7 @@
                   <a16:creationId xmlns:a16="http://schemas.microsoft.com/office/drawing/2014/main" id="{8398EDA2-4889-433D-AC01-5214D79764ED}"/>
                 </a:ext>
                 <a:ext uri="{C183D7F6-B498-43B3-948B-1728B52AA6E4}">
-                  <adec:decorative xmlns:adec="http://schemas.microsoft.com/office/drawing/2017/decorative" val="1"/>
+                  <adec:decorative xmlns="" xmlns:adec="http://schemas.microsoft.com/office/drawing/2017/decorative" val="1"/>
                 </a:ext>
               </a:extLst>
             </p:cNvPr>
@@ -9345,7 +9402,7 @@
                   <a16:creationId xmlns:a16="http://schemas.microsoft.com/office/drawing/2014/main" id="{0099D46A-AF52-46FD-938B-D31189460A2F}"/>
                 </a:ext>
                 <a:ext uri="{C183D7F6-B498-43B3-948B-1728B52AA6E4}">
-                  <adec:decorative xmlns:adec="http://schemas.microsoft.com/office/drawing/2017/decorative" val="1"/>
+                  <adec:decorative xmlns="" xmlns:adec="http://schemas.microsoft.com/office/drawing/2017/decorative" val="1"/>
                 </a:ext>
               </a:extLst>
             </p:cNvPr>
@@ -9394,7 +9451,7 @@
                   <a16:creationId xmlns:a16="http://schemas.microsoft.com/office/drawing/2014/main" id="{C933E919-C473-4F0E-9DBC-CC65FC9E926E}"/>
                 </a:ext>
                 <a:ext uri="{C183D7F6-B498-43B3-948B-1728B52AA6E4}">
-                  <adec:decorative xmlns:adec="http://schemas.microsoft.com/office/drawing/2017/decorative" val="1"/>
+                  <adec:decorative xmlns="" xmlns:adec="http://schemas.microsoft.com/office/drawing/2017/decorative" val="1"/>
                 </a:ext>
               </a:extLst>
             </p:cNvPr>
@@ -9438,7 +9495,7 @@
                   <a16:creationId xmlns:a16="http://schemas.microsoft.com/office/drawing/2014/main" id="{FBBF3BDD-5C99-4FDC-BBCB-E711359D93F6}"/>
                 </a:ext>
                 <a:ext uri="{C183D7F6-B498-43B3-948B-1728B52AA6E4}">
-                  <adec:decorative xmlns:adec="http://schemas.microsoft.com/office/drawing/2017/decorative" val="1"/>
+                  <adec:decorative xmlns="" xmlns:adec="http://schemas.microsoft.com/office/drawing/2017/decorative" val="1"/>
                 </a:ext>
               </a:extLst>
             </p:cNvPr>
@@ -9483,7 +9540,7 @@
                 <a16:creationId xmlns:a16="http://schemas.microsoft.com/office/drawing/2014/main" id="{F06B54F2-CD11-4359-A7D6-DA7C76C091A6}"/>
               </a:ext>
               <a:ext uri="{C183D7F6-B498-43B3-948B-1728B52AA6E4}">
-                <adec:decorative xmlns:adec="http://schemas.microsoft.com/office/drawing/2017/decorative" val="1"/>
+                <adec:decorative xmlns="" xmlns:adec="http://schemas.microsoft.com/office/drawing/2017/decorative" val="1"/>
               </a:ext>
             </a:extLst>
           </p:cNvPr>
@@ -9531,7 +9588,7 @@
                 <a16:creationId xmlns:a16="http://schemas.microsoft.com/office/drawing/2014/main" id="{333F0879-3DA0-4CB8-B35E-A0AD42558191}"/>
               </a:ext>
               <a:ext uri="{C183D7F6-B498-43B3-948B-1728B52AA6E4}">
-                <adec:decorative xmlns:adec="http://schemas.microsoft.com/office/drawing/2017/decorative" val="1"/>
+                <adec:decorative xmlns="" xmlns:adec="http://schemas.microsoft.com/office/drawing/2017/decorative" val="1"/>
               </a:ext>
             </a:extLst>
           </p:cNvPr>
@@ -9591,7 +9648,7 @@
                 <a16:creationId xmlns:a16="http://schemas.microsoft.com/office/drawing/2014/main" id="{324D2183-F388-476E-92A9-D6639D698580}"/>
               </a:ext>
               <a:ext uri="{C183D7F6-B498-43B3-948B-1728B52AA6E4}">
-                <adec:decorative xmlns:adec="http://schemas.microsoft.com/office/drawing/2017/decorative" val="1"/>
+                <adec:decorative xmlns="" xmlns:adec="http://schemas.microsoft.com/office/drawing/2017/decorative" val="1"/>
               </a:ext>
             </a:extLst>
           </p:cNvPr>
@@ -9673,7 +9730,7 @@
                 <a16:creationId xmlns:a16="http://schemas.microsoft.com/office/drawing/2014/main" id="{243462E7-1698-4B21-BE89-AEFAC7C2FEFA}"/>
               </a:ext>
               <a:ext uri="{C183D7F6-B498-43B3-948B-1728B52AA6E4}">
-                <adec:decorative xmlns:adec="http://schemas.microsoft.com/office/drawing/2017/decorative" val="1"/>
+                <adec:decorative xmlns="" xmlns:adec="http://schemas.microsoft.com/office/drawing/2017/decorative" val="1"/>
               </a:ext>
             </a:extLst>
           </p:cNvPr>
@@ -10102,7 +10159,7 @@
                 <a16:creationId xmlns:a16="http://schemas.microsoft.com/office/drawing/2014/main" id="{6C22FCAC-D7EC-4A52-B153-FF761E2235B3}"/>
               </a:ext>
               <a:ext uri="{C183D7F6-B498-43B3-948B-1728B52AA6E4}">
-                <adec:decorative xmlns:adec="http://schemas.microsoft.com/office/drawing/2017/decorative" val="1"/>
+                <adec:decorative xmlns="" xmlns:adec="http://schemas.microsoft.com/office/drawing/2017/decorative" val="1"/>
               </a:ext>
             </a:extLst>
           </p:cNvPr>
@@ -10232,6 +10289,13 @@
   <p:clrMapOvr>
     <a:masterClrMapping/>
   </p:clrMapOvr>
+  <p:timing>
+    <p:tnLst>
+      <p:par>
+        <p:cTn id="1" dur="indefinite" restart="never" nodeType="tmRoot"/>
+      </p:par>
+    </p:tnLst>
+  </p:timing>
 </p:sld>
 </file>
 
@@ -10268,7 +10332,7 @@
                 <a16:creationId xmlns:a16="http://schemas.microsoft.com/office/drawing/2014/main" id="{3F6D81C7-B083-478E-82FE-089A8CB72EB8}"/>
               </a:ext>
               <a:ext uri="{C183D7F6-B498-43B3-948B-1728B52AA6E4}">
-                <adec:decorative xmlns:adec="http://schemas.microsoft.com/office/drawing/2017/decorative" val="1"/>
+                <adec:decorative xmlns="" xmlns:adec="http://schemas.microsoft.com/office/drawing/2017/decorative" val="1"/>
               </a:ext>
             </a:extLst>
           </p:cNvPr>
@@ -10299,7 +10363,7 @@
                   <a16:creationId xmlns:a16="http://schemas.microsoft.com/office/drawing/2014/main" id="{8398EDA2-4889-433D-AC01-5214D79764ED}"/>
                 </a:ext>
                 <a:ext uri="{C183D7F6-B498-43B3-948B-1728B52AA6E4}">
-                  <adec:decorative xmlns:adec="http://schemas.microsoft.com/office/drawing/2017/decorative" val="1"/>
+                  <adec:decorative xmlns="" xmlns:adec="http://schemas.microsoft.com/office/drawing/2017/decorative" val="1"/>
                 </a:ext>
               </a:extLst>
             </p:cNvPr>
@@ -10344,7 +10408,7 @@
                   <a16:creationId xmlns:a16="http://schemas.microsoft.com/office/drawing/2014/main" id="{0099D46A-AF52-46FD-938B-D31189460A2F}"/>
                 </a:ext>
                 <a:ext uri="{C183D7F6-B498-43B3-948B-1728B52AA6E4}">
-                  <adec:decorative xmlns:adec="http://schemas.microsoft.com/office/drawing/2017/decorative" val="1"/>
+                  <adec:decorative xmlns="" xmlns:adec="http://schemas.microsoft.com/office/drawing/2017/decorative" val="1"/>
                 </a:ext>
               </a:extLst>
             </p:cNvPr>
@@ -10393,7 +10457,7 @@
                   <a16:creationId xmlns:a16="http://schemas.microsoft.com/office/drawing/2014/main" id="{C933E919-C473-4F0E-9DBC-CC65FC9E926E}"/>
                 </a:ext>
                 <a:ext uri="{C183D7F6-B498-43B3-948B-1728B52AA6E4}">
-                  <adec:decorative xmlns:adec="http://schemas.microsoft.com/office/drawing/2017/decorative" val="1"/>
+                  <adec:decorative xmlns="" xmlns:adec="http://schemas.microsoft.com/office/drawing/2017/decorative" val="1"/>
                 </a:ext>
               </a:extLst>
             </p:cNvPr>
@@ -10437,7 +10501,7 @@
                   <a16:creationId xmlns:a16="http://schemas.microsoft.com/office/drawing/2014/main" id="{FBBF3BDD-5C99-4FDC-BBCB-E711359D93F6}"/>
                 </a:ext>
                 <a:ext uri="{C183D7F6-B498-43B3-948B-1728B52AA6E4}">
-                  <adec:decorative xmlns:adec="http://schemas.microsoft.com/office/drawing/2017/decorative" val="1"/>
+                  <adec:decorative xmlns="" xmlns:adec="http://schemas.microsoft.com/office/drawing/2017/decorative" val="1"/>
                 </a:ext>
               </a:extLst>
             </p:cNvPr>
@@ -10482,7 +10546,7 @@
                 <a16:creationId xmlns:a16="http://schemas.microsoft.com/office/drawing/2014/main" id="{F06B54F2-CD11-4359-A7D6-DA7C76C091A6}"/>
               </a:ext>
               <a:ext uri="{C183D7F6-B498-43B3-948B-1728B52AA6E4}">
-                <adec:decorative xmlns:adec="http://schemas.microsoft.com/office/drawing/2017/decorative" val="1"/>
+                <adec:decorative xmlns="" xmlns:adec="http://schemas.microsoft.com/office/drawing/2017/decorative" val="1"/>
               </a:ext>
             </a:extLst>
           </p:cNvPr>
@@ -10530,7 +10594,7 @@
                 <a16:creationId xmlns:a16="http://schemas.microsoft.com/office/drawing/2014/main" id="{333F0879-3DA0-4CB8-B35E-A0AD42558191}"/>
               </a:ext>
               <a:ext uri="{C183D7F6-B498-43B3-948B-1728B52AA6E4}">
-                <adec:decorative xmlns:adec="http://schemas.microsoft.com/office/drawing/2017/decorative" val="1"/>
+                <adec:decorative xmlns="" xmlns:adec="http://schemas.microsoft.com/office/drawing/2017/decorative" val="1"/>
               </a:ext>
             </a:extLst>
           </p:cNvPr>
@@ -10590,7 +10654,7 @@
                 <a16:creationId xmlns:a16="http://schemas.microsoft.com/office/drawing/2014/main" id="{324D2183-F388-476E-92A9-D6639D698580}"/>
               </a:ext>
               <a:ext uri="{C183D7F6-B498-43B3-948B-1728B52AA6E4}">
-                <adec:decorative xmlns:adec="http://schemas.microsoft.com/office/drawing/2017/decorative" val="1"/>
+                <adec:decorative xmlns="" xmlns:adec="http://schemas.microsoft.com/office/drawing/2017/decorative" val="1"/>
               </a:ext>
             </a:extLst>
           </p:cNvPr>
@@ -10672,7 +10736,7 @@
                 <a16:creationId xmlns:a16="http://schemas.microsoft.com/office/drawing/2014/main" id="{243462E7-1698-4B21-BE89-AEFAC7C2FEFA}"/>
               </a:ext>
               <a:ext uri="{C183D7F6-B498-43B3-948B-1728B52AA6E4}">
-                <adec:decorative xmlns:adec="http://schemas.microsoft.com/office/drawing/2017/decorative" val="1"/>
+                <adec:decorative xmlns="" xmlns:adec="http://schemas.microsoft.com/office/drawing/2017/decorative" val="1"/>
               </a:ext>
             </a:extLst>
           </p:cNvPr>
@@ -10849,7 +10913,7 @@
                 <a16:creationId xmlns:a16="http://schemas.microsoft.com/office/drawing/2014/main" id="{6C22FCAC-D7EC-4A52-B153-FF761E2235B3}"/>
               </a:ext>
               <a:ext uri="{C183D7F6-B498-43B3-948B-1728B52AA6E4}">
-                <adec:decorative xmlns:adec="http://schemas.microsoft.com/office/drawing/2017/decorative" val="1"/>
+                <adec:decorative xmlns="" xmlns:adec="http://schemas.microsoft.com/office/drawing/2017/decorative" val="1"/>
               </a:ext>
             </a:extLst>
           </p:cNvPr>
@@ -10979,6 +11043,13 @@
   <p:clrMapOvr>
     <a:masterClrMapping/>
   </p:clrMapOvr>
+  <p:timing>
+    <p:tnLst>
+      <p:par>
+        <p:cTn id="1" dur="indefinite" restart="never" nodeType="tmRoot"/>
+      </p:par>
+    </p:tnLst>
+  </p:timing>
 </p:sld>
 </file>
 
@@ -11018,7 +11089,7 @@
                 <a16:creationId xmlns:a16="http://schemas.microsoft.com/office/drawing/2014/main" id="{749C117F-F390-437B-ADB0-57E87EFF34F5}"/>
               </a:ext>
               <a:ext uri="{C183D7F6-B498-43B3-948B-1728B52AA6E4}">
-                <adec:decorative xmlns:adec="http://schemas.microsoft.com/office/drawing/2017/decorative" val="1"/>
+                <adec:decorative xmlns="" xmlns:adec="http://schemas.microsoft.com/office/drawing/2017/decorative" val="1"/>
               </a:ext>
             </a:extLst>
           </p:cNvPr>
@@ -11049,7 +11120,7 @@
                   <a16:creationId xmlns:a16="http://schemas.microsoft.com/office/drawing/2014/main" id="{A7EF42F8-2417-49A6-95CE-DE9503B0AA66}"/>
                 </a:ext>
                 <a:ext uri="{C183D7F6-B498-43B3-948B-1728B52AA6E4}">
-                  <adec:decorative xmlns:adec="http://schemas.microsoft.com/office/drawing/2017/decorative" val="1"/>
+                  <adec:decorative xmlns="" xmlns:adec="http://schemas.microsoft.com/office/drawing/2017/decorative" val="1"/>
                 </a:ext>
               </a:extLst>
             </p:cNvPr>
@@ -11094,7 +11165,7 @@
                   <a16:creationId xmlns:a16="http://schemas.microsoft.com/office/drawing/2014/main" id="{AC6F623B-2003-4AED-B02F-541A150EC143}"/>
                 </a:ext>
                 <a:ext uri="{C183D7F6-B498-43B3-948B-1728B52AA6E4}">
-                  <adec:decorative xmlns:adec="http://schemas.microsoft.com/office/drawing/2017/decorative" val="1"/>
+                  <adec:decorative xmlns="" xmlns:adec="http://schemas.microsoft.com/office/drawing/2017/decorative" val="1"/>
                 </a:ext>
               </a:extLst>
             </p:cNvPr>
@@ -11143,7 +11214,7 @@
                   <a16:creationId xmlns:a16="http://schemas.microsoft.com/office/drawing/2014/main" id="{CD11837A-4F3D-419F-ACE2-E80B1EA2846F}"/>
                 </a:ext>
                 <a:ext uri="{C183D7F6-B498-43B3-948B-1728B52AA6E4}">
-                  <adec:decorative xmlns:adec="http://schemas.microsoft.com/office/drawing/2017/decorative" val="1"/>
+                  <adec:decorative xmlns="" xmlns:adec="http://schemas.microsoft.com/office/drawing/2017/decorative" val="1"/>
                 </a:ext>
               </a:extLst>
             </p:cNvPr>
@@ -11187,7 +11258,7 @@
                   <a16:creationId xmlns:a16="http://schemas.microsoft.com/office/drawing/2014/main" id="{B9411D1A-7E2C-4A36-BE32-BF7A8E130723}"/>
                 </a:ext>
                 <a:ext uri="{C183D7F6-B498-43B3-948B-1728B52AA6E4}">
-                  <adec:decorative xmlns:adec="http://schemas.microsoft.com/office/drawing/2017/decorative" val="1"/>
+                  <adec:decorative xmlns="" xmlns:adec="http://schemas.microsoft.com/office/drawing/2017/decorative" val="1"/>
                 </a:ext>
               </a:extLst>
             </p:cNvPr>
@@ -11232,7 +11303,7 @@
                 <a16:creationId xmlns:a16="http://schemas.microsoft.com/office/drawing/2014/main" id="{20742BC3-654B-4E41-9A6A-73A42E477639}"/>
               </a:ext>
               <a:ext uri="{C183D7F6-B498-43B3-948B-1728B52AA6E4}">
-                <adec:decorative xmlns:adec="http://schemas.microsoft.com/office/drawing/2017/decorative" val="1"/>
+                <adec:decorative xmlns="" xmlns:adec="http://schemas.microsoft.com/office/drawing/2017/decorative" val="1"/>
               </a:ext>
             </a:extLst>
           </p:cNvPr>
@@ -11279,7 +11350,7 @@
                 <a16:creationId xmlns:a16="http://schemas.microsoft.com/office/drawing/2014/main" id="{9401732C-37EE-4B98-A709-9530173F3802}"/>
               </a:ext>
               <a:ext uri="{C183D7F6-B498-43B3-948B-1728B52AA6E4}">
-                <adec:decorative xmlns:adec="http://schemas.microsoft.com/office/drawing/2017/decorative" val="1"/>
+                <adec:decorative xmlns="" xmlns:adec="http://schemas.microsoft.com/office/drawing/2017/decorative" val="1"/>
               </a:ext>
             </a:extLst>
           </p:cNvPr>
@@ -11339,7 +11410,7 @@
                 <a16:creationId xmlns:a16="http://schemas.microsoft.com/office/drawing/2014/main" id="{654E48C8-2A00-4C54-BC9C-B18EE49E9C13}"/>
               </a:ext>
               <a:ext uri="{C183D7F6-B498-43B3-948B-1728B52AA6E4}">
-                <adec:decorative xmlns:adec="http://schemas.microsoft.com/office/drawing/2017/decorative" val="1"/>
+                <adec:decorative xmlns="" xmlns:adec="http://schemas.microsoft.com/office/drawing/2017/decorative" val="1"/>
               </a:ext>
             </a:extLst>
           </p:cNvPr>
@@ -11370,7 +11441,7 @@
                   <a16:creationId xmlns:a16="http://schemas.microsoft.com/office/drawing/2014/main" id="{CE0A0544-8F52-43F0-AC3E-DF683908B568}"/>
                 </a:ext>
                 <a:ext uri="{C183D7F6-B498-43B3-948B-1728B52AA6E4}">
-                  <adec:decorative xmlns:adec="http://schemas.microsoft.com/office/drawing/2017/decorative" val="1"/>
+                  <adec:decorative xmlns="" xmlns:adec="http://schemas.microsoft.com/office/drawing/2017/decorative" val="1"/>
                 </a:ext>
               </a:extLst>
             </p:cNvPr>
@@ -11415,7 +11486,7 @@
                   <a16:creationId xmlns:a16="http://schemas.microsoft.com/office/drawing/2014/main" id="{2F4057D3-A680-4443-9E51-ED920A691EB1}"/>
                 </a:ext>
                 <a:ext uri="{C183D7F6-B498-43B3-948B-1728B52AA6E4}">
-                  <adec:decorative xmlns:adec="http://schemas.microsoft.com/office/drawing/2017/decorative" val="1"/>
+                  <adec:decorative xmlns="" xmlns:adec="http://schemas.microsoft.com/office/drawing/2017/decorative" val="1"/>
                 </a:ext>
               </a:extLst>
             </p:cNvPr>
@@ -11464,7 +11535,7 @@
                   <a16:creationId xmlns:a16="http://schemas.microsoft.com/office/drawing/2014/main" id="{2F6853A4-7B38-4FDE-B024-AE8BA71E738C}"/>
                 </a:ext>
                 <a:ext uri="{C183D7F6-B498-43B3-948B-1728B52AA6E4}">
-                  <adec:decorative xmlns:adec="http://schemas.microsoft.com/office/drawing/2017/decorative" val="1"/>
+                  <adec:decorative xmlns="" xmlns:adec="http://schemas.microsoft.com/office/drawing/2017/decorative" val="1"/>
                 </a:ext>
               </a:extLst>
             </p:cNvPr>
@@ -11508,7 +11579,7 @@
                   <a16:creationId xmlns:a16="http://schemas.microsoft.com/office/drawing/2014/main" id="{86ADF4DB-4290-4441-8F8E-04152FE60631}"/>
                 </a:ext>
                 <a:ext uri="{C183D7F6-B498-43B3-948B-1728B52AA6E4}">
-                  <adec:decorative xmlns:adec="http://schemas.microsoft.com/office/drawing/2017/decorative" val="1"/>
+                  <adec:decorative xmlns="" xmlns:adec="http://schemas.microsoft.com/office/drawing/2017/decorative" val="1"/>
                 </a:ext>
               </a:extLst>
             </p:cNvPr>
@@ -11599,7 +11670,7 @@
                 <a14:useLocalDpi xmlns:a14="http://schemas.microsoft.com/office/drawing/2010/main" val="0"/>
               </a:ext>
               <a:ext uri="{96DAC541-7B7A-43D3-8B79-37D633B846F1}">
-                <asvg:svgBlip xmlns:asvg="http://schemas.microsoft.com/office/drawing/2016/SVG/main" r:embed="rId8"/>
+                <asvg:svgBlip xmlns="" xmlns:asvg="http://schemas.microsoft.com/office/drawing/2016/SVG/main" r:embed="rId8"/>
               </a:ext>
             </a:extLst>
           </a:blip>
@@ -11669,6 +11740,13 @@
   <p:clrMapOvr>
     <a:masterClrMapping/>
   </p:clrMapOvr>
+  <p:timing>
+    <p:tnLst>
+      <p:par>
+        <p:cTn id="1" dur="indefinite" restart="never" nodeType="tmRoot"/>
+      </p:par>
+    </p:tnLst>
+  </p:timing>
 </p:sld>
 </file>
 
@@ -11828,6 +11906,13 @@
   <p:clrMapOvr>
     <a:masterClrMapping/>
   </p:clrMapOvr>
+  <p:timing>
+    <p:tnLst>
+      <p:par>
+        <p:cTn id="1" dur="indefinite" restart="never" nodeType="tmRoot"/>
+      </p:par>
+    </p:tnLst>
+  </p:timing>
 </p:sld>
 </file>
 
@@ -11948,6 +12033,13 @@
   <p:clrMapOvr>
     <a:masterClrMapping/>
   </p:clrMapOvr>
+  <p:timing>
+    <p:tnLst>
+      <p:par>
+        <p:cTn id="1" dur="indefinite" restart="never" nodeType="tmRoot"/>
+      </p:par>
+    </p:tnLst>
+  </p:timing>
 </p:sld>
 </file>
 
@@ -11984,7 +12076,7 @@
                 <a16:creationId xmlns:a16="http://schemas.microsoft.com/office/drawing/2014/main" id="{52BE4420-3B5F-4549-8B4A-77855B8215EC}"/>
               </a:ext>
               <a:ext uri="{C183D7F6-B498-43B3-948B-1728B52AA6E4}">
-                <adec:decorative xmlns:adec="http://schemas.microsoft.com/office/drawing/2017/decorative" val="1"/>
+                <adec:decorative xmlns="" xmlns:adec="http://schemas.microsoft.com/office/drawing/2017/decorative" val="1"/>
               </a:ext>
             </a:extLst>
           </p:cNvPr>
@@ -12044,7 +12136,7 @@
                 <a16:creationId xmlns:a16="http://schemas.microsoft.com/office/drawing/2014/main" id="{A75876F6-95D4-48CB-8E3E-4401A96E25A4}"/>
               </a:ext>
               <a:ext uri="{C183D7F6-B498-43B3-948B-1728B52AA6E4}">
-                <adec:decorative xmlns:adec="http://schemas.microsoft.com/office/drawing/2017/decorative" val="1"/>
+                <adec:decorative xmlns="" xmlns:adec="http://schemas.microsoft.com/office/drawing/2017/decorative" val="1"/>
               </a:ext>
             </a:extLst>
           </p:cNvPr>
@@ -12126,7 +12218,7 @@
                 <a16:creationId xmlns:a16="http://schemas.microsoft.com/office/drawing/2014/main" id="{D1B84719-90BB-4D0C-92D8-61DC5512B34B}"/>
               </a:ext>
               <a:ext uri="{C183D7F6-B498-43B3-948B-1728B52AA6E4}">
-                <adec:decorative xmlns:adec="http://schemas.microsoft.com/office/drawing/2017/decorative" val="1"/>
+                <adec:decorative xmlns="" xmlns:adec="http://schemas.microsoft.com/office/drawing/2017/decorative" val="1"/>
               </a:ext>
             </a:extLst>
           </p:cNvPr>
@@ -12215,7 +12307,7 @@
                 <a16:creationId xmlns:a16="http://schemas.microsoft.com/office/drawing/2014/main" id="{7B407EC4-5D16-4845-9840-4E28622B6568}"/>
               </a:ext>
               <a:ext uri="{C183D7F6-B498-43B3-948B-1728B52AA6E4}">
-                <adec:decorative xmlns:adec="http://schemas.microsoft.com/office/drawing/2017/decorative" val="1"/>
+                <adec:decorative xmlns="" xmlns:adec="http://schemas.microsoft.com/office/drawing/2017/decorative" val="1"/>
               </a:ext>
             </a:extLst>
           </p:cNvPr>
@@ -12308,6 +12400,13 @@
   <p:clrMapOvr>
     <a:masterClrMapping/>
   </p:clrMapOvr>
+  <p:timing>
+    <p:tnLst>
+      <p:par>
+        <p:cTn id="1" dur="indefinite" restart="never" nodeType="tmRoot"/>
+      </p:par>
+    </p:tnLst>
+  </p:timing>
 </p:sld>
 </file>
 
@@ -12393,6 +12492,13 @@
   <p:clrMapOvr>
     <a:masterClrMapping/>
   </p:clrMapOvr>
+  <p:timing>
+    <p:tnLst>
+      <p:par>
+        <p:cTn id="1" dur="indefinite" restart="never" nodeType="tmRoot"/>
+      </p:par>
+    </p:tnLst>
+  </p:timing>
 </p:sld>
 </file>
 
@@ -12432,7 +12538,7 @@
                 <a16:creationId xmlns:a16="http://schemas.microsoft.com/office/drawing/2014/main" id="{DFB5D1BB-0703-437B-BD1E-1D07F8A2730B}"/>
               </a:ext>
               <a:ext uri="{C183D7F6-B498-43B3-948B-1728B52AA6E4}">
-                <adec:decorative xmlns:adec="http://schemas.microsoft.com/office/drawing/2017/decorative" val="1"/>
+                <adec:decorative xmlns="" xmlns:adec="http://schemas.microsoft.com/office/drawing/2017/decorative" val="1"/>
               </a:ext>
             </a:extLst>
           </p:cNvPr>
@@ -12463,7 +12569,7 @@
                   <a16:creationId xmlns:a16="http://schemas.microsoft.com/office/drawing/2014/main" id="{3886586B-3F0F-4593-B272-AE75AD0F0929}"/>
                 </a:ext>
                 <a:ext uri="{C183D7F6-B498-43B3-948B-1728B52AA6E4}">
-                  <adec:decorative xmlns:adec="http://schemas.microsoft.com/office/drawing/2017/decorative" val="1"/>
+                  <adec:decorative xmlns="" xmlns:adec="http://schemas.microsoft.com/office/drawing/2017/decorative" val="1"/>
                 </a:ext>
               </a:extLst>
             </p:cNvPr>
@@ -12508,7 +12614,7 @@
                   <a16:creationId xmlns:a16="http://schemas.microsoft.com/office/drawing/2014/main" id="{020DEB59-BF94-41B5-8F16-8B10442EE098}"/>
                 </a:ext>
                 <a:ext uri="{C183D7F6-B498-43B3-948B-1728B52AA6E4}">
-                  <adec:decorative xmlns:adec="http://schemas.microsoft.com/office/drawing/2017/decorative" val="1"/>
+                  <adec:decorative xmlns="" xmlns:adec="http://schemas.microsoft.com/office/drawing/2017/decorative" val="1"/>
                 </a:ext>
               </a:extLst>
             </p:cNvPr>
@@ -12557,7 +12663,7 @@
                   <a16:creationId xmlns:a16="http://schemas.microsoft.com/office/drawing/2014/main" id="{9A3BEF6F-FC03-43B1-8D1B-8DA3A360DBF0}"/>
                 </a:ext>
                 <a:ext uri="{C183D7F6-B498-43B3-948B-1728B52AA6E4}">
-                  <adec:decorative xmlns:adec="http://schemas.microsoft.com/office/drawing/2017/decorative" val="1"/>
+                  <adec:decorative xmlns="" xmlns:adec="http://schemas.microsoft.com/office/drawing/2017/decorative" val="1"/>
                 </a:ext>
               </a:extLst>
             </p:cNvPr>
@@ -12601,7 +12707,7 @@
                   <a16:creationId xmlns:a16="http://schemas.microsoft.com/office/drawing/2014/main" id="{0F49BA32-A501-4C79-9A72-92587AB9EEFE}"/>
                 </a:ext>
                 <a:ext uri="{C183D7F6-B498-43B3-948B-1728B52AA6E4}">
-                  <adec:decorative xmlns:adec="http://schemas.microsoft.com/office/drawing/2017/decorative" val="1"/>
+                  <adec:decorative xmlns="" xmlns:adec="http://schemas.microsoft.com/office/drawing/2017/decorative" val="1"/>
                 </a:ext>
               </a:extLst>
             </p:cNvPr>
@@ -12646,7 +12752,7 @@
                 <a16:creationId xmlns:a16="http://schemas.microsoft.com/office/drawing/2014/main" id="{883F92AF-2403-4558-B1D7-72130A1E4BC7}"/>
               </a:ext>
               <a:ext uri="{C183D7F6-B498-43B3-948B-1728B52AA6E4}">
-                <adec:decorative xmlns:adec="http://schemas.microsoft.com/office/drawing/2017/decorative" val="1"/>
+                <adec:decorative xmlns="" xmlns:adec="http://schemas.microsoft.com/office/drawing/2017/decorative" val="1"/>
               </a:ext>
             </a:extLst>
           </p:cNvPr>
@@ -12694,7 +12800,7 @@
                 <a16:creationId xmlns:a16="http://schemas.microsoft.com/office/drawing/2014/main" id="{11C7711F-3983-4AB1-AFDE-96F7C06514D3}"/>
               </a:ext>
               <a:ext uri="{C183D7F6-B498-43B3-948B-1728B52AA6E4}">
-                <adec:decorative xmlns:adec="http://schemas.microsoft.com/office/drawing/2017/decorative" val="1"/>
+                <adec:decorative xmlns="" xmlns:adec="http://schemas.microsoft.com/office/drawing/2017/decorative" val="1"/>
               </a:ext>
             </a:extLst>
           </p:cNvPr>
@@ -12754,7 +12860,7 @@
                 <a16:creationId xmlns:a16="http://schemas.microsoft.com/office/drawing/2014/main" id="{89BC9D38-9241-4F71-9B45-73827299E4C5}"/>
               </a:ext>
               <a:ext uri="{C183D7F6-B498-43B3-948B-1728B52AA6E4}">
-                <adec:decorative xmlns:adec="http://schemas.microsoft.com/office/drawing/2017/decorative" val="1"/>
+                <adec:decorative xmlns="" xmlns:adec="http://schemas.microsoft.com/office/drawing/2017/decorative" val="1"/>
               </a:ext>
             </a:extLst>
           </p:cNvPr>
@@ -12785,7 +12891,7 @@
                   <a16:creationId xmlns:a16="http://schemas.microsoft.com/office/drawing/2014/main" id="{0D302979-39A3-4421-821D-94D6E00BCE8F}"/>
                 </a:ext>
                 <a:ext uri="{C183D7F6-B498-43B3-948B-1728B52AA6E4}">
-                  <adec:decorative xmlns:adec="http://schemas.microsoft.com/office/drawing/2017/decorative" val="1"/>
+                  <adec:decorative xmlns="" xmlns:adec="http://schemas.microsoft.com/office/drawing/2017/decorative" val="1"/>
                 </a:ext>
               </a:extLst>
             </p:cNvPr>
@@ -12830,7 +12936,7 @@
                   <a16:creationId xmlns:a16="http://schemas.microsoft.com/office/drawing/2014/main" id="{68E001BA-C181-4F47-9ABC-DF4C85AB4F17}"/>
                 </a:ext>
                 <a:ext uri="{C183D7F6-B498-43B3-948B-1728B52AA6E4}">
-                  <adec:decorative xmlns:adec="http://schemas.microsoft.com/office/drawing/2017/decorative" val="1"/>
+                  <adec:decorative xmlns="" xmlns:adec="http://schemas.microsoft.com/office/drawing/2017/decorative" val="1"/>
                 </a:ext>
               </a:extLst>
             </p:cNvPr>
@@ -12879,7 +12985,7 @@
                   <a16:creationId xmlns:a16="http://schemas.microsoft.com/office/drawing/2014/main" id="{7EF07F1E-BD52-4B06-A38E-BF29F8E28577}"/>
                 </a:ext>
                 <a:ext uri="{C183D7F6-B498-43B3-948B-1728B52AA6E4}">
-                  <adec:decorative xmlns:adec="http://schemas.microsoft.com/office/drawing/2017/decorative" val="1"/>
+                  <adec:decorative xmlns="" xmlns:adec="http://schemas.microsoft.com/office/drawing/2017/decorative" val="1"/>
                 </a:ext>
               </a:extLst>
             </p:cNvPr>
@@ -12923,7 +13029,7 @@
                   <a16:creationId xmlns:a16="http://schemas.microsoft.com/office/drawing/2014/main" id="{A68BE646-889B-49C2-95AF-90BAE5D29A92}"/>
                 </a:ext>
                 <a:ext uri="{C183D7F6-B498-43B3-948B-1728B52AA6E4}">
-                  <adec:decorative xmlns:adec="http://schemas.microsoft.com/office/drawing/2017/decorative" val="1"/>
+                  <adec:decorative xmlns="" xmlns:adec="http://schemas.microsoft.com/office/drawing/2017/decorative" val="1"/>
                 </a:ext>
               </a:extLst>
             </p:cNvPr>
@@ -12994,10 +13100,10 @@
               </a:lnSpc>
             </a:pPr>
             <a:r>
-              <a:rPr lang="en-US" sz="4100" dirty="0" err="1"/>
+              <a:rPr lang="de-CH" sz="4100" dirty="0" smtClean="0"/>
               <a:t>Einleitung</a:t>
             </a:r>
-            <a:endParaRPr lang="en-US" sz="4100" dirty="0"/>
+            <a:endParaRPr lang="de-CH" sz="4100" dirty="0"/>
           </a:p>
         </p:txBody>
       </p:sp>
@@ -13009,7 +13115,7 @@
                 <a16:creationId xmlns:a16="http://schemas.microsoft.com/office/drawing/2014/main" id="{B3085476-B49E-49ED-87D2-1165E69D2605}"/>
               </a:ext>
               <a:ext uri="{C183D7F6-B498-43B3-948B-1728B52AA6E4}">
-                <adec:decorative xmlns:adec="http://schemas.microsoft.com/office/drawing/2017/decorative" val="1"/>
+                <adec:decorative xmlns="" xmlns:adec="http://schemas.microsoft.com/office/drawing/2017/decorative" val="1"/>
               </a:ext>
             </a:extLst>
           </p:cNvPr>
@@ -13113,7 +13219,7 @@
                 <a16:creationId xmlns:a16="http://schemas.microsoft.com/office/drawing/2014/main" id="{59BA5C68-DFCC-4101-8403-F96781CDDD7A}"/>
               </a:ext>
               <a:ext uri="{C183D7F6-B498-43B3-948B-1728B52AA6E4}">
-                <adec:decorative xmlns:adec="http://schemas.microsoft.com/office/drawing/2017/decorative" val="1"/>
+                <adec:decorative xmlns="" xmlns:adec="http://schemas.microsoft.com/office/drawing/2017/decorative" val="1"/>
               </a:ext>
             </a:extLst>
           </p:cNvPr>
@@ -13342,6 +13448,13 @@
   <p:clrMapOvr>
     <a:masterClrMapping/>
   </p:clrMapOvr>
+  <p:timing>
+    <p:tnLst>
+      <p:par>
+        <p:cTn id="1" dur="indefinite" restart="never" nodeType="tmRoot"/>
+      </p:par>
+    </p:tnLst>
+  </p:timing>
 </p:sld>
 </file>
 
@@ -13378,7 +13491,7 @@
                 <a16:creationId xmlns:a16="http://schemas.microsoft.com/office/drawing/2014/main" id="{DFB5D1BB-0703-437B-BD1E-1D07F8A2730B}"/>
               </a:ext>
               <a:ext uri="{C183D7F6-B498-43B3-948B-1728B52AA6E4}">
-                <adec:decorative xmlns:adec="http://schemas.microsoft.com/office/drawing/2017/decorative" val="1"/>
+                <adec:decorative xmlns="" xmlns:adec="http://schemas.microsoft.com/office/drawing/2017/decorative" val="1"/>
               </a:ext>
             </a:extLst>
           </p:cNvPr>
@@ -13409,7 +13522,7 @@
                   <a16:creationId xmlns:a16="http://schemas.microsoft.com/office/drawing/2014/main" id="{3886586B-3F0F-4593-B272-AE75AD0F0929}"/>
                 </a:ext>
                 <a:ext uri="{C183D7F6-B498-43B3-948B-1728B52AA6E4}">
-                  <adec:decorative xmlns:adec="http://schemas.microsoft.com/office/drawing/2017/decorative" val="1"/>
+                  <adec:decorative xmlns="" xmlns:adec="http://schemas.microsoft.com/office/drawing/2017/decorative" val="1"/>
                 </a:ext>
               </a:extLst>
             </p:cNvPr>
@@ -13454,7 +13567,7 @@
                   <a16:creationId xmlns:a16="http://schemas.microsoft.com/office/drawing/2014/main" id="{020DEB59-BF94-41B5-8F16-8B10442EE098}"/>
                 </a:ext>
                 <a:ext uri="{C183D7F6-B498-43B3-948B-1728B52AA6E4}">
-                  <adec:decorative xmlns:adec="http://schemas.microsoft.com/office/drawing/2017/decorative" val="1"/>
+                  <adec:decorative xmlns="" xmlns:adec="http://schemas.microsoft.com/office/drawing/2017/decorative" val="1"/>
                 </a:ext>
               </a:extLst>
             </p:cNvPr>
@@ -13503,7 +13616,7 @@
                   <a16:creationId xmlns:a16="http://schemas.microsoft.com/office/drawing/2014/main" id="{9A3BEF6F-FC03-43B1-8D1B-8DA3A360DBF0}"/>
                 </a:ext>
                 <a:ext uri="{C183D7F6-B498-43B3-948B-1728B52AA6E4}">
-                  <adec:decorative xmlns:adec="http://schemas.microsoft.com/office/drawing/2017/decorative" val="1"/>
+                  <adec:decorative xmlns="" xmlns:adec="http://schemas.microsoft.com/office/drawing/2017/decorative" val="1"/>
                 </a:ext>
               </a:extLst>
             </p:cNvPr>
@@ -13547,7 +13660,7 @@
                   <a16:creationId xmlns:a16="http://schemas.microsoft.com/office/drawing/2014/main" id="{0F49BA32-A501-4C79-9A72-92587AB9EEFE}"/>
                 </a:ext>
                 <a:ext uri="{C183D7F6-B498-43B3-948B-1728B52AA6E4}">
-                  <adec:decorative xmlns:adec="http://schemas.microsoft.com/office/drawing/2017/decorative" val="1"/>
+                  <adec:decorative xmlns="" xmlns:adec="http://schemas.microsoft.com/office/drawing/2017/decorative" val="1"/>
                 </a:ext>
               </a:extLst>
             </p:cNvPr>
@@ -13592,7 +13705,7 @@
                 <a16:creationId xmlns:a16="http://schemas.microsoft.com/office/drawing/2014/main" id="{883F92AF-2403-4558-B1D7-72130A1E4BC7}"/>
               </a:ext>
               <a:ext uri="{C183D7F6-B498-43B3-948B-1728B52AA6E4}">
-                <adec:decorative xmlns:adec="http://schemas.microsoft.com/office/drawing/2017/decorative" val="1"/>
+                <adec:decorative xmlns="" xmlns:adec="http://schemas.microsoft.com/office/drawing/2017/decorative" val="1"/>
               </a:ext>
             </a:extLst>
           </p:cNvPr>
@@ -13640,7 +13753,7 @@
                 <a16:creationId xmlns:a16="http://schemas.microsoft.com/office/drawing/2014/main" id="{5EB8E3BF-F464-4900-8994-851061A9AD60}"/>
               </a:ext>
               <a:ext uri="{C183D7F6-B498-43B3-948B-1728B52AA6E4}">
-                <adec:decorative xmlns:adec="http://schemas.microsoft.com/office/drawing/2017/decorative" val="1"/>
+                <adec:decorative xmlns="" xmlns:adec="http://schemas.microsoft.com/office/drawing/2017/decorative" val="1"/>
               </a:ext>
             </a:extLst>
           </p:cNvPr>
@@ -13768,7 +13881,7 @@
                 <a16:creationId xmlns:a16="http://schemas.microsoft.com/office/drawing/2014/main" id="{8E0602D6-3A81-42F8-AE67-1BAAFC967CB0}"/>
               </a:ext>
               <a:ext uri="{C183D7F6-B498-43B3-948B-1728B52AA6E4}">
-                <adec:decorative xmlns:adec="http://schemas.microsoft.com/office/drawing/2017/decorative" val="1"/>
+                <adec:decorative xmlns="" xmlns:adec="http://schemas.microsoft.com/office/drawing/2017/decorative" val="1"/>
               </a:ext>
             </a:extLst>
           </p:cNvPr>
@@ -13834,28 +13947,26 @@
           </a:bodyPr>
           <a:lstStyle/>
           <a:p>
+            <a:pPr>
+              <a:spcBef>
+                <a:spcPts val="0"/>
+              </a:spcBef>
+            </a:pPr>
+            <a:r>
+              <a:rPr lang="de-CH" dirty="0" smtClean="0">
+                <a:solidFill>
+                  <a:srgbClr val="FFFFFF"/>
+                </a:solidFill>
+              </a:rPr>
+              <a:t>Grundthemen</a:t>
+            </a:r>
             <a:r>
               <a:rPr lang="de-CH" dirty="0">
                 <a:solidFill>
                   <a:srgbClr val="FFFFFF"/>
                 </a:solidFill>
               </a:rPr>
-              <a:t>Flucht aus der Realität</a:t>
-            </a:r>
-          </a:p>
-          <a:p>
-            <a:pPr>
-              <a:spcBef>
-                <a:spcPts val="0"/>
-              </a:spcBef>
-            </a:pPr>
-            <a:r>
-              <a:rPr lang="de-CH" dirty="0">
-                <a:solidFill>
-                  <a:srgbClr val="FFFFFF"/>
-                </a:solidFill>
-              </a:rPr>
-              <a:t>Grundthemen:  der Mensch</a:t>
+              <a:t>:  der Mensch</a:t>
             </a:r>
           </a:p>
           <a:p>
@@ -13949,6 +14060,13 @@
   <p:clrMapOvr>
     <a:overrideClrMapping bg1="dk1" tx1="lt1" bg2="dk2" tx2="lt2" accent1="accent1" accent2="accent2" accent3="accent3" accent4="accent4" accent5="accent5" accent6="accent6" hlink="hlink" folHlink="folHlink"/>
   </p:clrMapOvr>
+  <p:timing>
+    <p:tnLst>
+      <p:par>
+        <p:cTn id="1" dur="indefinite" restart="never" nodeType="tmRoot"/>
+      </p:par>
+    </p:tnLst>
+  </p:timing>
 </p:sld>
 </file>
 
@@ -13988,7 +14106,7 @@
                 <a16:creationId xmlns:a16="http://schemas.microsoft.com/office/drawing/2014/main" id="{DFB5D1BB-0703-437B-BD1E-1D07F8A2730B}"/>
               </a:ext>
               <a:ext uri="{C183D7F6-B498-43B3-948B-1728B52AA6E4}">
-                <adec:decorative xmlns:adec="http://schemas.microsoft.com/office/drawing/2017/decorative" val="1"/>
+                <adec:decorative xmlns="" xmlns:adec="http://schemas.microsoft.com/office/drawing/2017/decorative" val="1"/>
               </a:ext>
             </a:extLst>
           </p:cNvPr>
@@ -14019,7 +14137,7 @@
                   <a16:creationId xmlns:a16="http://schemas.microsoft.com/office/drawing/2014/main" id="{3886586B-3F0F-4593-B272-AE75AD0F0929}"/>
                 </a:ext>
                 <a:ext uri="{C183D7F6-B498-43B3-948B-1728B52AA6E4}">
-                  <adec:decorative xmlns:adec="http://schemas.microsoft.com/office/drawing/2017/decorative" val="1"/>
+                  <adec:decorative xmlns="" xmlns:adec="http://schemas.microsoft.com/office/drawing/2017/decorative" val="1"/>
                 </a:ext>
               </a:extLst>
             </p:cNvPr>
@@ -14064,7 +14182,7 @@
                   <a16:creationId xmlns:a16="http://schemas.microsoft.com/office/drawing/2014/main" id="{020DEB59-BF94-41B5-8F16-8B10442EE098}"/>
                 </a:ext>
                 <a:ext uri="{C183D7F6-B498-43B3-948B-1728B52AA6E4}">
-                  <adec:decorative xmlns:adec="http://schemas.microsoft.com/office/drawing/2017/decorative" val="1"/>
+                  <adec:decorative xmlns="" xmlns:adec="http://schemas.microsoft.com/office/drawing/2017/decorative" val="1"/>
                 </a:ext>
               </a:extLst>
             </p:cNvPr>
@@ -14113,7 +14231,7 @@
                   <a16:creationId xmlns:a16="http://schemas.microsoft.com/office/drawing/2014/main" id="{9A3BEF6F-FC03-43B1-8D1B-8DA3A360DBF0}"/>
                 </a:ext>
                 <a:ext uri="{C183D7F6-B498-43B3-948B-1728B52AA6E4}">
-                  <adec:decorative xmlns:adec="http://schemas.microsoft.com/office/drawing/2017/decorative" val="1"/>
+                  <adec:decorative xmlns="" xmlns:adec="http://schemas.microsoft.com/office/drawing/2017/decorative" val="1"/>
                 </a:ext>
               </a:extLst>
             </p:cNvPr>
@@ -14157,7 +14275,7 @@
                   <a16:creationId xmlns:a16="http://schemas.microsoft.com/office/drawing/2014/main" id="{0F49BA32-A501-4C79-9A72-92587AB9EEFE}"/>
                 </a:ext>
                 <a:ext uri="{C183D7F6-B498-43B3-948B-1728B52AA6E4}">
-                  <adec:decorative xmlns:adec="http://schemas.microsoft.com/office/drawing/2017/decorative" val="1"/>
+                  <adec:decorative xmlns="" xmlns:adec="http://schemas.microsoft.com/office/drawing/2017/decorative" val="1"/>
                 </a:ext>
               </a:extLst>
             </p:cNvPr>
@@ -14202,7 +14320,7 @@
                 <a16:creationId xmlns:a16="http://schemas.microsoft.com/office/drawing/2014/main" id="{883F92AF-2403-4558-B1D7-72130A1E4BC7}"/>
               </a:ext>
               <a:ext uri="{C183D7F6-B498-43B3-948B-1728B52AA6E4}">
-                <adec:decorative xmlns:adec="http://schemas.microsoft.com/office/drawing/2017/decorative" val="1"/>
+                <adec:decorative xmlns="" xmlns:adec="http://schemas.microsoft.com/office/drawing/2017/decorative" val="1"/>
               </a:ext>
             </a:extLst>
           </p:cNvPr>
@@ -14250,7 +14368,7 @@
                 <a16:creationId xmlns:a16="http://schemas.microsoft.com/office/drawing/2014/main" id="{11C7711F-3983-4AB1-AFDE-96F7C06514D3}"/>
               </a:ext>
               <a:ext uri="{C183D7F6-B498-43B3-948B-1728B52AA6E4}">
-                <adec:decorative xmlns:adec="http://schemas.microsoft.com/office/drawing/2017/decorative" val="1"/>
+                <adec:decorative xmlns="" xmlns:adec="http://schemas.microsoft.com/office/drawing/2017/decorative" val="1"/>
               </a:ext>
             </a:extLst>
           </p:cNvPr>
@@ -14310,7 +14428,7 @@
                 <a16:creationId xmlns:a16="http://schemas.microsoft.com/office/drawing/2014/main" id="{89BC9D38-9241-4F71-9B45-73827299E4C5}"/>
               </a:ext>
               <a:ext uri="{C183D7F6-B498-43B3-948B-1728B52AA6E4}">
-                <adec:decorative xmlns:adec="http://schemas.microsoft.com/office/drawing/2017/decorative" val="1"/>
+                <adec:decorative xmlns="" xmlns:adec="http://schemas.microsoft.com/office/drawing/2017/decorative" val="1"/>
               </a:ext>
             </a:extLst>
           </p:cNvPr>
@@ -14341,7 +14459,7 @@
                   <a16:creationId xmlns:a16="http://schemas.microsoft.com/office/drawing/2014/main" id="{0D302979-39A3-4421-821D-94D6E00BCE8F}"/>
                 </a:ext>
                 <a:ext uri="{C183D7F6-B498-43B3-948B-1728B52AA6E4}">
-                  <adec:decorative xmlns:adec="http://schemas.microsoft.com/office/drawing/2017/decorative" val="1"/>
+                  <adec:decorative xmlns="" xmlns:adec="http://schemas.microsoft.com/office/drawing/2017/decorative" val="1"/>
                 </a:ext>
               </a:extLst>
             </p:cNvPr>
@@ -14386,7 +14504,7 @@
                   <a16:creationId xmlns:a16="http://schemas.microsoft.com/office/drawing/2014/main" id="{68E001BA-C181-4F47-9ABC-DF4C85AB4F17}"/>
                 </a:ext>
                 <a:ext uri="{C183D7F6-B498-43B3-948B-1728B52AA6E4}">
-                  <adec:decorative xmlns:adec="http://schemas.microsoft.com/office/drawing/2017/decorative" val="1"/>
+                  <adec:decorative xmlns="" xmlns:adec="http://schemas.microsoft.com/office/drawing/2017/decorative" val="1"/>
                 </a:ext>
               </a:extLst>
             </p:cNvPr>
@@ -14435,7 +14553,7 @@
                   <a16:creationId xmlns:a16="http://schemas.microsoft.com/office/drawing/2014/main" id="{7EF07F1E-BD52-4B06-A38E-BF29F8E28577}"/>
                 </a:ext>
                 <a:ext uri="{C183D7F6-B498-43B3-948B-1728B52AA6E4}">
-                  <adec:decorative xmlns:adec="http://schemas.microsoft.com/office/drawing/2017/decorative" val="1"/>
+                  <adec:decorative xmlns="" xmlns:adec="http://schemas.microsoft.com/office/drawing/2017/decorative" val="1"/>
                 </a:ext>
               </a:extLst>
             </p:cNvPr>
@@ -14479,7 +14597,7 @@
                   <a16:creationId xmlns:a16="http://schemas.microsoft.com/office/drawing/2014/main" id="{A68BE646-889B-49C2-95AF-90BAE5D29A92}"/>
                 </a:ext>
                 <a:ext uri="{C183D7F6-B498-43B3-948B-1728B52AA6E4}">
-                  <adec:decorative xmlns:adec="http://schemas.microsoft.com/office/drawing/2017/decorative" val="1"/>
+                  <adec:decorative xmlns="" xmlns:adec="http://schemas.microsoft.com/office/drawing/2017/decorative" val="1"/>
                 </a:ext>
               </a:extLst>
             </p:cNvPr>
@@ -14554,7 +14672,7 @@
                 <a16:creationId xmlns:a16="http://schemas.microsoft.com/office/drawing/2014/main" id="{B3085476-B49E-49ED-87D2-1165E69D2605}"/>
               </a:ext>
               <a:ext uri="{C183D7F6-B498-43B3-948B-1728B52AA6E4}">
-                <adec:decorative xmlns:adec="http://schemas.microsoft.com/office/drawing/2017/decorative" val="1"/>
+                <adec:decorative xmlns="" xmlns:adec="http://schemas.microsoft.com/office/drawing/2017/decorative" val="1"/>
               </a:ext>
             </a:extLst>
           </p:cNvPr>
@@ -14662,7 +14780,7 @@
                 <a16:creationId xmlns:a16="http://schemas.microsoft.com/office/drawing/2014/main" id="{59BA5C68-DFCC-4101-8403-F96781CDDD7A}"/>
               </a:ext>
               <a:ext uri="{C183D7F6-B498-43B3-948B-1728B52AA6E4}">
-                <adec:decorative xmlns:adec="http://schemas.microsoft.com/office/drawing/2017/decorative" val="1"/>
+                <adec:decorative xmlns="" xmlns:adec="http://schemas.microsoft.com/office/drawing/2017/decorative" val="1"/>
               </a:ext>
             </a:extLst>
           </p:cNvPr>
@@ -14785,6 +14903,13 @@
   <p:clrMapOvr>
     <a:masterClrMapping/>
   </p:clrMapOvr>
+  <p:timing>
+    <p:tnLst>
+      <p:par>
+        <p:cTn id="1" dur="indefinite" restart="never" nodeType="tmRoot"/>
+      </p:par>
+    </p:tnLst>
+  </p:timing>
 </p:sld>
 </file>
 
@@ -14824,7 +14949,7 @@
                 <a16:creationId xmlns:a16="http://schemas.microsoft.com/office/drawing/2014/main" id="{DFB5D1BB-0703-437B-BD1E-1D07F8A2730B}"/>
               </a:ext>
               <a:ext uri="{C183D7F6-B498-43B3-948B-1728B52AA6E4}">
-                <adec:decorative xmlns:adec="http://schemas.microsoft.com/office/drawing/2017/decorative" val="1"/>
+                <adec:decorative xmlns="" xmlns:adec="http://schemas.microsoft.com/office/drawing/2017/decorative" val="1"/>
               </a:ext>
             </a:extLst>
           </p:cNvPr>
@@ -14855,7 +14980,7 @@
                   <a16:creationId xmlns:a16="http://schemas.microsoft.com/office/drawing/2014/main" id="{3886586B-3F0F-4593-B272-AE75AD0F0929}"/>
                 </a:ext>
                 <a:ext uri="{C183D7F6-B498-43B3-948B-1728B52AA6E4}">
-                  <adec:decorative xmlns:adec="http://schemas.microsoft.com/office/drawing/2017/decorative" val="1"/>
+                  <adec:decorative xmlns="" xmlns:adec="http://schemas.microsoft.com/office/drawing/2017/decorative" val="1"/>
                 </a:ext>
               </a:extLst>
             </p:cNvPr>
@@ -14900,7 +15025,7 @@
                   <a16:creationId xmlns:a16="http://schemas.microsoft.com/office/drawing/2014/main" id="{020DEB59-BF94-41B5-8F16-8B10442EE098}"/>
                 </a:ext>
                 <a:ext uri="{C183D7F6-B498-43B3-948B-1728B52AA6E4}">
-                  <adec:decorative xmlns:adec="http://schemas.microsoft.com/office/drawing/2017/decorative" val="1"/>
+                  <adec:decorative xmlns="" xmlns:adec="http://schemas.microsoft.com/office/drawing/2017/decorative" val="1"/>
                 </a:ext>
               </a:extLst>
             </p:cNvPr>
@@ -14949,7 +15074,7 @@
                   <a16:creationId xmlns:a16="http://schemas.microsoft.com/office/drawing/2014/main" id="{9A3BEF6F-FC03-43B1-8D1B-8DA3A360DBF0}"/>
                 </a:ext>
                 <a:ext uri="{C183D7F6-B498-43B3-948B-1728B52AA6E4}">
-                  <adec:decorative xmlns:adec="http://schemas.microsoft.com/office/drawing/2017/decorative" val="1"/>
+                  <adec:decorative xmlns="" xmlns:adec="http://schemas.microsoft.com/office/drawing/2017/decorative" val="1"/>
                 </a:ext>
               </a:extLst>
             </p:cNvPr>
@@ -14993,7 +15118,7 @@
                   <a16:creationId xmlns:a16="http://schemas.microsoft.com/office/drawing/2014/main" id="{0F49BA32-A501-4C79-9A72-92587AB9EEFE}"/>
                 </a:ext>
                 <a:ext uri="{C183D7F6-B498-43B3-948B-1728B52AA6E4}">
-                  <adec:decorative xmlns:adec="http://schemas.microsoft.com/office/drawing/2017/decorative" val="1"/>
+                  <adec:decorative xmlns="" xmlns:adec="http://schemas.microsoft.com/office/drawing/2017/decorative" val="1"/>
                 </a:ext>
               </a:extLst>
             </p:cNvPr>
@@ -15038,7 +15163,7 @@
                 <a16:creationId xmlns:a16="http://schemas.microsoft.com/office/drawing/2014/main" id="{883F92AF-2403-4558-B1D7-72130A1E4BC7}"/>
               </a:ext>
               <a:ext uri="{C183D7F6-B498-43B3-948B-1728B52AA6E4}">
-                <adec:decorative xmlns:adec="http://schemas.microsoft.com/office/drawing/2017/decorative" val="1"/>
+                <adec:decorative xmlns="" xmlns:adec="http://schemas.microsoft.com/office/drawing/2017/decorative" val="1"/>
               </a:ext>
             </a:extLst>
           </p:cNvPr>
@@ -15147,19 +15272,27 @@
           <a:p>
             <a:r>
               <a:rPr lang="de-CH" dirty="0"/>
-              <a:t>Sehnsucht und Leidenschaft</a:t>
-            </a:r>
-          </a:p>
-          <a:p>
+              <a:t>Sehnsucht und </a:t>
+            </a:r>
+            <a:r>
+              <a:rPr lang="de-CH" dirty="0" smtClean="0"/>
+              <a:t>Leidenschaft</a:t>
+            </a:r>
+          </a:p>
+          <a:p>
+            <a:r>
+              <a:rPr lang="de-CH" dirty="0" smtClean="0"/>
+              <a:t>Fernweh und das Reisen</a:t>
+            </a:r>
+          </a:p>
+          <a:p>
+            <a:r>
+              <a:rPr lang="de-CH" dirty="0" smtClean="0"/>
+              <a:t>Häufiges </a:t>
+            </a:r>
             <a:r>
               <a:rPr lang="de-CH" dirty="0"/>
-              <a:t>Todessehnsucht, Einsamkeit in der Fremde</a:t>
-            </a:r>
-          </a:p>
-          <a:p>
-            <a:r>
-              <a:rPr lang="de-CH" dirty="0"/>
-              <a:t>Häufiges Muster: ein Verrückter und ein Genie</a:t>
+              <a:t>Muster: ein Verrückter und ein Genie</a:t>
             </a:r>
             <a:endParaRPr lang="en-US" dirty="0"/>
           </a:p>
@@ -15254,6 +15387,13 @@
   <p:clrMapOvr>
     <a:masterClrMapping/>
   </p:clrMapOvr>
+  <p:timing>
+    <p:tnLst>
+      <p:par>
+        <p:cTn id="1" dur="indefinite" restart="never" nodeType="tmRoot"/>
+      </p:par>
+    </p:tnLst>
+  </p:timing>
 </p:sld>
 </file>
 
@@ -15293,7 +15433,7 @@
                 <a16:creationId xmlns:a16="http://schemas.microsoft.com/office/drawing/2014/main" id="{DFB5D1BB-0703-437B-BD1E-1D07F8A2730B}"/>
               </a:ext>
               <a:ext uri="{C183D7F6-B498-43B3-948B-1728B52AA6E4}">
-                <adec:decorative xmlns:adec="http://schemas.microsoft.com/office/drawing/2017/decorative" val="1"/>
+                <adec:decorative xmlns="" xmlns:adec="http://schemas.microsoft.com/office/drawing/2017/decorative" val="1"/>
               </a:ext>
             </a:extLst>
           </p:cNvPr>
@@ -15324,7 +15464,7 @@
                   <a16:creationId xmlns:a16="http://schemas.microsoft.com/office/drawing/2014/main" id="{3886586B-3F0F-4593-B272-AE75AD0F0929}"/>
                 </a:ext>
                 <a:ext uri="{C183D7F6-B498-43B3-948B-1728B52AA6E4}">
-                  <adec:decorative xmlns:adec="http://schemas.microsoft.com/office/drawing/2017/decorative" val="1"/>
+                  <adec:decorative xmlns="" xmlns:adec="http://schemas.microsoft.com/office/drawing/2017/decorative" val="1"/>
                 </a:ext>
               </a:extLst>
             </p:cNvPr>
@@ -15369,7 +15509,7 @@
                   <a16:creationId xmlns:a16="http://schemas.microsoft.com/office/drawing/2014/main" id="{020DEB59-BF94-41B5-8F16-8B10442EE098}"/>
                 </a:ext>
                 <a:ext uri="{C183D7F6-B498-43B3-948B-1728B52AA6E4}">
-                  <adec:decorative xmlns:adec="http://schemas.microsoft.com/office/drawing/2017/decorative" val="1"/>
+                  <adec:decorative xmlns="" xmlns:adec="http://schemas.microsoft.com/office/drawing/2017/decorative" val="1"/>
                 </a:ext>
               </a:extLst>
             </p:cNvPr>
@@ -15418,7 +15558,7 @@
                   <a16:creationId xmlns:a16="http://schemas.microsoft.com/office/drawing/2014/main" id="{9A3BEF6F-FC03-43B1-8D1B-8DA3A360DBF0}"/>
                 </a:ext>
                 <a:ext uri="{C183D7F6-B498-43B3-948B-1728B52AA6E4}">
-                  <adec:decorative xmlns:adec="http://schemas.microsoft.com/office/drawing/2017/decorative" val="1"/>
+                  <adec:decorative xmlns="" xmlns:adec="http://schemas.microsoft.com/office/drawing/2017/decorative" val="1"/>
                 </a:ext>
               </a:extLst>
             </p:cNvPr>
@@ -15462,7 +15602,7 @@
                   <a16:creationId xmlns:a16="http://schemas.microsoft.com/office/drawing/2014/main" id="{0F49BA32-A501-4C79-9A72-92587AB9EEFE}"/>
                 </a:ext>
                 <a:ext uri="{C183D7F6-B498-43B3-948B-1728B52AA6E4}">
-                  <adec:decorative xmlns:adec="http://schemas.microsoft.com/office/drawing/2017/decorative" val="1"/>
+                  <adec:decorative xmlns="" xmlns:adec="http://schemas.microsoft.com/office/drawing/2017/decorative" val="1"/>
                 </a:ext>
               </a:extLst>
             </p:cNvPr>
@@ -15507,7 +15647,7 @@
                 <a16:creationId xmlns:a16="http://schemas.microsoft.com/office/drawing/2014/main" id="{883F92AF-2403-4558-B1D7-72130A1E4BC7}"/>
               </a:ext>
               <a:ext uri="{C183D7F6-B498-43B3-948B-1728B52AA6E4}">
-                <adec:decorative xmlns:adec="http://schemas.microsoft.com/office/drawing/2017/decorative" val="1"/>
+                <adec:decorative xmlns="" xmlns:adec="http://schemas.microsoft.com/office/drawing/2017/decorative" val="1"/>
               </a:ext>
             </a:extLst>
           </p:cNvPr>
@@ -15555,7 +15695,7 @@
                 <a16:creationId xmlns:a16="http://schemas.microsoft.com/office/drawing/2014/main" id="{A440FBE6-72B7-43D4-A8EB-FDBC35FE56C6}"/>
               </a:ext>
               <a:ext uri="{C183D7F6-B498-43B3-948B-1728B52AA6E4}">
-                <adec:decorative xmlns:adec="http://schemas.microsoft.com/office/drawing/2017/decorative" val="1"/>
+                <adec:decorative xmlns="" xmlns:adec="http://schemas.microsoft.com/office/drawing/2017/decorative" val="1"/>
               </a:ext>
             </a:extLst>
           </p:cNvPr>
@@ -15615,7 +15755,7 @@
                 <a16:creationId xmlns:a16="http://schemas.microsoft.com/office/drawing/2014/main" id="{647B8492-BC4D-4046-B35A-C38E03494068}"/>
               </a:ext>
               <a:ext uri="{C183D7F6-B498-43B3-948B-1728B52AA6E4}">
-                <adec:decorative xmlns:adec="http://schemas.microsoft.com/office/drawing/2017/decorative" val="1"/>
+                <adec:decorative xmlns="" xmlns:adec="http://schemas.microsoft.com/office/drawing/2017/decorative" val="1"/>
               </a:ext>
             </a:extLst>
           </p:cNvPr>
@@ -15646,7 +15786,7 @@
                   <a16:creationId xmlns:a16="http://schemas.microsoft.com/office/drawing/2014/main" id="{47264A7B-BD07-443B-B4AE-B7D112274D0D}"/>
                 </a:ext>
                 <a:ext uri="{C183D7F6-B498-43B3-948B-1728B52AA6E4}">
-                  <adec:decorative xmlns:adec="http://schemas.microsoft.com/office/drawing/2017/decorative" val="1"/>
+                  <adec:decorative xmlns="" xmlns:adec="http://schemas.microsoft.com/office/drawing/2017/decorative" val="1"/>
                 </a:ext>
               </a:extLst>
             </p:cNvPr>
@@ -15691,7 +15831,7 @@
                   <a16:creationId xmlns:a16="http://schemas.microsoft.com/office/drawing/2014/main" id="{8D9B85B4-ACC6-412B-BC6B-2163BCCDFBD0}"/>
                 </a:ext>
                 <a:ext uri="{C183D7F6-B498-43B3-948B-1728B52AA6E4}">
-                  <adec:decorative xmlns:adec="http://schemas.microsoft.com/office/drawing/2017/decorative" val="1"/>
+                  <adec:decorative xmlns="" xmlns:adec="http://schemas.microsoft.com/office/drawing/2017/decorative" val="1"/>
                 </a:ext>
               </a:extLst>
             </p:cNvPr>
@@ -15740,7 +15880,7 @@
                   <a16:creationId xmlns:a16="http://schemas.microsoft.com/office/drawing/2014/main" id="{17D5E57D-F913-44D3-9AF3-FCDFAE64F7E9}"/>
                 </a:ext>
                 <a:ext uri="{C183D7F6-B498-43B3-948B-1728B52AA6E4}">
-                  <adec:decorative xmlns:adec="http://schemas.microsoft.com/office/drawing/2017/decorative" val="1"/>
+                  <adec:decorative xmlns="" xmlns:adec="http://schemas.microsoft.com/office/drawing/2017/decorative" val="1"/>
                 </a:ext>
               </a:extLst>
             </p:cNvPr>
@@ -15784,7 +15924,7 @@
                   <a16:creationId xmlns:a16="http://schemas.microsoft.com/office/drawing/2014/main" id="{BCF01E4E-4102-455A-BC41-D5F848B94177}"/>
                 </a:ext>
                 <a:ext uri="{C183D7F6-B498-43B3-948B-1728B52AA6E4}">
-                  <adec:decorative xmlns:adec="http://schemas.microsoft.com/office/drawing/2017/decorative" val="1"/>
+                  <adec:decorative xmlns="" xmlns:adec="http://schemas.microsoft.com/office/drawing/2017/decorative" val="1"/>
                 </a:ext>
               </a:extLst>
             </p:cNvPr>
@@ -15866,7 +16006,7 @@
                 <a16:creationId xmlns:a16="http://schemas.microsoft.com/office/drawing/2014/main" id="{16652DC1-CA18-4263-AC06-BAB0B05EC783}"/>
               </a:ext>
               <a:ext uri="{C183D7F6-B498-43B3-948B-1728B52AA6E4}">
-                <adec:decorative xmlns:adec="http://schemas.microsoft.com/office/drawing/2017/decorative" val="1"/>
+                <adec:decorative xmlns="" xmlns:adec="http://schemas.microsoft.com/office/drawing/2017/decorative" val="1"/>
               </a:ext>
             </a:extLst>
           </p:cNvPr>
@@ -15937,15 +16077,32 @@
           </a:p>
           <a:p>
             <a:r>
+              <a:rPr lang="de-CH" sz="1800" dirty="0" smtClean="0"/>
+              <a:t>Natur</a:t>
+            </a:r>
+            <a:r>
               <a:rPr lang="de-CH" sz="1800" dirty="0"/>
-              <a:t>Natur, Landschaften</a:t>
-            </a:r>
-          </a:p>
-          <a:p>
+              <a:t> </a:t>
+            </a:r>
+            <a:r>
+              <a:rPr lang="de-CH" sz="1800" dirty="0" smtClean="0"/>
+              <a:t>und </a:t>
+            </a:r>
             <a:r>
               <a:rPr lang="de-CH" sz="1800" dirty="0"/>
-              <a:t>ruinenhafte Gebäude, Friedhöfe, Landschaften</a:t>
-            </a:r>
+              <a:t>Landschaften</a:t>
+            </a:r>
+          </a:p>
+          <a:p>
+            <a:r>
+              <a:rPr lang="de-CH" sz="1800" dirty="0"/>
+              <a:t>ruinenhafte </a:t>
+            </a:r>
+            <a:r>
+              <a:rPr lang="de-CH" sz="1800" dirty="0" smtClean="0"/>
+              <a:t>Gebäude und Friedhöfe</a:t>
+            </a:r>
+            <a:endParaRPr lang="de-CH" sz="1800" dirty="0"/>
           </a:p>
           <a:p>
             <a:r>
@@ -16055,6 +16212,13 @@
   <p:clrMapOvr>
     <a:masterClrMapping/>
   </p:clrMapOvr>
+  <p:timing>
+    <p:tnLst>
+      <p:par>
+        <p:cTn id="1" dur="indefinite" restart="never" nodeType="tmRoot"/>
+      </p:par>
+    </p:tnLst>
+  </p:timing>
 </p:sld>
 </file>
 
@@ -16094,7 +16258,7 @@
                 <a16:creationId xmlns:a16="http://schemas.microsoft.com/office/drawing/2014/main" id="{DC878D9A-77BE-4701-AE3D-EEFC53CD50BC}"/>
               </a:ext>
               <a:ext uri="{C183D7F6-B498-43B3-948B-1728B52AA6E4}">
-                <adec:decorative xmlns:adec="http://schemas.microsoft.com/office/drawing/2017/decorative" val="1"/>
+                <adec:decorative xmlns="" xmlns:adec="http://schemas.microsoft.com/office/drawing/2017/decorative" val="1"/>
               </a:ext>
             </a:extLst>
           </p:cNvPr>
@@ -16154,7 +16318,7 @@
                 <a16:creationId xmlns:a16="http://schemas.microsoft.com/office/drawing/2014/main" id="{F643BE08-0ED1-4B73-AC6D-B7E26A59CDAA}"/>
               </a:ext>
               <a:ext uri="{C183D7F6-B498-43B3-948B-1728B52AA6E4}">
-                <adec:decorative xmlns:adec="http://schemas.microsoft.com/office/drawing/2017/decorative" val="1"/>
+                <adec:decorative xmlns="" xmlns:adec="http://schemas.microsoft.com/office/drawing/2017/decorative" val="1"/>
               </a:ext>
             </a:extLst>
           </p:cNvPr>
@@ -16234,7 +16398,7 @@
                 <a16:creationId xmlns:a16="http://schemas.microsoft.com/office/drawing/2014/main" id="{956B2094-7FC0-45FC-BFED-3CB88CEE63F5}"/>
               </a:ext>
               <a:ext uri="{C183D7F6-B498-43B3-948B-1728B52AA6E4}">
-                <adec:decorative xmlns:adec="http://schemas.microsoft.com/office/drawing/2017/decorative" val="1"/>
+                <adec:decorative xmlns="" xmlns:adec="http://schemas.microsoft.com/office/drawing/2017/decorative" val="1"/>
               </a:ext>
             </a:extLst>
           </p:cNvPr>
@@ -16327,7 +16491,7 @@
                 <a16:creationId xmlns:a16="http://schemas.microsoft.com/office/drawing/2014/main" id="{07A4B640-BB7F-4272-A710-068DBA9F9A6E}"/>
               </a:ext>
               <a:ext uri="{C183D7F6-B498-43B3-948B-1728B52AA6E4}">
-                <adec:decorative xmlns:adec="http://schemas.microsoft.com/office/drawing/2017/decorative" val="1"/>
+                <adec:decorative xmlns="" xmlns:adec="http://schemas.microsoft.com/office/drawing/2017/decorative" val="1"/>
               </a:ext>
             </a:extLst>
           </p:cNvPr>
@@ -16471,6 +16635,13 @@
   <p:clrMapOvr>
     <a:masterClrMapping/>
   </p:clrMapOvr>
+  <p:timing>
+    <p:tnLst>
+      <p:par>
+        <p:cTn id="1" dur="indefinite" restart="never" nodeType="tmRoot"/>
+      </p:par>
+    </p:tnLst>
+  </p:timing>
 </p:sld>
 </file>
 
